--- a/Algorithms.pptx
+++ b/Algorithms.pptx
@@ -19,24 +19,29 @@
     <p:sldId id="267" r:id="rId13"/>
     <p:sldId id="268" r:id="rId14"/>
     <p:sldId id="269" r:id="rId15"/>
-    <p:sldId id="270" r:id="rId16"/>
-    <p:sldId id="272" r:id="rId17"/>
-    <p:sldId id="273" r:id="rId18"/>
-    <p:sldId id="274" r:id="rId19"/>
-    <p:sldId id="275" r:id="rId20"/>
-    <p:sldId id="271" r:id="rId21"/>
-    <p:sldId id="276" r:id="rId22"/>
-    <p:sldId id="277" r:id="rId23"/>
-    <p:sldId id="278" r:id="rId24"/>
-    <p:sldId id="279" r:id="rId25"/>
-    <p:sldId id="280" r:id="rId26"/>
-    <p:sldId id="281" r:id="rId27"/>
-    <p:sldId id="282" r:id="rId28"/>
-    <p:sldId id="283" r:id="rId29"/>
-    <p:sldId id="284" r:id="rId30"/>
-    <p:sldId id="285" r:id="rId31"/>
-    <p:sldId id="286" r:id="rId32"/>
-    <p:sldId id="287" r:id="rId33"/>
+    <p:sldId id="288" r:id="rId16"/>
+    <p:sldId id="270" r:id="rId17"/>
+    <p:sldId id="272" r:id="rId18"/>
+    <p:sldId id="273" r:id="rId19"/>
+    <p:sldId id="274" r:id="rId20"/>
+    <p:sldId id="275" r:id="rId21"/>
+    <p:sldId id="271" r:id="rId22"/>
+    <p:sldId id="276" r:id="rId23"/>
+    <p:sldId id="277" r:id="rId24"/>
+    <p:sldId id="289" r:id="rId25"/>
+    <p:sldId id="290" r:id="rId26"/>
+    <p:sldId id="291" r:id="rId27"/>
+    <p:sldId id="278" r:id="rId28"/>
+    <p:sldId id="279" r:id="rId29"/>
+    <p:sldId id="280" r:id="rId30"/>
+    <p:sldId id="281" r:id="rId31"/>
+    <p:sldId id="282" r:id="rId32"/>
+    <p:sldId id="283" r:id="rId33"/>
+    <p:sldId id="292" r:id="rId34"/>
+    <p:sldId id="284" r:id="rId35"/>
+    <p:sldId id="285" r:id="rId36"/>
+    <p:sldId id="286" r:id="rId37"/>
+    <p:sldId id="287" r:id="rId38"/>
   </p:sldIdLst>
   <p:sldSz cx="9144000" cy="6858000" type="screen4x3"/>
   <p:notesSz cx="6858000" cy="9144000"/>
@@ -274,7 +279,7 @@
           <a:p>
             <a:fld id="{826073D0-EB35-4F54-BC7E-BC0FBDEA0745}" type="datetimeFigureOut">
               <a:rPr lang="ru-RU" smtClean="0"/>
-              <a:t>09.12.2013</a:t>
+              <a:t>02.12.2014</a:t>
             </a:fld>
             <a:endParaRPr lang="ru-RU"/>
           </a:p>
@@ -444,7 +449,7 @@
           <a:p>
             <a:fld id="{826073D0-EB35-4F54-BC7E-BC0FBDEA0745}" type="datetimeFigureOut">
               <a:rPr lang="ru-RU" smtClean="0"/>
-              <a:t>09.12.2013</a:t>
+              <a:t>02.12.2014</a:t>
             </a:fld>
             <a:endParaRPr lang="ru-RU"/>
           </a:p>
@@ -624,7 +629,7 @@
           <a:p>
             <a:fld id="{826073D0-EB35-4F54-BC7E-BC0FBDEA0745}" type="datetimeFigureOut">
               <a:rPr lang="ru-RU" smtClean="0"/>
-              <a:t>09.12.2013</a:t>
+              <a:t>02.12.2014</a:t>
             </a:fld>
             <a:endParaRPr lang="ru-RU"/>
           </a:p>
@@ -794,7 +799,7 @@
           <a:p>
             <a:fld id="{826073D0-EB35-4F54-BC7E-BC0FBDEA0745}" type="datetimeFigureOut">
               <a:rPr lang="ru-RU" smtClean="0"/>
-              <a:t>09.12.2013</a:t>
+              <a:t>02.12.2014</a:t>
             </a:fld>
             <a:endParaRPr lang="ru-RU"/>
           </a:p>
@@ -1038,7 +1043,7 @@
           <a:p>
             <a:fld id="{826073D0-EB35-4F54-BC7E-BC0FBDEA0745}" type="datetimeFigureOut">
               <a:rPr lang="ru-RU" smtClean="0"/>
-              <a:t>09.12.2013</a:t>
+              <a:t>02.12.2014</a:t>
             </a:fld>
             <a:endParaRPr lang="ru-RU"/>
           </a:p>
@@ -1270,7 +1275,7 @@
           <a:p>
             <a:fld id="{826073D0-EB35-4F54-BC7E-BC0FBDEA0745}" type="datetimeFigureOut">
               <a:rPr lang="ru-RU" smtClean="0"/>
-              <a:t>09.12.2013</a:t>
+              <a:t>02.12.2014</a:t>
             </a:fld>
             <a:endParaRPr lang="ru-RU"/>
           </a:p>
@@ -1637,7 +1642,7 @@
           <a:p>
             <a:fld id="{826073D0-EB35-4F54-BC7E-BC0FBDEA0745}" type="datetimeFigureOut">
               <a:rPr lang="ru-RU" smtClean="0"/>
-              <a:t>09.12.2013</a:t>
+              <a:t>02.12.2014</a:t>
             </a:fld>
             <a:endParaRPr lang="ru-RU"/>
           </a:p>
@@ -1755,7 +1760,7 @@
           <a:p>
             <a:fld id="{826073D0-EB35-4F54-BC7E-BC0FBDEA0745}" type="datetimeFigureOut">
               <a:rPr lang="ru-RU" smtClean="0"/>
-              <a:t>09.12.2013</a:t>
+              <a:t>02.12.2014</a:t>
             </a:fld>
             <a:endParaRPr lang="ru-RU"/>
           </a:p>
@@ -1850,7 +1855,7 @@
           <a:p>
             <a:fld id="{826073D0-EB35-4F54-BC7E-BC0FBDEA0745}" type="datetimeFigureOut">
               <a:rPr lang="ru-RU" smtClean="0"/>
-              <a:t>09.12.2013</a:t>
+              <a:t>02.12.2014</a:t>
             </a:fld>
             <a:endParaRPr lang="ru-RU"/>
           </a:p>
@@ -2127,7 +2132,7 @@
           <a:p>
             <a:fld id="{826073D0-EB35-4F54-BC7E-BC0FBDEA0745}" type="datetimeFigureOut">
               <a:rPr lang="ru-RU" smtClean="0"/>
-              <a:t>09.12.2013</a:t>
+              <a:t>02.12.2014</a:t>
             </a:fld>
             <a:endParaRPr lang="ru-RU"/>
           </a:p>
@@ -2384,7 +2389,7 @@
           <a:p>
             <a:fld id="{826073D0-EB35-4F54-BC7E-BC0FBDEA0745}" type="datetimeFigureOut">
               <a:rPr lang="ru-RU" smtClean="0"/>
-              <a:t>09.12.2013</a:t>
+              <a:t>02.12.2014</a:t>
             </a:fld>
             <a:endParaRPr lang="ru-RU"/>
           </a:p>
@@ -2597,7 +2602,7 @@
           <a:p>
             <a:fld id="{826073D0-EB35-4F54-BC7E-BC0FBDEA0745}" type="datetimeFigureOut">
               <a:rPr lang="ru-RU" smtClean="0"/>
-              <a:t>09.12.2013</a:t>
+              <a:t>02.12.2014</a:t>
             </a:fld>
             <a:endParaRPr lang="ru-RU"/>
           </a:p>
@@ -3367,7 +3372,7 @@
         </p:nvSpPr>
         <p:spPr>
           <a:xfrm>
-            <a:off x="628650" y="365127"/>
+            <a:off x="636207" y="136484"/>
             <a:ext cx="7886700" cy="526414"/>
           </a:xfrm>
         </p:spPr>
@@ -3412,7 +3417,7 @@
         </p:blipFill>
         <p:spPr>
           <a:xfrm>
-            <a:off x="1278010" y="1460204"/>
+            <a:off x="1278010" y="1348828"/>
             <a:ext cx="6795646" cy="5068237"/>
           </a:xfrm>
           <a:prstGeom prst="rect">
@@ -3432,7 +3437,7 @@
         </p:nvSpPr>
         <p:spPr>
           <a:xfrm>
-            <a:off x="1073833" y="1060243"/>
+            <a:off x="1073832" y="891541"/>
             <a:ext cx="7204001" cy="577171"/>
           </a:xfrm>
         </p:spPr>
@@ -3649,6 +3654,36 @@
           </a:p>
         </p:txBody>
       </p:sp>
+      <p:pic>
+        <p:nvPicPr>
+          <p:cNvPr id="4" name="Picture 3"/>
+          <p:cNvPicPr>
+            <a:picLocks noChangeAspect="1"/>
+          </p:cNvPicPr>
+          <p:nvPr/>
+        </p:nvPicPr>
+        <p:blipFill>
+          <a:blip r:embed="rId2">
+            <a:extLst>
+              <a:ext uri="{28A0092B-C50C-407E-A947-70E740481C1C}">
+                <a14:useLocalDpi xmlns:a14="http://schemas.microsoft.com/office/drawing/2010/main" val="0"/>
+              </a:ext>
+            </a:extLst>
+          </a:blip>
+          <a:stretch>
+            <a:fillRect/>
+          </a:stretch>
+        </p:blipFill>
+        <p:spPr>
+          <a:xfrm>
+            <a:off x="2733675" y="4680671"/>
+            <a:ext cx="3676650" cy="1819275"/>
+          </a:xfrm>
+          <a:prstGeom prst="rect">
+            <a:avLst/>
+          </a:prstGeom>
+        </p:spPr>
+      </p:pic>
     </p:spTree>
     <p:extLst>
       <p:ext uri="{BB962C8B-B14F-4D97-AF65-F5344CB8AC3E}">
@@ -3882,7 +3917,15 @@
           <a:p>
             <a:r>
               <a:rPr lang="ru-RU" dirty="0" smtClean="0"/>
-              <a:t>Позволяет не пропускать часть вершин</a:t>
+              <a:t>Позволяет </a:t>
+            </a:r>
+            <a:r>
+              <a:rPr lang="ru-RU" dirty="0" smtClean="0"/>
+              <a:t>пропускать </a:t>
+            </a:r>
+            <a:r>
+              <a:rPr lang="ru-RU" dirty="0" smtClean="0"/>
+              <a:t>часть вершин</a:t>
             </a:r>
           </a:p>
           <a:p>
@@ -4003,6 +4046,455 @@
           <a:chExt cx="0" cy="0"/>
         </a:xfrm>
       </p:grpSpPr>
+      <p:pic>
+        <p:nvPicPr>
+          <p:cNvPr id="4" name="Picture 3"/>
+          <p:cNvPicPr>
+            <a:picLocks noChangeAspect="1"/>
+          </p:cNvPicPr>
+          <p:nvPr/>
+        </p:nvPicPr>
+        <p:blipFill>
+          <a:blip r:embed="rId2">
+            <a:extLst>
+              <a:ext uri="{28A0092B-C50C-407E-A947-70E740481C1C}">
+                <a14:useLocalDpi xmlns:a14="http://schemas.microsoft.com/office/drawing/2010/main" val="0"/>
+              </a:ext>
+            </a:extLst>
+          </a:blip>
+          <a:stretch>
+            <a:fillRect/>
+          </a:stretch>
+        </p:blipFill>
+        <p:spPr>
+          <a:xfrm>
+            <a:off x="852349" y="1057432"/>
+            <a:ext cx="2038350" cy="5619750"/>
+          </a:xfrm>
+          <a:prstGeom prst="rect">
+            <a:avLst/>
+          </a:prstGeom>
+        </p:spPr>
+      </p:pic>
+      <p:pic>
+        <p:nvPicPr>
+          <p:cNvPr id="5" name="Picture 4"/>
+          <p:cNvPicPr>
+            <a:picLocks noChangeAspect="1"/>
+          </p:cNvPicPr>
+          <p:nvPr/>
+        </p:nvPicPr>
+        <p:blipFill>
+          <a:blip r:embed="rId3">
+            <a:extLst>
+              <a:ext uri="{28A0092B-C50C-407E-A947-70E740481C1C}">
+                <a14:useLocalDpi xmlns:a14="http://schemas.microsoft.com/office/drawing/2010/main" val="0"/>
+              </a:ext>
+            </a:extLst>
+          </a:blip>
+          <a:stretch>
+            <a:fillRect/>
+          </a:stretch>
+        </p:blipFill>
+        <p:spPr>
+          <a:xfrm>
+            <a:off x="4048793" y="1057432"/>
+            <a:ext cx="2028825" cy="5695950"/>
+          </a:xfrm>
+          <a:prstGeom prst="rect">
+            <a:avLst/>
+          </a:prstGeom>
+        </p:spPr>
+      </p:pic>
+      <p:pic>
+        <p:nvPicPr>
+          <p:cNvPr id="7" name="Picture 6"/>
+          <p:cNvPicPr>
+            <a:picLocks noChangeAspect="1"/>
+          </p:cNvPicPr>
+          <p:nvPr/>
+        </p:nvPicPr>
+        <p:blipFill>
+          <a:blip r:embed="rId4">
+            <a:extLst>
+              <a:ext uri="{28A0092B-C50C-407E-A947-70E740481C1C}">
+                <a14:useLocalDpi xmlns:a14="http://schemas.microsoft.com/office/drawing/2010/main" val="0"/>
+              </a:ext>
+            </a:extLst>
+          </a:blip>
+          <a:stretch>
+            <a:fillRect/>
+          </a:stretch>
+        </p:blipFill>
+        <p:spPr>
+          <a:xfrm>
+            <a:off x="6837531" y="2505232"/>
+            <a:ext cx="1857375" cy="2724150"/>
+          </a:xfrm>
+          <a:prstGeom prst="rect">
+            <a:avLst/>
+          </a:prstGeom>
+        </p:spPr>
+      </p:pic>
+      <p:sp>
+        <p:nvSpPr>
+          <p:cNvPr id="11" name="TextBox 10"/>
+          <p:cNvSpPr txBox="1"/>
+          <p:nvPr/>
+        </p:nvSpPr>
+        <p:spPr>
+          <a:xfrm>
+            <a:off x="476469" y="1623798"/>
+            <a:ext cx="301686" cy="369332"/>
+          </a:xfrm>
+          <a:prstGeom prst="rect">
+            <a:avLst/>
+          </a:prstGeom>
+          <a:noFill/>
+        </p:spPr>
+        <p:txBody>
+          <a:bodyPr wrap="none" rtlCol="0">
+            <a:spAutoFit/>
+          </a:bodyPr>
+          <a:lstStyle/>
+          <a:p>
+            <a:r>
+              <a:rPr lang="en-US" dirty="0" smtClean="0"/>
+              <a:t>1</a:t>
+            </a:r>
+            <a:endParaRPr lang="ru-RU" dirty="0"/>
+          </a:p>
+        </p:txBody>
+      </p:sp>
+      <p:sp>
+        <p:nvSpPr>
+          <p:cNvPr id="12" name="TextBox 11"/>
+          <p:cNvSpPr txBox="1"/>
+          <p:nvPr/>
+        </p:nvSpPr>
+        <p:spPr>
+          <a:xfrm>
+            <a:off x="462102" y="3037923"/>
+            <a:ext cx="165210" cy="369332"/>
+          </a:xfrm>
+          <a:prstGeom prst="rect">
+            <a:avLst/>
+          </a:prstGeom>
+          <a:noFill/>
+        </p:spPr>
+        <p:txBody>
+          <a:bodyPr wrap="square" rtlCol="0">
+            <a:spAutoFit/>
+          </a:bodyPr>
+          <a:lstStyle/>
+          <a:p>
+            <a:r>
+              <a:rPr lang="en-US" dirty="0" smtClean="0"/>
+              <a:t>2</a:t>
+            </a:r>
+            <a:endParaRPr lang="ru-RU" dirty="0"/>
+          </a:p>
+        </p:txBody>
+      </p:sp>
+      <p:sp>
+        <p:nvSpPr>
+          <p:cNvPr id="13" name="TextBox 12"/>
+          <p:cNvSpPr txBox="1"/>
+          <p:nvPr/>
+        </p:nvSpPr>
+        <p:spPr>
+          <a:xfrm>
+            <a:off x="445117" y="4306542"/>
+            <a:ext cx="301686" cy="369332"/>
+          </a:xfrm>
+          <a:prstGeom prst="rect">
+            <a:avLst/>
+          </a:prstGeom>
+          <a:noFill/>
+        </p:spPr>
+        <p:txBody>
+          <a:bodyPr wrap="none" rtlCol="0">
+            <a:spAutoFit/>
+          </a:bodyPr>
+          <a:lstStyle/>
+          <a:p>
+            <a:r>
+              <a:rPr lang="en-US" dirty="0" smtClean="0"/>
+              <a:t>3</a:t>
+            </a:r>
+            <a:endParaRPr lang="ru-RU" dirty="0"/>
+          </a:p>
+        </p:txBody>
+      </p:sp>
+      <p:sp>
+        <p:nvSpPr>
+          <p:cNvPr id="14" name="TextBox 13"/>
+          <p:cNvSpPr txBox="1"/>
+          <p:nvPr/>
+        </p:nvSpPr>
+        <p:spPr>
+          <a:xfrm>
+            <a:off x="427774" y="5720667"/>
+            <a:ext cx="301686" cy="369332"/>
+          </a:xfrm>
+          <a:prstGeom prst="rect">
+            <a:avLst/>
+          </a:prstGeom>
+          <a:noFill/>
+        </p:spPr>
+        <p:txBody>
+          <a:bodyPr wrap="none" rtlCol="0">
+            <a:spAutoFit/>
+          </a:bodyPr>
+          <a:lstStyle/>
+          <a:p>
+            <a:r>
+              <a:rPr lang="en-US" dirty="0" smtClean="0"/>
+              <a:t>4</a:t>
+            </a:r>
+            <a:endParaRPr lang="ru-RU" dirty="0"/>
+          </a:p>
+        </p:txBody>
+      </p:sp>
+      <p:sp>
+        <p:nvSpPr>
+          <p:cNvPr id="15" name="TextBox 14"/>
+          <p:cNvSpPr txBox="1"/>
+          <p:nvPr/>
+        </p:nvSpPr>
+        <p:spPr>
+          <a:xfrm>
+            <a:off x="3770955" y="1582715"/>
+            <a:ext cx="301686" cy="369332"/>
+          </a:xfrm>
+          <a:prstGeom prst="rect">
+            <a:avLst/>
+          </a:prstGeom>
+          <a:noFill/>
+        </p:spPr>
+        <p:txBody>
+          <a:bodyPr wrap="none" rtlCol="0">
+            <a:spAutoFit/>
+          </a:bodyPr>
+          <a:lstStyle/>
+          <a:p>
+            <a:r>
+              <a:rPr lang="en-US" dirty="0" smtClean="0"/>
+              <a:t>5</a:t>
+            </a:r>
+            <a:endParaRPr lang="ru-RU" dirty="0"/>
+          </a:p>
+        </p:txBody>
+      </p:sp>
+      <p:sp>
+        <p:nvSpPr>
+          <p:cNvPr id="16" name="TextBox 15"/>
+          <p:cNvSpPr txBox="1"/>
+          <p:nvPr/>
+        </p:nvSpPr>
+        <p:spPr>
+          <a:xfrm>
+            <a:off x="3770955" y="3143722"/>
+            <a:ext cx="301686" cy="369332"/>
+          </a:xfrm>
+          <a:prstGeom prst="rect">
+            <a:avLst/>
+          </a:prstGeom>
+          <a:noFill/>
+        </p:spPr>
+        <p:txBody>
+          <a:bodyPr wrap="none" rtlCol="0">
+            <a:spAutoFit/>
+          </a:bodyPr>
+          <a:lstStyle/>
+          <a:p>
+            <a:r>
+              <a:rPr lang="en-US" dirty="0"/>
+              <a:t>6</a:t>
+            </a:r>
+            <a:endParaRPr lang="ru-RU" dirty="0"/>
+          </a:p>
+        </p:txBody>
+      </p:sp>
+      <p:sp>
+        <p:nvSpPr>
+          <p:cNvPr id="17" name="TextBox 16"/>
+          <p:cNvSpPr txBox="1"/>
+          <p:nvPr/>
+        </p:nvSpPr>
+        <p:spPr>
+          <a:xfrm>
+            <a:off x="3770955" y="4669279"/>
+            <a:ext cx="301686" cy="369332"/>
+          </a:xfrm>
+          <a:prstGeom prst="rect">
+            <a:avLst/>
+          </a:prstGeom>
+          <a:noFill/>
+        </p:spPr>
+        <p:txBody>
+          <a:bodyPr wrap="none" rtlCol="0">
+            <a:spAutoFit/>
+          </a:bodyPr>
+          <a:lstStyle/>
+          <a:p>
+            <a:r>
+              <a:rPr lang="en-US" dirty="0" smtClean="0"/>
+              <a:t>7</a:t>
+            </a:r>
+            <a:endParaRPr lang="ru-RU" dirty="0"/>
+          </a:p>
+        </p:txBody>
+      </p:sp>
+      <p:sp>
+        <p:nvSpPr>
+          <p:cNvPr id="18" name="TextBox 17"/>
+          <p:cNvSpPr txBox="1"/>
+          <p:nvPr/>
+        </p:nvSpPr>
+        <p:spPr>
+          <a:xfrm>
+            <a:off x="3729764" y="6089999"/>
+            <a:ext cx="301686" cy="369332"/>
+          </a:xfrm>
+          <a:prstGeom prst="rect">
+            <a:avLst/>
+          </a:prstGeom>
+          <a:noFill/>
+        </p:spPr>
+        <p:txBody>
+          <a:bodyPr wrap="none" rtlCol="0">
+            <a:spAutoFit/>
+          </a:bodyPr>
+          <a:lstStyle/>
+          <a:p>
+            <a:r>
+              <a:rPr lang="en-US" dirty="0" smtClean="0"/>
+              <a:t>8</a:t>
+            </a:r>
+            <a:endParaRPr lang="ru-RU" dirty="0"/>
+          </a:p>
+        </p:txBody>
+      </p:sp>
+      <p:sp>
+        <p:nvSpPr>
+          <p:cNvPr id="19" name="TextBox 18"/>
+          <p:cNvSpPr txBox="1"/>
+          <p:nvPr/>
+        </p:nvSpPr>
+        <p:spPr>
+          <a:xfrm>
+            <a:off x="6491484" y="3222589"/>
+            <a:ext cx="301686" cy="369332"/>
+          </a:xfrm>
+          <a:prstGeom prst="rect">
+            <a:avLst/>
+          </a:prstGeom>
+          <a:noFill/>
+        </p:spPr>
+        <p:txBody>
+          <a:bodyPr wrap="none" rtlCol="0">
+            <a:spAutoFit/>
+          </a:bodyPr>
+          <a:lstStyle/>
+          <a:p>
+            <a:r>
+              <a:rPr lang="en-US" dirty="0" smtClean="0"/>
+              <a:t>9</a:t>
+            </a:r>
+            <a:endParaRPr lang="ru-RU" dirty="0"/>
+          </a:p>
+        </p:txBody>
+      </p:sp>
+      <p:sp>
+        <p:nvSpPr>
+          <p:cNvPr id="20" name="TextBox 19"/>
+          <p:cNvSpPr txBox="1"/>
+          <p:nvPr/>
+        </p:nvSpPr>
+        <p:spPr>
+          <a:xfrm>
+            <a:off x="6396647" y="4541772"/>
+            <a:ext cx="418704" cy="369332"/>
+          </a:xfrm>
+          <a:prstGeom prst="rect">
+            <a:avLst/>
+          </a:prstGeom>
+          <a:noFill/>
+        </p:spPr>
+        <p:txBody>
+          <a:bodyPr wrap="none" rtlCol="0">
+            <a:spAutoFit/>
+          </a:bodyPr>
+          <a:lstStyle/>
+          <a:p>
+            <a:r>
+              <a:rPr lang="en-US" dirty="0" smtClean="0"/>
+              <a:t>10</a:t>
+            </a:r>
+            <a:endParaRPr lang="ru-RU" dirty="0"/>
+          </a:p>
+        </p:txBody>
+      </p:sp>
+      <p:sp>
+        <p:nvSpPr>
+          <p:cNvPr id="21" name="Rectangle 20"/>
+          <p:cNvSpPr/>
+          <p:nvPr/>
+        </p:nvSpPr>
+        <p:spPr>
+          <a:xfrm>
+            <a:off x="2535092" y="72547"/>
+            <a:ext cx="5231126" cy="707886"/>
+          </a:xfrm>
+          <a:prstGeom prst="rect">
+            <a:avLst/>
+          </a:prstGeom>
+        </p:spPr>
+        <p:txBody>
+          <a:bodyPr wrap="square">
+            <a:spAutoFit/>
+          </a:bodyPr>
+          <a:lstStyle/>
+          <a:p>
+            <a:r>
+              <a:rPr lang="en-US" sz="4000" dirty="0"/>
+              <a:t>Jump-Point Search</a:t>
+            </a:r>
+            <a:endParaRPr lang="ru-RU" sz="4000" dirty="0"/>
+          </a:p>
+        </p:txBody>
+      </p:sp>
+    </p:spTree>
+    <p:extLst>
+      <p:ext uri="{BB962C8B-B14F-4D97-AF65-F5344CB8AC3E}">
+        <p14:creationId xmlns:p14="http://schemas.microsoft.com/office/powerpoint/2010/main" val="3331092337"/>
+      </p:ext>
+    </p:extLst>
+  </p:cSld>
+  <p:clrMapOvr>
+    <a:masterClrMapping/>
+  </p:clrMapOvr>
+</p:sld>
+</file>
+
+<file path=ppt/slides/slide16.xml><?xml version="1.0" encoding="utf-8"?>
+<p:sld xmlns:a="http://schemas.openxmlformats.org/drawingml/2006/main" xmlns:r="http://schemas.openxmlformats.org/officeDocument/2006/relationships" xmlns:p="http://schemas.openxmlformats.org/presentationml/2006/main">
+  <p:cSld>
+    <p:spTree>
+      <p:nvGrpSpPr>
+        <p:cNvPr id="1" name=""/>
+        <p:cNvGrpSpPr/>
+        <p:nvPr/>
+      </p:nvGrpSpPr>
+      <p:grpSpPr>
+        <a:xfrm>
+          <a:off x="0" y="0"/>
+          <a:ext cx="0" cy="0"/>
+          <a:chOff x="0" y="0"/>
+          <a:chExt cx="0" cy="0"/>
+        </a:xfrm>
+      </p:grpSpPr>
       <p:sp>
         <p:nvSpPr>
           <p:cNvPr id="2" name="Title 1"/>
@@ -4087,7 +4579,7 @@
 </p:sld>
 </file>
 
-<file path=ppt/slides/slide16.xml><?xml version="1.0" encoding="utf-8"?>
+<file path=ppt/slides/slide17.xml><?xml version="1.0" encoding="utf-8"?>
 <p:sld xmlns:a="http://schemas.openxmlformats.org/drawingml/2006/main" xmlns:r="http://schemas.openxmlformats.org/officeDocument/2006/relationships" xmlns:p="http://schemas.openxmlformats.org/presentationml/2006/main">
   <p:cSld>
     <p:spTree>
@@ -4457,7 +4949,7 @@
 </p:sld>
 </file>
 
-<file path=ppt/slides/slide17.xml><?xml version="1.0" encoding="utf-8"?>
+<file path=ppt/slides/slide18.xml><?xml version="1.0" encoding="utf-8"?>
 <p:sld xmlns:a="http://schemas.openxmlformats.org/drawingml/2006/main" xmlns:r="http://schemas.openxmlformats.org/officeDocument/2006/relationships" xmlns:p="http://schemas.openxmlformats.org/presentationml/2006/main">
   <p:cSld>
     <p:spTree>
@@ -4517,137 +5009,6 @@
 </p:sld>
 </file>
 
-<file path=ppt/slides/slide18.xml><?xml version="1.0" encoding="utf-8"?>
-<p:sld xmlns:a="http://schemas.openxmlformats.org/drawingml/2006/main" xmlns:r="http://schemas.openxmlformats.org/officeDocument/2006/relationships" xmlns:p="http://schemas.openxmlformats.org/presentationml/2006/main">
-  <p:cSld>
-    <p:spTree>
-      <p:nvGrpSpPr>
-        <p:cNvPr id="1" name=""/>
-        <p:cNvGrpSpPr/>
-        <p:nvPr/>
-      </p:nvGrpSpPr>
-      <p:grpSpPr>
-        <a:xfrm>
-          <a:off x="0" y="0"/>
-          <a:ext cx="0" cy="0"/>
-          <a:chOff x="0" y="0"/>
-          <a:chExt cx="0" cy="0"/>
-        </a:xfrm>
-      </p:grpSpPr>
-      <p:sp>
-        <p:nvSpPr>
-          <p:cNvPr id="2" name="Title 1"/>
-          <p:cNvSpPr>
-            <a:spLocks noGrp="1"/>
-          </p:cNvSpPr>
-          <p:nvPr>
-            <p:ph type="title"/>
-          </p:nvPr>
-        </p:nvSpPr>
-        <p:spPr>
-          <a:xfrm>
-            <a:off x="628650" y="365126"/>
-            <a:ext cx="7886700" cy="719395"/>
-          </a:xfrm>
-        </p:spPr>
-        <p:txBody>
-          <a:bodyPr/>
-          <a:lstStyle/>
-          <a:p>
-            <a:pPr algn="ctr"/>
-            <a:r>
-              <a:rPr lang="en-US" dirty="0" smtClean="0"/>
-              <a:t>D*-Lite</a:t>
-            </a:r>
-            <a:endParaRPr lang="ru-RU" dirty="0"/>
-          </a:p>
-        </p:txBody>
-      </p:sp>
-      <p:sp>
-        <p:nvSpPr>
-          <p:cNvPr id="3" name="Content Placeholder 2"/>
-          <p:cNvSpPr>
-            <a:spLocks noGrp="1"/>
-          </p:cNvSpPr>
-          <p:nvPr>
-            <p:ph idx="1"/>
-          </p:nvPr>
-        </p:nvSpPr>
-        <p:spPr>
-          <a:xfrm>
-            <a:off x="628650" y="1084521"/>
-            <a:ext cx="7886700" cy="4780554"/>
-          </a:xfrm>
-        </p:spPr>
-        <p:txBody>
-          <a:bodyPr/>
-          <a:lstStyle/>
-          <a:p>
-            <a:r>
-              <a:rPr lang="ru-RU" dirty="0" smtClean="0"/>
-              <a:t>Модификация </a:t>
-            </a:r>
-            <a:r>
-              <a:rPr lang="en-US" dirty="0" smtClean="0"/>
-              <a:t>LPA*</a:t>
-            </a:r>
-          </a:p>
-          <a:p>
-            <a:r>
-              <a:rPr lang="ru-RU" dirty="0" smtClean="0"/>
-              <a:t>Проходит путь в обратную сторону (от начала к концу)</a:t>
-            </a:r>
-          </a:p>
-          <a:p>
-            <a:r>
-              <a:rPr lang="ru-RU" dirty="0" smtClean="0"/>
-              <a:t>Позволяет изменять сетку в процессе движения агента</a:t>
-            </a:r>
-          </a:p>
-          <a:p>
-            <a:r>
-              <a:rPr lang="ru-RU" dirty="0" smtClean="0"/>
-              <a:t>Движение начальной точки требует переоценки ключей открытого множества</a:t>
-            </a:r>
-          </a:p>
-          <a:p>
-            <a:r>
-              <a:rPr lang="ru-RU" dirty="0" smtClean="0"/>
-              <a:t>Вместо этого к ключам добавляется величина </a:t>
-            </a:r>
-            <a:r>
-              <a:rPr lang="en-US" dirty="0" smtClean="0"/>
-              <a:t>k</a:t>
-            </a:r>
-            <a:endParaRPr lang="ru-RU" dirty="0"/>
-          </a:p>
-          <a:p>
-            <a:pPr marL="0" indent="0">
-              <a:buNone/>
-            </a:pPr>
-            <a:endParaRPr lang="en-US" dirty="0" smtClean="0"/>
-          </a:p>
-          <a:p>
-            <a:pPr marL="0" indent="0">
-              <a:buNone/>
-            </a:pPr>
-            <a:endParaRPr lang="ru-RU" dirty="0"/>
-          </a:p>
-        </p:txBody>
-      </p:sp>
-    </p:spTree>
-    <p:extLst>
-      <p:ext uri="{BB962C8B-B14F-4D97-AF65-F5344CB8AC3E}">
-        <p14:creationId xmlns:p14="http://schemas.microsoft.com/office/powerpoint/2010/main" val="779866986"/>
-      </p:ext>
-    </p:extLst>
-  </p:cSld>
-  <p:clrMapOvr>
-    <a:masterClrMapping/>
-  </p:clrMapOvr>
-</p:sld>
-</file>
-
 <file path=ppt/slides/slide19.xml><?xml version="1.0" encoding="utf-8"?>
 <p:sld xmlns:a="http://schemas.openxmlformats.org/drawingml/2006/main" xmlns:r="http://schemas.openxmlformats.org/officeDocument/2006/relationships" xmlns:p="http://schemas.openxmlformats.org/presentationml/2006/main">
   <p:cSld>
@@ -4665,34 +5026,168 @@
           <a:chExt cx="0" cy="0"/>
         </a:xfrm>
       </p:grpSpPr>
-      <p:pic>
-        <p:nvPicPr>
-          <p:cNvPr id="4" name="Content Placeholder 3" descr="DstarLiteAlgorithm.png"/>
-          <p:cNvPicPr>
-            <a:picLocks noGrp="1" noChangeAspect="1"/>
-          </p:cNvPicPr>
-          <p:nvPr/>
-        </p:nvPicPr>
-        <p:blipFill>
-          <a:blip r:embed="rId2"/>
-          <a:stretch>
-            <a:fillRect/>
-          </a:stretch>
-        </p:blipFill>
-        <p:spPr>
-          <a:xfrm>
-            <a:off x="2057400" y="457191"/>
-            <a:ext cx="4419600" cy="5778518"/>
-          </a:xfrm>
-          <a:prstGeom prst="rect">
-            <a:avLst/>
-          </a:prstGeom>
-        </p:spPr>
-      </p:pic>
+      <p:sp>
+        <p:nvSpPr>
+          <p:cNvPr id="2" name="Title 1"/>
+          <p:cNvSpPr>
+            <a:spLocks noGrp="1"/>
+          </p:cNvSpPr>
+          <p:nvPr>
+            <p:ph type="title"/>
+          </p:nvPr>
+        </p:nvSpPr>
+        <p:spPr>
+          <a:xfrm>
+            <a:off x="628650" y="365126"/>
+            <a:ext cx="7886700" cy="719395"/>
+          </a:xfrm>
+        </p:spPr>
+        <p:txBody>
+          <a:bodyPr/>
+          <a:lstStyle/>
+          <a:p>
+            <a:pPr algn="ctr"/>
+            <a:r>
+              <a:rPr lang="en-US" dirty="0" smtClean="0"/>
+              <a:t>D*-Lite</a:t>
+            </a:r>
+            <a:endParaRPr lang="ru-RU" dirty="0"/>
+          </a:p>
+        </p:txBody>
+      </p:sp>
+      <p:sp>
+        <p:nvSpPr>
+          <p:cNvPr id="3" name="Content Placeholder 2"/>
+          <p:cNvSpPr>
+            <a:spLocks noGrp="1"/>
+          </p:cNvSpPr>
+          <p:nvPr>
+            <p:ph idx="1"/>
+          </p:nvPr>
+        </p:nvSpPr>
+        <p:spPr>
+          <a:xfrm>
+            <a:off x="628650" y="1084521"/>
+            <a:ext cx="7886700" cy="5558104"/>
+          </a:xfrm>
+        </p:spPr>
+        <p:txBody>
+          <a:bodyPr>
+            <a:normAutofit/>
+          </a:bodyPr>
+          <a:lstStyle/>
+          <a:p>
+            <a:r>
+              <a:rPr lang="ru-RU" dirty="0" smtClean="0"/>
+              <a:t>Проблема </a:t>
+            </a:r>
+            <a:r>
+              <a:rPr lang="en-US" dirty="0" smtClean="0"/>
+              <a:t>LPA* </a:t>
+            </a:r>
+            <a:r>
+              <a:rPr lang="ru-RU" dirty="0" smtClean="0"/>
+              <a:t>– низкая эффективность при движении начальной точки (робот движется)</a:t>
+            </a:r>
+            <a:endParaRPr lang="en-US" dirty="0" smtClean="0"/>
+          </a:p>
+          <a:p>
+            <a:r>
+              <a:rPr lang="en-US" dirty="0" smtClean="0"/>
+              <a:t>D*-Lite – </a:t>
+            </a:r>
+            <a:r>
+              <a:rPr lang="ru-RU" dirty="0" smtClean="0"/>
+              <a:t>модификация </a:t>
+            </a:r>
+            <a:r>
+              <a:rPr lang="en-US" dirty="0"/>
+              <a:t>LPA</a:t>
+            </a:r>
+            <a:r>
+              <a:rPr lang="en-US" dirty="0" smtClean="0"/>
+              <a:t>*</a:t>
+            </a:r>
+            <a:endParaRPr lang="ru-RU" dirty="0" smtClean="0"/>
+          </a:p>
+          <a:p>
+            <a:r>
+              <a:rPr lang="ru-RU" dirty="0" smtClean="0"/>
+              <a:t>Используется в робототехнике (</a:t>
+            </a:r>
+            <a:r>
+              <a:rPr lang="en-US" dirty="0" smtClean="0"/>
+              <a:t>Field D* - </a:t>
+            </a:r>
+            <a:r>
+              <a:rPr lang="ru-RU" dirty="0" smtClean="0"/>
+              <a:t>на </a:t>
+            </a:r>
+            <a:r>
+              <a:rPr lang="ru-RU" dirty="0" err="1" smtClean="0"/>
+              <a:t>марсоходах</a:t>
+            </a:r>
+            <a:r>
+              <a:rPr lang="ru-RU" dirty="0" smtClean="0"/>
+              <a:t> </a:t>
+            </a:r>
+            <a:r>
+              <a:rPr lang="en-US" dirty="0" smtClean="0"/>
+              <a:t>Spirit &amp; Opportunity</a:t>
+            </a:r>
+            <a:r>
+              <a:rPr lang="ru-RU" dirty="0" smtClean="0"/>
+              <a:t>)</a:t>
+            </a:r>
+            <a:endParaRPr lang="en-US" dirty="0" smtClean="0"/>
+          </a:p>
+          <a:p>
+            <a:r>
+              <a:rPr lang="ru-RU" dirty="0" smtClean="0"/>
+              <a:t>Проходит путь в обратную сторону (от начала к концу)</a:t>
+            </a:r>
+          </a:p>
+          <a:p>
+            <a:r>
+              <a:rPr lang="ru-RU" dirty="0" smtClean="0"/>
+              <a:t>Позволяет изменять сетку в процессе движения агента</a:t>
+            </a:r>
+          </a:p>
+          <a:p>
+            <a:r>
+              <a:rPr lang="ru-RU" dirty="0" smtClean="0"/>
+              <a:t>Движение начальной точки требует переоценки ключей открытого множества</a:t>
+            </a:r>
+          </a:p>
+          <a:p>
+            <a:r>
+              <a:rPr lang="ru-RU" dirty="0" smtClean="0"/>
+              <a:t>Вместо этого к ключам добавляется величина </a:t>
+            </a:r>
+            <a:r>
+              <a:rPr lang="en-US" dirty="0" smtClean="0"/>
+              <a:t>k</a:t>
+            </a:r>
+            <a:endParaRPr lang="ru-RU" dirty="0"/>
+          </a:p>
+          <a:p>
+            <a:pPr marL="0" indent="0">
+              <a:buNone/>
+            </a:pPr>
+            <a:endParaRPr lang="en-US" dirty="0" smtClean="0"/>
+          </a:p>
+          <a:p>
+            <a:pPr marL="0" indent="0">
+              <a:buNone/>
+            </a:pPr>
+            <a:endParaRPr lang="ru-RU" dirty="0"/>
+          </a:p>
+        </p:txBody>
+      </p:sp>
     </p:spTree>
     <p:extLst>
       <p:ext uri="{BB962C8B-B14F-4D97-AF65-F5344CB8AC3E}">
-        <p14:creationId xmlns:p14="http://schemas.microsoft.com/office/powerpoint/2010/main" val="4028801857"/>
+        <p14:creationId xmlns:p14="http://schemas.microsoft.com/office/powerpoint/2010/main" val="779866986"/>
       </p:ext>
     </p:extLst>
   </p:cSld>
@@ -4844,6 +5339,60 @@
           <a:chExt cx="0" cy="0"/>
         </a:xfrm>
       </p:grpSpPr>
+      <p:pic>
+        <p:nvPicPr>
+          <p:cNvPr id="4" name="Content Placeholder 3" descr="DstarLiteAlgorithm.png"/>
+          <p:cNvPicPr>
+            <a:picLocks noGrp="1" noChangeAspect="1"/>
+          </p:cNvPicPr>
+          <p:nvPr/>
+        </p:nvPicPr>
+        <p:blipFill>
+          <a:blip r:embed="rId2"/>
+          <a:stretch>
+            <a:fillRect/>
+          </a:stretch>
+        </p:blipFill>
+        <p:spPr>
+          <a:xfrm>
+            <a:off x="2140527" y="200252"/>
+            <a:ext cx="5008417" cy="6548382"/>
+          </a:xfrm>
+          <a:prstGeom prst="rect">
+            <a:avLst/>
+          </a:prstGeom>
+        </p:spPr>
+      </p:pic>
+    </p:spTree>
+    <p:extLst>
+      <p:ext uri="{BB962C8B-B14F-4D97-AF65-F5344CB8AC3E}">
+        <p14:creationId xmlns:p14="http://schemas.microsoft.com/office/powerpoint/2010/main" val="4028801857"/>
+      </p:ext>
+    </p:extLst>
+  </p:cSld>
+  <p:clrMapOvr>
+    <a:masterClrMapping/>
+  </p:clrMapOvr>
+</p:sld>
+</file>
+
+<file path=ppt/slides/slide21.xml><?xml version="1.0" encoding="utf-8"?>
+<p:sld xmlns:a="http://schemas.openxmlformats.org/drawingml/2006/main" xmlns:r="http://schemas.openxmlformats.org/officeDocument/2006/relationships" xmlns:p="http://schemas.openxmlformats.org/presentationml/2006/main">
+  <p:cSld>
+    <p:spTree>
+      <p:nvGrpSpPr>
+        <p:cNvPr id="1" name=""/>
+        <p:cNvGrpSpPr/>
+        <p:nvPr/>
+      </p:nvGrpSpPr>
+      <p:grpSpPr>
+        <a:xfrm>
+          <a:off x="0" y="0"/>
+          <a:ext cx="0" cy="0"/>
+          <a:chOff x="0" y="0"/>
+          <a:chExt cx="0" cy="0"/>
+        </a:xfrm>
+      </p:grpSpPr>
       <p:sp>
         <p:nvSpPr>
           <p:cNvPr id="2" name="Title 1"/>
@@ -4959,7 +5508,7 @@
 </p:sld>
 </file>
 
-<file path=ppt/slides/slide21.xml><?xml version="1.0" encoding="utf-8"?>
+<file path=ppt/slides/slide22.xml><?xml version="1.0" encoding="utf-8"?>
 <p:sld xmlns:a="http://schemas.openxmlformats.org/drawingml/2006/main" xmlns:r="http://schemas.openxmlformats.org/officeDocument/2006/relationships" xmlns:p="http://schemas.openxmlformats.org/presentationml/2006/main">
   <p:cSld>
     <p:spTree>
@@ -5019,7 +5568,7 @@
 </p:sld>
 </file>
 
-<file path=ppt/slides/slide22.xml><?xml version="1.0" encoding="utf-8"?>
+<file path=ppt/slides/slide23.xml><?xml version="1.0" encoding="utf-8"?>
 <p:sld xmlns:a="http://schemas.openxmlformats.org/drawingml/2006/main" xmlns:r="http://schemas.openxmlformats.org/officeDocument/2006/relationships" xmlns:p="http://schemas.openxmlformats.org/presentationml/2006/main">
   <p:cSld>
     <p:spTree>
@@ -5175,123 +5724,6 @@
 </p:sld>
 </file>
 
-<file path=ppt/slides/slide23.xml><?xml version="1.0" encoding="utf-8"?>
-<p:sld xmlns:a="http://schemas.openxmlformats.org/drawingml/2006/main" xmlns:r="http://schemas.openxmlformats.org/officeDocument/2006/relationships" xmlns:p="http://schemas.openxmlformats.org/presentationml/2006/main">
-  <p:cSld>
-    <p:spTree>
-      <p:nvGrpSpPr>
-        <p:cNvPr id="1" name=""/>
-        <p:cNvGrpSpPr/>
-        <p:nvPr/>
-      </p:nvGrpSpPr>
-      <p:grpSpPr>
-        <a:xfrm>
-          <a:off x="0" y="0"/>
-          <a:ext cx="0" cy="0"/>
-          <a:chOff x="0" y="0"/>
-          <a:chExt cx="0" cy="0"/>
-        </a:xfrm>
-      </p:grpSpPr>
-      <p:sp>
-        <p:nvSpPr>
-          <p:cNvPr id="2" name="Title 1"/>
-          <p:cNvSpPr>
-            <a:spLocks noGrp="1"/>
-          </p:cNvSpPr>
-          <p:nvPr>
-            <p:ph type="title"/>
-          </p:nvPr>
-        </p:nvSpPr>
-        <p:spPr>
-          <a:xfrm>
-            <a:off x="628650" y="365127"/>
-            <a:ext cx="7886700" cy="663574"/>
-          </a:xfrm>
-        </p:spPr>
-        <p:txBody>
-          <a:bodyPr>
-            <a:normAutofit fontScale="90000"/>
-          </a:bodyPr>
-          <a:lstStyle/>
-          <a:p>
-            <a:pPr algn="ctr"/>
-            <a:r>
-              <a:rPr lang="en-US" dirty="0" smtClean="0"/>
-              <a:t>Space Partitioning</a:t>
-            </a:r>
-            <a:endParaRPr lang="ru-RU" dirty="0"/>
-          </a:p>
-        </p:txBody>
-      </p:sp>
-      <p:sp>
-        <p:nvSpPr>
-          <p:cNvPr id="3" name="Content Placeholder 2"/>
-          <p:cNvSpPr>
-            <a:spLocks noGrp="1"/>
-          </p:cNvSpPr>
-          <p:nvPr>
-            <p:ph idx="1"/>
-          </p:nvPr>
-        </p:nvSpPr>
-        <p:spPr>
-          <a:xfrm>
-            <a:off x="628650" y="1127760"/>
-            <a:ext cx="7886700" cy="5049203"/>
-          </a:xfrm>
-        </p:spPr>
-        <p:txBody>
-          <a:bodyPr/>
-          <a:lstStyle/>
-          <a:p>
-            <a:r>
-              <a:rPr lang="ru-RU" dirty="0" smtClean="0"/>
-              <a:t>Проблема: имеется массив объектов и координаты. Найти какие объекты находятся в этих координатах</a:t>
-            </a:r>
-          </a:p>
-          <a:p>
-            <a:r>
-              <a:rPr lang="ru-RU" dirty="0" smtClean="0"/>
-              <a:t>Простейший вариант – линейный поиск</a:t>
-            </a:r>
-          </a:p>
-          <a:p>
-            <a:r>
-              <a:rPr lang="ru-RU" dirty="0" smtClean="0"/>
-              <a:t>Если объектов много и выполняется часто (каждое движение мыши?) – занимает очень много времени</a:t>
-            </a:r>
-          </a:p>
-          <a:p>
-            <a:r>
-              <a:rPr lang="ru-RU" dirty="0" smtClean="0"/>
-              <a:t>Решение – использование пространственного индекса</a:t>
-            </a:r>
-          </a:p>
-          <a:p>
-            <a:r>
-              <a:rPr lang="ru-RU" dirty="0" smtClean="0"/>
-              <a:t>Обычно – </a:t>
-            </a:r>
-            <a:r>
-              <a:rPr lang="en-US" dirty="0" smtClean="0"/>
-              <a:t>space partitioning tree</a:t>
-            </a:r>
-            <a:endParaRPr lang="ru-RU" dirty="0"/>
-          </a:p>
-        </p:txBody>
-      </p:sp>
-    </p:spTree>
-    <p:extLst>
-      <p:ext uri="{BB962C8B-B14F-4D97-AF65-F5344CB8AC3E}">
-        <p14:creationId xmlns:p14="http://schemas.microsoft.com/office/powerpoint/2010/main" val="1721067188"/>
-      </p:ext>
-    </p:extLst>
-  </p:cSld>
-  <p:clrMapOvr>
-    <a:masterClrMapping/>
-  </p:clrMapOvr>
-</p:sld>
-</file>
-
 <file path=ppt/slides/slide24.xml><?xml version="1.0" encoding="utf-8"?>
 <p:sld xmlns:a="http://schemas.openxmlformats.org/drawingml/2006/main" xmlns:r="http://schemas.openxmlformats.org/officeDocument/2006/relationships" xmlns:p="http://schemas.openxmlformats.org/presentationml/2006/main">
   <p:cSld>
@@ -5321,125 +5753,69 @@
         </p:nvSpPr>
         <p:spPr>
           <a:xfrm>
-            <a:off x="628650" y="365127"/>
-            <a:ext cx="7886700" cy="808354"/>
+            <a:off x="628650" y="236657"/>
+            <a:ext cx="7886700" cy="496375"/>
+          </a:xfrm>
+        </p:spPr>
+        <p:txBody>
+          <a:bodyPr>
+            <a:normAutofit fontScale="90000"/>
+          </a:bodyPr>
+          <a:lstStyle/>
+          <a:p>
+            <a:pPr algn="ctr"/>
+            <a:r>
+              <a:rPr lang="en-US" dirty="0" smtClean="0"/>
+              <a:t>Flocking</a:t>
+            </a:r>
+            <a:endParaRPr lang="ru-RU" dirty="0"/>
+          </a:p>
+        </p:txBody>
+      </p:sp>
+      <p:sp>
+        <p:nvSpPr>
+          <p:cNvPr id="3" name="Content Placeholder 2"/>
+          <p:cNvSpPr>
+            <a:spLocks noGrp="1"/>
+          </p:cNvSpPr>
+          <p:nvPr>
+            <p:ph idx="1"/>
+          </p:nvPr>
+        </p:nvSpPr>
+        <p:spPr>
+          <a:xfrm>
+            <a:off x="628650" y="1707888"/>
+            <a:ext cx="7886700" cy="3899425"/>
           </a:xfrm>
         </p:spPr>
         <p:txBody>
           <a:bodyPr/>
           <a:lstStyle/>
           <a:p>
-            <a:pPr algn="ctr"/>
-            <a:r>
-              <a:rPr lang="en-US" dirty="0" smtClean="0"/>
-              <a:t>Space partitioning</a:t>
-            </a:r>
-            <a:endParaRPr lang="ru-RU" dirty="0"/>
-          </a:p>
-        </p:txBody>
-      </p:sp>
-      <p:sp>
-        <p:nvSpPr>
-          <p:cNvPr id="3" name="Content Placeholder 2"/>
-          <p:cNvSpPr>
-            <a:spLocks noGrp="1"/>
-          </p:cNvSpPr>
-          <p:nvPr>
-            <p:ph idx="1"/>
-          </p:nvPr>
-        </p:nvSpPr>
-        <p:spPr>
-          <a:xfrm>
-            <a:off x="628650" y="1386840"/>
-            <a:ext cx="7886700" cy="5394960"/>
-          </a:xfrm>
-        </p:spPr>
-        <p:txBody>
-          <a:bodyPr>
-            <a:normAutofit lnSpcReduction="10000"/>
-          </a:bodyPr>
-          <a:lstStyle/>
-          <a:p>
-            <a:r>
-              <a:rPr lang="ru-RU" dirty="0" smtClean="0"/>
-              <a:t>Основная идея – разбиваем пространство на части и складываем их в структуру данных с быстрым поиском (дерево)</a:t>
-            </a:r>
-          </a:p>
-          <a:p>
-            <a:r>
-              <a:rPr lang="ru-RU" dirty="0" smtClean="0"/>
-              <a:t>Отличаются структурой данных и способом разбиения пространства</a:t>
-            </a:r>
-          </a:p>
-          <a:p>
-            <a:r>
-              <a:rPr lang="ru-RU" dirty="0" smtClean="0"/>
-              <a:t>Применения</a:t>
-            </a:r>
-          </a:p>
-          <a:p>
-            <a:pPr lvl="1"/>
-            <a:r>
-              <a:rPr lang="ru-RU" dirty="0" smtClean="0"/>
-              <a:t>Поиск объекта под курсором</a:t>
-            </a:r>
-          </a:p>
-          <a:p>
-            <a:pPr lvl="1"/>
-            <a:r>
-              <a:rPr lang="ru-RU" dirty="0" smtClean="0"/>
-              <a:t>Поиск пересечений</a:t>
-            </a:r>
-            <a:r>
-              <a:rPr lang="en-US" dirty="0" smtClean="0"/>
-              <a:t>/</a:t>
-            </a:r>
-            <a:r>
-              <a:rPr lang="ru-RU" dirty="0" smtClean="0"/>
-              <a:t>столкновений объектов</a:t>
-            </a:r>
-          </a:p>
-          <a:p>
-            <a:pPr lvl="1"/>
-            <a:r>
-              <a:rPr lang="ru-RU" dirty="0" smtClean="0"/>
-              <a:t>Поиск ближайших объектов </a:t>
-            </a:r>
-          </a:p>
-          <a:p>
-            <a:pPr lvl="1"/>
-            <a:r>
-              <a:rPr lang="ru-RU" dirty="0" smtClean="0"/>
-              <a:t>Отсечение невидимых объектов</a:t>
-            </a:r>
-          </a:p>
-          <a:p>
-            <a:pPr lvl="1"/>
-            <a:r>
-              <a:rPr lang="ru-RU" dirty="0" smtClean="0"/>
-              <a:t>Множество неигровых применений</a:t>
-            </a:r>
-          </a:p>
-          <a:p>
-            <a:pPr lvl="2"/>
-            <a:r>
-              <a:rPr lang="ru-RU" dirty="0" smtClean="0"/>
-              <a:t>Кластерный анализ</a:t>
-            </a:r>
-          </a:p>
-          <a:p>
-            <a:pPr lvl="2"/>
-            <a:r>
-              <a:rPr lang="ru-RU" dirty="0" smtClean="0"/>
-              <a:t>Обработка изображений</a:t>
-            </a:r>
-          </a:p>
-          <a:p>
-            <a:pPr lvl="2"/>
-            <a:r>
-              <a:rPr lang="en-US" dirty="0" smtClean="0"/>
-              <a:t>…</a:t>
-            </a:r>
+            <a:r>
+              <a:rPr lang="ru-RU" dirty="0" smtClean="0"/>
+              <a:t>Часто возникает необходимость согласованного перемещения агентов (отрядами, толпами и т.п.)</a:t>
+            </a:r>
+          </a:p>
+          <a:p>
+            <a:r>
+              <a:rPr lang="ru-RU" dirty="0" smtClean="0"/>
+              <a:t>Кратчайший путь не является обязательным: обязательным является похожее на разумное поведение</a:t>
+            </a:r>
+          </a:p>
+          <a:p>
+            <a:r>
+              <a:rPr lang="ru-RU" dirty="0" smtClean="0"/>
+              <a:t>Существуют алгоритмы «коллективного разума», основанные на поведении стай птиц, косяков рыб и других природных систем.</a:t>
+            </a:r>
+          </a:p>
+          <a:p>
+            <a:pPr marL="0" indent="0">
+              <a:buNone/>
+            </a:pPr>
+            <a:endParaRPr lang="ru-RU" dirty="0" smtClean="0"/>
+          </a:p>
+          <a:p>
             <a:endParaRPr lang="ru-RU" dirty="0" smtClean="0"/>
           </a:p>
         </p:txBody>
@@ -5447,7 +5823,7 @@
     </p:spTree>
     <p:extLst>
       <p:ext uri="{BB962C8B-B14F-4D97-AF65-F5344CB8AC3E}">
-        <p14:creationId xmlns:p14="http://schemas.microsoft.com/office/powerpoint/2010/main" val="3210332979"/>
+        <p14:creationId xmlns:p14="http://schemas.microsoft.com/office/powerpoint/2010/main" val="2112715861"/>
       </p:ext>
     </p:extLst>
   </p:cSld>
@@ -5486,8 +5862,8 @@
         </p:nvSpPr>
         <p:spPr>
           <a:xfrm>
-            <a:off x="628650" y="365127"/>
-            <a:ext cx="7886700" cy="663574"/>
+            <a:off x="628650" y="-7556"/>
+            <a:ext cx="7886700" cy="639959"/>
           </a:xfrm>
         </p:spPr>
         <p:txBody>
@@ -5498,8 +5874,8 @@
           <a:p>
             <a:pPr algn="ctr"/>
             <a:r>
-              <a:rPr lang="en-US" dirty="0" smtClean="0"/>
-              <a:t>Quad-tree</a:t>
+              <a:rPr lang="en-US" dirty="0" err="1" smtClean="0"/>
+              <a:t>Boids</a:t>
             </a:r>
             <a:endParaRPr lang="ru-RU" dirty="0"/>
           </a:p>
@@ -5517,8 +5893,8 @@
         </p:nvSpPr>
         <p:spPr>
           <a:xfrm>
-            <a:off x="628650" y="1226821"/>
-            <a:ext cx="7886700" cy="2042160"/>
+            <a:off x="689106" y="551663"/>
+            <a:ext cx="7886700" cy="1065540"/>
           </a:xfrm>
         </p:spPr>
         <p:txBody>
@@ -5526,42 +5902,15 @@
           <a:lstStyle/>
           <a:p>
             <a:r>
-              <a:rPr lang="ru-RU" dirty="0" smtClean="0"/>
-              <a:t>У каждого внутреннего узла 4 потомка</a:t>
-            </a:r>
-          </a:p>
-          <a:p>
-            <a:r>
-              <a:rPr lang="ru-RU" dirty="0" smtClean="0"/>
-              <a:t>Разбивает 2</a:t>
-            </a:r>
-            <a:r>
-              <a:rPr lang="en-US" dirty="0" smtClean="0"/>
-              <a:t>d</a:t>
-            </a:r>
-            <a:r>
-              <a:rPr lang="ru-RU" dirty="0" smtClean="0"/>
-              <a:t>-пространство на 4 прямоугольника</a:t>
-            </a:r>
-          </a:p>
-          <a:p>
-            <a:r>
-              <a:rPr lang="ru-RU" dirty="0" smtClean="0"/>
-              <a:t>Для 3</a:t>
-            </a:r>
-            <a:r>
-              <a:rPr lang="en-US" dirty="0" smtClean="0"/>
-              <a:t>d </a:t>
-            </a:r>
-            <a:r>
-              <a:rPr lang="ru-RU" dirty="0" smtClean="0"/>
-              <a:t>аналог – </a:t>
-            </a:r>
-            <a:r>
-              <a:rPr lang="en-US" dirty="0" err="1" smtClean="0"/>
-              <a:t>octree</a:t>
-            </a:r>
-            <a:endParaRPr lang="en-US" dirty="0" smtClean="0"/>
+              <a:rPr lang="ru-RU" sz="2000" dirty="0" smtClean="0"/>
+              <a:t>Множество агентов, имеющих координаты и вектор скорости.</a:t>
+            </a:r>
+          </a:p>
+          <a:p>
+            <a:r>
+              <a:rPr lang="ru-RU" sz="2000" dirty="0" smtClean="0"/>
+              <a:t>На каждом шаге алгоритма скорость меняется в соответствии с правилами поведения</a:t>
+            </a:r>
           </a:p>
           <a:p>
             <a:pPr marL="0" indent="0">
@@ -5573,7 +5922,7 @@
       </p:sp>
       <p:pic>
         <p:nvPicPr>
-          <p:cNvPr id="5" name="Picture 4"/>
+          <p:cNvPr id="4" name="Picture 3"/>
           <p:cNvPicPr>
             <a:picLocks noChangeAspect="1"/>
           </p:cNvPicPr>
@@ -5593,8 +5942,8 @@
         </p:blipFill>
         <p:spPr>
           <a:xfrm>
-            <a:off x="4986337" y="2657475"/>
-            <a:ext cx="3753803" cy="3760899"/>
+            <a:off x="1788496" y="1617203"/>
+            <a:ext cx="6055696" cy="4877243"/>
           </a:xfrm>
           <a:prstGeom prst="rect">
             <a:avLst/>
@@ -5604,7 +5953,7 @@
     </p:spTree>
     <p:extLst>
       <p:ext uri="{BB962C8B-B14F-4D97-AF65-F5344CB8AC3E}">
-        <p14:creationId xmlns:p14="http://schemas.microsoft.com/office/powerpoint/2010/main" val="1590583661"/>
+        <p14:creationId xmlns:p14="http://schemas.microsoft.com/office/powerpoint/2010/main" val="3340738672"/>
       </p:ext>
     </p:extLst>
   </p:cSld>
@@ -5643,504 +5992,306 @@
         </p:nvSpPr>
         <p:spPr>
           <a:xfrm>
-            <a:off x="628650" y="365127"/>
-            <a:ext cx="7886700" cy="701674"/>
-          </a:xfrm>
-        </p:spPr>
-        <p:txBody>
-          <a:bodyPr/>
+            <a:off x="628650" y="130859"/>
+            <a:ext cx="7886700" cy="534160"/>
+          </a:xfrm>
+        </p:spPr>
+        <p:txBody>
+          <a:bodyPr>
+            <a:normAutofit fontScale="90000"/>
+          </a:bodyPr>
           <a:lstStyle/>
           <a:p>
             <a:pPr algn="ctr"/>
             <a:r>
-              <a:rPr lang="en-US" dirty="0"/>
-              <a:t>Quad-tree</a:t>
+              <a:rPr lang="en-US" dirty="0" err="1" smtClean="0"/>
+              <a:t>Boids</a:t>
+            </a:r>
+            <a:r>
+              <a:rPr lang="en-US" dirty="0" smtClean="0"/>
+              <a:t>: </a:t>
+            </a:r>
+            <a:r>
+              <a:rPr lang="ru-RU" dirty="0" smtClean="0"/>
+              <a:t>правила</a:t>
             </a:r>
             <a:endParaRPr lang="ru-RU" dirty="0"/>
           </a:p>
         </p:txBody>
       </p:sp>
-      <p:sp>
-        <p:nvSpPr>
-          <p:cNvPr id="3" name="Content Placeholder 2"/>
-          <p:cNvSpPr>
-            <a:spLocks noGrp="1"/>
-          </p:cNvSpPr>
+      <p:pic>
+        <p:nvPicPr>
+          <p:cNvPr id="4" name="Content Placeholder 3"/>
+          <p:cNvPicPr>
+            <a:picLocks noGrp="1" noChangeAspect="1"/>
+          </p:cNvPicPr>
           <p:nvPr>
             <p:ph idx="1"/>
           </p:nvPr>
-        </p:nvSpPr>
-        <p:spPr>
-          <a:xfrm>
-            <a:off x="400050" y="1066800"/>
-            <a:ext cx="8515350" cy="5859779"/>
-          </a:xfrm>
-        </p:spPr>
-        <p:txBody>
-          <a:bodyPr>
-            <a:noAutofit/>
+        </p:nvPicPr>
+        <p:blipFill>
+          <a:blip r:embed="rId2">
+            <a:extLst>
+              <a:ext uri="{28A0092B-C50C-407E-A947-70E740481C1C}">
+                <a14:useLocalDpi xmlns:a14="http://schemas.microsoft.com/office/drawing/2010/main" val="0"/>
+              </a:ext>
+            </a:extLst>
+          </a:blip>
+          <a:stretch>
+            <a:fillRect/>
+          </a:stretch>
+        </p:blipFill>
+        <p:spPr>
+          <a:xfrm>
+            <a:off x="628650" y="1138415"/>
+            <a:ext cx="2162175" cy="1543050"/>
+          </a:xfrm>
+        </p:spPr>
+      </p:pic>
+      <p:pic>
+        <p:nvPicPr>
+          <p:cNvPr id="5" name="Picture 4"/>
+          <p:cNvPicPr>
+            <a:picLocks noChangeAspect="1"/>
+          </p:cNvPicPr>
+          <p:nvPr/>
+        </p:nvPicPr>
+        <p:blipFill>
+          <a:blip r:embed="rId3">
+            <a:extLst>
+              <a:ext uri="{28A0092B-C50C-407E-A947-70E740481C1C}">
+                <a14:useLocalDpi xmlns:a14="http://schemas.microsoft.com/office/drawing/2010/main" val="0"/>
+              </a:ext>
+            </a:extLst>
+          </a:blip>
+          <a:stretch>
+            <a:fillRect/>
+          </a:stretch>
+        </p:blipFill>
+        <p:spPr>
+          <a:xfrm>
+            <a:off x="628650" y="2913037"/>
+            <a:ext cx="2143125" cy="1514475"/>
+          </a:xfrm>
+          <a:prstGeom prst="rect">
+            <a:avLst/>
+          </a:prstGeom>
+        </p:spPr>
+      </p:pic>
+      <p:pic>
+        <p:nvPicPr>
+          <p:cNvPr id="6" name="Picture 5"/>
+          <p:cNvPicPr>
+            <a:picLocks noChangeAspect="1"/>
+          </p:cNvPicPr>
+          <p:nvPr/>
+        </p:nvPicPr>
+        <p:blipFill>
+          <a:blip r:embed="rId4">
+            <a:extLst>
+              <a:ext uri="{28A0092B-C50C-407E-A947-70E740481C1C}">
+                <a14:useLocalDpi xmlns:a14="http://schemas.microsoft.com/office/drawing/2010/main" val="0"/>
+              </a:ext>
+            </a:extLst>
+          </a:blip>
+          <a:stretch>
+            <a:fillRect/>
+          </a:stretch>
+        </p:blipFill>
+        <p:spPr>
+          <a:xfrm>
+            <a:off x="866774" y="4965531"/>
+            <a:ext cx="1685925" cy="1524000"/>
+          </a:xfrm>
+          <a:prstGeom prst="rect">
+            <a:avLst/>
+          </a:prstGeom>
+        </p:spPr>
+      </p:pic>
+      <p:pic>
+        <p:nvPicPr>
+          <p:cNvPr id="7" name="Picture 6"/>
+          <p:cNvPicPr>
+            <a:picLocks noChangeAspect="1"/>
+          </p:cNvPicPr>
+          <p:nvPr/>
+        </p:nvPicPr>
+        <p:blipFill>
+          <a:blip r:embed="rId5">
+            <a:extLst>
+              <a:ext uri="{28A0092B-C50C-407E-A947-70E740481C1C}">
+                <a14:useLocalDpi xmlns:a14="http://schemas.microsoft.com/office/drawing/2010/main" val="0"/>
+              </a:ext>
+            </a:extLst>
+          </a:blip>
+          <a:stretch>
+            <a:fillRect/>
+          </a:stretch>
+        </p:blipFill>
+        <p:spPr>
+          <a:xfrm>
+            <a:off x="5370302" y="1138415"/>
+            <a:ext cx="2481447" cy="1543050"/>
+          </a:xfrm>
+          <a:prstGeom prst="rect">
+            <a:avLst/>
+          </a:prstGeom>
+        </p:spPr>
+      </p:pic>
+      <p:pic>
+        <p:nvPicPr>
+          <p:cNvPr id="8" name="Picture 7"/>
+          <p:cNvPicPr>
+            <a:picLocks noChangeAspect="1"/>
+          </p:cNvPicPr>
+          <p:nvPr/>
+        </p:nvPicPr>
+        <p:blipFill>
+          <a:blip r:embed="rId6">
+            <a:extLst>
+              <a:ext uri="{28A0092B-C50C-407E-A947-70E740481C1C}">
+                <a14:useLocalDpi xmlns:a14="http://schemas.microsoft.com/office/drawing/2010/main" val="0"/>
+              </a:ext>
+            </a:extLst>
+          </a:blip>
+          <a:stretch>
+            <a:fillRect/>
+          </a:stretch>
+        </p:blipFill>
+        <p:spPr>
+          <a:xfrm>
+            <a:off x="5370302" y="2860708"/>
+            <a:ext cx="3310737" cy="1566804"/>
+          </a:xfrm>
+          <a:prstGeom prst="rect">
+            <a:avLst/>
+          </a:prstGeom>
+        </p:spPr>
+      </p:pic>
+      <p:pic>
+        <p:nvPicPr>
+          <p:cNvPr id="9" name="Picture 8"/>
+          <p:cNvPicPr>
+            <a:picLocks noChangeAspect="1"/>
+          </p:cNvPicPr>
+          <p:nvPr/>
+        </p:nvPicPr>
+        <p:blipFill>
+          <a:blip r:embed="rId7">
+            <a:extLst>
+              <a:ext uri="{28A0092B-C50C-407E-A947-70E740481C1C}">
+                <a14:useLocalDpi xmlns:a14="http://schemas.microsoft.com/office/drawing/2010/main" val="0"/>
+              </a:ext>
+            </a:extLst>
+          </a:blip>
+          <a:stretch>
+            <a:fillRect/>
+          </a:stretch>
+        </p:blipFill>
+        <p:spPr>
+          <a:xfrm>
+            <a:off x="5370302" y="4716143"/>
+            <a:ext cx="3710814" cy="2022777"/>
+          </a:xfrm>
+          <a:prstGeom prst="rect">
+            <a:avLst/>
+          </a:prstGeom>
+        </p:spPr>
+      </p:pic>
+      <p:sp>
+        <p:nvSpPr>
+          <p:cNvPr id="10" name="TextBox 9"/>
+          <p:cNvSpPr txBox="1"/>
+          <p:nvPr/>
+        </p:nvSpPr>
+        <p:spPr>
+          <a:xfrm>
+            <a:off x="3355319" y="1647431"/>
+            <a:ext cx="1481177" cy="369332"/>
+          </a:xfrm>
+          <a:prstGeom prst="rect">
+            <a:avLst/>
+          </a:prstGeom>
+          <a:noFill/>
+        </p:spPr>
+        <p:txBody>
+          <a:bodyPr wrap="square" rtlCol="0">
+            <a:spAutoFit/>
           </a:bodyPr>
           <a:lstStyle/>
           <a:p>
-            <a:pPr marL="0" indent="0">
-              <a:lnSpc>
-                <a:spcPts val="1000"/>
-              </a:lnSpc>
-              <a:buNone/>
-            </a:pPr>
-            <a:r>
-              <a:rPr lang="en-US" sz="1800" dirty="0">
-                <a:latin typeface="Consolas" panose="020B0609020204030204" pitchFamily="49" charset="0"/>
-                <a:cs typeface="Consolas" panose="020B0609020204030204" pitchFamily="49" charset="0"/>
-              </a:rPr>
-              <a:t>function insert(XY p)</a:t>
-            </a:r>
-          </a:p>
-          <a:p>
-            <a:pPr marL="0" indent="0">
-              <a:lnSpc>
-                <a:spcPts val="1000"/>
-              </a:lnSpc>
-              <a:buNone/>
-            </a:pPr>
-            <a:r>
-              <a:rPr lang="en-US" sz="1800" dirty="0">
-                <a:latin typeface="Consolas" panose="020B0609020204030204" pitchFamily="49" charset="0"/>
-                <a:cs typeface="Consolas" panose="020B0609020204030204" pitchFamily="49" charset="0"/>
-              </a:rPr>
-              <a:t>{</a:t>
-            </a:r>
-          </a:p>
-          <a:p>
-            <a:pPr marL="0" indent="0">
-              <a:lnSpc>
-                <a:spcPts val="1000"/>
-              </a:lnSpc>
-              <a:buNone/>
-            </a:pPr>
-            <a:r>
-              <a:rPr lang="en-US" sz="1800" dirty="0">
-                <a:latin typeface="Consolas" panose="020B0609020204030204" pitchFamily="49" charset="0"/>
-                <a:cs typeface="Consolas" panose="020B0609020204030204" pitchFamily="49" charset="0"/>
-              </a:rPr>
-              <a:t>	if (!</a:t>
-            </a:r>
-            <a:r>
-              <a:rPr lang="en-US" sz="1800" dirty="0" err="1">
-                <a:latin typeface="Consolas" panose="020B0609020204030204" pitchFamily="49" charset="0"/>
-                <a:cs typeface="Consolas" panose="020B0609020204030204" pitchFamily="49" charset="0"/>
-              </a:rPr>
-              <a:t>boundary.containsPoint</a:t>
-            </a:r>
-            <a:r>
-              <a:rPr lang="en-US" sz="1800" dirty="0">
-                <a:latin typeface="Consolas" panose="020B0609020204030204" pitchFamily="49" charset="0"/>
-                <a:cs typeface="Consolas" panose="020B0609020204030204" pitchFamily="49" charset="0"/>
-              </a:rPr>
-              <a:t>(p))</a:t>
-            </a:r>
-          </a:p>
-          <a:p>
-            <a:pPr marL="0" indent="0">
-              <a:lnSpc>
-                <a:spcPts val="1000"/>
-              </a:lnSpc>
-              <a:buNone/>
-            </a:pPr>
-            <a:r>
-              <a:rPr lang="en-US" sz="1800" dirty="0">
-                <a:latin typeface="Consolas" panose="020B0609020204030204" pitchFamily="49" charset="0"/>
-                <a:cs typeface="Consolas" panose="020B0609020204030204" pitchFamily="49" charset="0"/>
-              </a:rPr>
-              <a:t>		return false; // </a:t>
-            </a:r>
-            <a:r>
-              <a:rPr lang="ru-RU" sz="1800" dirty="0">
-                <a:latin typeface="Consolas" panose="020B0609020204030204" pitchFamily="49" charset="0"/>
-                <a:cs typeface="Consolas" panose="020B0609020204030204" pitchFamily="49" charset="0"/>
-              </a:rPr>
-              <a:t>Объект не может быть добавлен</a:t>
-            </a:r>
-          </a:p>
-          <a:p>
-            <a:pPr marL="0" indent="0">
-              <a:lnSpc>
-                <a:spcPts val="1000"/>
-              </a:lnSpc>
-              <a:buNone/>
-            </a:pPr>
-            <a:r>
-              <a:rPr lang="ru-RU" sz="1800" dirty="0">
-                <a:latin typeface="Consolas" panose="020B0609020204030204" pitchFamily="49" charset="0"/>
-                <a:cs typeface="Consolas" panose="020B0609020204030204" pitchFamily="49" charset="0"/>
-              </a:rPr>
-              <a:t>	</a:t>
-            </a:r>
-          </a:p>
-          <a:p>
-            <a:pPr marL="0" indent="0">
-              <a:lnSpc>
-                <a:spcPts val="1000"/>
-              </a:lnSpc>
-              <a:buNone/>
-            </a:pPr>
-            <a:r>
-              <a:rPr lang="ru-RU" sz="1800" dirty="0">
-                <a:latin typeface="Consolas" panose="020B0609020204030204" pitchFamily="49" charset="0"/>
-                <a:cs typeface="Consolas" panose="020B0609020204030204" pitchFamily="49" charset="0"/>
-              </a:rPr>
-              <a:t>	// Если есть место, осуществить вставку</a:t>
-            </a:r>
-          </a:p>
-          <a:p>
-            <a:pPr marL="0" indent="0">
-              <a:lnSpc>
-                <a:spcPts val="1000"/>
-              </a:lnSpc>
-              <a:buNone/>
-            </a:pPr>
-            <a:r>
-              <a:rPr lang="ru-RU" sz="1800" dirty="0">
-                <a:latin typeface="Consolas" panose="020B0609020204030204" pitchFamily="49" charset="0"/>
-                <a:cs typeface="Consolas" panose="020B0609020204030204" pitchFamily="49" charset="0"/>
-              </a:rPr>
-              <a:t>	</a:t>
-            </a:r>
-            <a:r>
-              <a:rPr lang="en-US" sz="1800" dirty="0">
-                <a:latin typeface="Consolas" panose="020B0609020204030204" pitchFamily="49" charset="0"/>
-                <a:cs typeface="Consolas" panose="020B0609020204030204" pitchFamily="49" charset="0"/>
-              </a:rPr>
-              <a:t>if (</a:t>
-            </a:r>
-            <a:r>
-              <a:rPr lang="en-US" sz="1800" dirty="0" err="1">
-                <a:latin typeface="Consolas" panose="020B0609020204030204" pitchFamily="49" charset="0"/>
-                <a:cs typeface="Consolas" panose="020B0609020204030204" pitchFamily="49" charset="0"/>
-              </a:rPr>
-              <a:t>points.size</a:t>
-            </a:r>
-            <a:r>
-              <a:rPr lang="en-US" sz="1800" dirty="0">
-                <a:latin typeface="Consolas" panose="020B0609020204030204" pitchFamily="49" charset="0"/>
-                <a:cs typeface="Consolas" panose="020B0609020204030204" pitchFamily="49" charset="0"/>
-              </a:rPr>
-              <a:t> &lt; QT_NODE_CAPACITY</a:t>
-            </a:r>
-            <a:r>
-              <a:rPr lang="en-US" sz="1800" dirty="0" smtClean="0">
-                <a:latin typeface="Consolas" panose="020B0609020204030204" pitchFamily="49" charset="0"/>
-                <a:cs typeface="Consolas" panose="020B0609020204030204" pitchFamily="49" charset="0"/>
-              </a:rPr>
-              <a:t>){</a:t>
-            </a:r>
-            <a:endParaRPr lang="en-US" sz="1800" dirty="0">
-              <a:latin typeface="Consolas" panose="020B0609020204030204" pitchFamily="49" charset="0"/>
-              <a:cs typeface="Consolas" panose="020B0609020204030204" pitchFamily="49" charset="0"/>
-            </a:endParaRPr>
-          </a:p>
-          <a:p>
-            <a:pPr marL="0" indent="0">
-              <a:lnSpc>
-                <a:spcPts val="1000"/>
-              </a:lnSpc>
-              <a:buNone/>
-            </a:pPr>
-            <a:r>
-              <a:rPr lang="en-US" sz="1800" dirty="0">
-                <a:latin typeface="Consolas" panose="020B0609020204030204" pitchFamily="49" charset="0"/>
-                <a:cs typeface="Consolas" panose="020B0609020204030204" pitchFamily="49" charset="0"/>
-              </a:rPr>
-              <a:t>	  </a:t>
-            </a:r>
-            <a:r>
-              <a:rPr lang="en-US" sz="1800" dirty="0" err="1">
-                <a:latin typeface="Consolas" panose="020B0609020204030204" pitchFamily="49" charset="0"/>
-                <a:cs typeface="Consolas" panose="020B0609020204030204" pitchFamily="49" charset="0"/>
-              </a:rPr>
-              <a:t>points.append</a:t>
-            </a:r>
-            <a:r>
-              <a:rPr lang="en-US" sz="1800" dirty="0">
-                <a:latin typeface="Consolas" panose="020B0609020204030204" pitchFamily="49" charset="0"/>
-                <a:cs typeface="Consolas" panose="020B0609020204030204" pitchFamily="49" charset="0"/>
-              </a:rPr>
-              <a:t>(p);</a:t>
-            </a:r>
-          </a:p>
-          <a:p>
-            <a:pPr marL="0" indent="0">
-              <a:lnSpc>
-                <a:spcPts val="1000"/>
-              </a:lnSpc>
-              <a:buNone/>
-            </a:pPr>
-            <a:r>
-              <a:rPr lang="en-US" sz="1800" dirty="0">
-                <a:latin typeface="Consolas" panose="020B0609020204030204" pitchFamily="49" charset="0"/>
-                <a:cs typeface="Consolas" panose="020B0609020204030204" pitchFamily="49" charset="0"/>
-              </a:rPr>
-              <a:t>	  return true;</a:t>
-            </a:r>
-          </a:p>
-          <a:p>
-            <a:pPr marL="0" indent="0">
-              <a:lnSpc>
-                <a:spcPts val="1000"/>
-              </a:lnSpc>
-              <a:buNone/>
-            </a:pPr>
-            <a:r>
-              <a:rPr lang="en-US" sz="1800" dirty="0">
-                <a:latin typeface="Consolas" panose="020B0609020204030204" pitchFamily="49" charset="0"/>
-                <a:cs typeface="Consolas" panose="020B0609020204030204" pitchFamily="49" charset="0"/>
-              </a:rPr>
-              <a:t>	}</a:t>
-            </a:r>
-          </a:p>
-          <a:p>
-            <a:pPr marL="0" indent="0">
-              <a:lnSpc>
-                <a:spcPts val="1000"/>
-              </a:lnSpc>
-              <a:buNone/>
-            </a:pPr>
-            <a:endParaRPr lang="en-US" sz="1800" dirty="0">
-              <a:latin typeface="Consolas" panose="020B0609020204030204" pitchFamily="49" charset="0"/>
-              <a:cs typeface="Consolas" panose="020B0609020204030204" pitchFamily="49" charset="0"/>
-            </a:endParaRPr>
-          </a:p>
-          <a:p>
-            <a:pPr marL="0" indent="0">
-              <a:lnSpc>
-                <a:spcPts val="1000"/>
-              </a:lnSpc>
-              <a:buNone/>
-            </a:pPr>
-            <a:r>
-              <a:rPr lang="ru-RU" sz="1800" dirty="0">
-                <a:latin typeface="Consolas" panose="020B0609020204030204" pitchFamily="49" charset="0"/>
-                <a:cs typeface="Consolas" panose="020B0609020204030204" pitchFamily="49" charset="0"/>
-              </a:rPr>
-              <a:t>	</a:t>
-            </a:r>
-            <a:r>
-              <a:rPr lang="en-US" sz="1800" dirty="0">
-                <a:latin typeface="Consolas" panose="020B0609020204030204" pitchFamily="49" charset="0"/>
-                <a:cs typeface="Consolas" panose="020B0609020204030204" pitchFamily="49" charset="0"/>
-              </a:rPr>
-              <a:t>if (</a:t>
-            </a:r>
-            <a:r>
-              <a:rPr lang="en-US" sz="1800" dirty="0" err="1">
-                <a:latin typeface="Consolas" panose="020B0609020204030204" pitchFamily="49" charset="0"/>
-                <a:cs typeface="Consolas" panose="020B0609020204030204" pitchFamily="49" charset="0"/>
-              </a:rPr>
-              <a:t>northWest</a:t>
-            </a:r>
-            <a:r>
-              <a:rPr lang="en-US" sz="1800" dirty="0">
-                <a:latin typeface="Consolas" panose="020B0609020204030204" pitchFamily="49" charset="0"/>
-                <a:cs typeface="Consolas" panose="020B0609020204030204" pitchFamily="49" charset="0"/>
-              </a:rPr>
-              <a:t> != null)</a:t>
-            </a:r>
-          </a:p>
-          <a:p>
-            <a:pPr marL="0" indent="0">
-              <a:lnSpc>
-                <a:spcPts val="1000"/>
-              </a:lnSpc>
-              <a:buNone/>
-            </a:pPr>
-            <a:r>
-              <a:rPr lang="en-US" sz="1800" dirty="0">
-                <a:latin typeface="Consolas" panose="020B0609020204030204" pitchFamily="49" charset="0"/>
-                <a:cs typeface="Consolas" panose="020B0609020204030204" pitchFamily="49" charset="0"/>
-              </a:rPr>
-              <a:t>	  subdivide();</a:t>
-            </a:r>
-          </a:p>
-          <a:p>
-            <a:pPr marL="0" indent="0">
-              <a:lnSpc>
-                <a:spcPts val="1000"/>
-              </a:lnSpc>
-              <a:buNone/>
-            </a:pPr>
-            <a:endParaRPr lang="en-US" sz="1800" dirty="0">
-              <a:latin typeface="Consolas" panose="020B0609020204030204" pitchFamily="49" charset="0"/>
-              <a:cs typeface="Consolas" panose="020B0609020204030204" pitchFamily="49" charset="0"/>
-            </a:endParaRPr>
-          </a:p>
-          <a:p>
-            <a:pPr marL="0" indent="0">
-              <a:lnSpc>
-                <a:spcPts val="1000"/>
-              </a:lnSpc>
-              <a:buNone/>
-            </a:pPr>
-            <a:r>
-              <a:rPr lang="en-US" sz="1800" dirty="0">
-                <a:latin typeface="Consolas" panose="020B0609020204030204" pitchFamily="49" charset="0"/>
-                <a:cs typeface="Consolas" panose="020B0609020204030204" pitchFamily="49" charset="0"/>
-              </a:rPr>
-              <a:t>	if (</a:t>
-            </a:r>
-            <a:r>
-              <a:rPr lang="en-US" sz="1800" dirty="0" err="1">
-                <a:latin typeface="Consolas" panose="020B0609020204030204" pitchFamily="49" charset="0"/>
-                <a:cs typeface="Consolas" panose="020B0609020204030204" pitchFamily="49" charset="0"/>
-              </a:rPr>
-              <a:t>northWest</a:t>
-            </a:r>
-            <a:r>
-              <a:rPr lang="en-US" sz="1800" dirty="0">
-                <a:latin typeface="Consolas" panose="020B0609020204030204" pitchFamily="49" charset="0"/>
-                <a:cs typeface="Consolas" panose="020B0609020204030204" pitchFamily="49" charset="0"/>
-              </a:rPr>
-              <a:t>-&gt;insert(p)) return true;</a:t>
-            </a:r>
-          </a:p>
-          <a:p>
-            <a:pPr marL="0" indent="0">
-              <a:lnSpc>
-                <a:spcPts val="1000"/>
-              </a:lnSpc>
-              <a:buNone/>
-            </a:pPr>
-            <a:r>
-              <a:rPr lang="en-US" sz="1800" dirty="0">
-                <a:latin typeface="Consolas" panose="020B0609020204030204" pitchFamily="49" charset="0"/>
-                <a:cs typeface="Consolas" panose="020B0609020204030204" pitchFamily="49" charset="0"/>
-              </a:rPr>
-              <a:t>	if (</a:t>
-            </a:r>
-            <a:r>
-              <a:rPr lang="en-US" sz="1800" dirty="0" err="1">
-                <a:latin typeface="Consolas" panose="020B0609020204030204" pitchFamily="49" charset="0"/>
-                <a:cs typeface="Consolas" panose="020B0609020204030204" pitchFamily="49" charset="0"/>
-              </a:rPr>
-              <a:t>northEast</a:t>
-            </a:r>
-            <a:r>
-              <a:rPr lang="en-US" sz="1800" dirty="0">
-                <a:latin typeface="Consolas" panose="020B0609020204030204" pitchFamily="49" charset="0"/>
-                <a:cs typeface="Consolas" panose="020B0609020204030204" pitchFamily="49" charset="0"/>
-              </a:rPr>
-              <a:t>-&gt;insert(p)) return true;</a:t>
-            </a:r>
-          </a:p>
-          <a:p>
-            <a:pPr marL="0" indent="0">
-              <a:lnSpc>
-                <a:spcPts val="1000"/>
-              </a:lnSpc>
-              <a:buNone/>
-            </a:pPr>
-            <a:r>
-              <a:rPr lang="en-US" sz="1800" dirty="0">
-                <a:latin typeface="Consolas" panose="020B0609020204030204" pitchFamily="49" charset="0"/>
-                <a:cs typeface="Consolas" panose="020B0609020204030204" pitchFamily="49" charset="0"/>
-              </a:rPr>
-              <a:t>	if (</a:t>
-            </a:r>
-            <a:r>
-              <a:rPr lang="en-US" sz="1800" dirty="0" err="1">
-                <a:latin typeface="Consolas" panose="020B0609020204030204" pitchFamily="49" charset="0"/>
-                <a:cs typeface="Consolas" panose="020B0609020204030204" pitchFamily="49" charset="0"/>
-              </a:rPr>
-              <a:t>southWest</a:t>
-            </a:r>
-            <a:r>
-              <a:rPr lang="en-US" sz="1800" dirty="0">
-                <a:latin typeface="Consolas" panose="020B0609020204030204" pitchFamily="49" charset="0"/>
-                <a:cs typeface="Consolas" panose="020B0609020204030204" pitchFamily="49" charset="0"/>
-              </a:rPr>
-              <a:t>-&gt;insert(p)) return true;</a:t>
-            </a:r>
-          </a:p>
-          <a:p>
-            <a:pPr marL="0" indent="0">
-              <a:lnSpc>
-                <a:spcPts val="1000"/>
-              </a:lnSpc>
-              <a:buNone/>
-            </a:pPr>
-            <a:r>
-              <a:rPr lang="en-US" sz="1800" dirty="0">
-                <a:latin typeface="Consolas" panose="020B0609020204030204" pitchFamily="49" charset="0"/>
-                <a:cs typeface="Consolas" panose="020B0609020204030204" pitchFamily="49" charset="0"/>
-              </a:rPr>
-              <a:t>	if (</a:t>
-            </a:r>
-            <a:r>
-              <a:rPr lang="en-US" sz="1800" dirty="0" err="1">
-                <a:latin typeface="Consolas" panose="020B0609020204030204" pitchFamily="49" charset="0"/>
-                <a:cs typeface="Consolas" panose="020B0609020204030204" pitchFamily="49" charset="0"/>
-              </a:rPr>
-              <a:t>southEast</a:t>
-            </a:r>
-            <a:r>
-              <a:rPr lang="en-US" sz="1800" dirty="0">
-                <a:latin typeface="Consolas" panose="020B0609020204030204" pitchFamily="49" charset="0"/>
-                <a:cs typeface="Consolas" panose="020B0609020204030204" pitchFamily="49" charset="0"/>
-              </a:rPr>
-              <a:t>-&gt;insert(p)) return true;</a:t>
-            </a:r>
-          </a:p>
-          <a:p>
-            <a:pPr marL="0" indent="0">
-              <a:lnSpc>
-                <a:spcPts val="1000"/>
-              </a:lnSpc>
-              <a:buNone/>
-            </a:pPr>
-            <a:endParaRPr lang="en-US" sz="1800" dirty="0">
-              <a:latin typeface="Consolas" panose="020B0609020204030204" pitchFamily="49" charset="0"/>
-              <a:cs typeface="Consolas" panose="020B0609020204030204" pitchFamily="49" charset="0"/>
-            </a:endParaRPr>
-          </a:p>
-          <a:p>
-            <a:pPr marL="0" indent="0">
-              <a:lnSpc>
-                <a:spcPts val="1000"/>
-              </a:lnSpc>
-              <a:buNone/>
-            </a:pPr>
-            <a:r>
-              <a:rPr lang="en-US" sz="1800" dirty="0">
-                <a:latin typeface="Consolas" panose="020B0609020204030204" pitchFamily="49" charset="0"/>
-                <a:cs typeface="Consolas" panose="020B0609020204030204" pitchFamily="49" charset="0"/>
-              </a:rPr>
-              <a:t>	return false;</a:t>
-            </a:r>
-          </a:p>
-          <a:p>
-            <a:pPr marL="0" indent="0">
-              <a:lnSpc>
-                <a:spcPts val="1000"/>
-              </a:lnSpc>
-              <a:buNone/>
-            </a:pPr>
-            <a:r>
-              <a:rPr lang="en-US" sz="1800" dirty="0">
-                <a:latin typeface="Consolas" panose="020B0609020204030204" pitchFamily="49" charset="0"/>
-                <a:cs typeface="Consolas" panose="020B0609020204030204" pitchFamily="49" charset="0"/>
-              </a:rPr>
-              <a:t>}</a:t>
-            </a:r>
-            <a:endParaRPr lang="ru-RU" sz="1800" dirty="0">
-              <a:latin typeface="Consolas" panose="020B0609020204030204" pitchFamily="49" charset="0"/>
-              <a:cs typeface="Consolas" panose="020B0609020204030204" pitchFamily="49" charset="0"/>
-            </a:endParaRPr>
+            <a:r>
+              <a:rPr lang="en-US" dirty="0" smtClean="0"/>
+              <a:t>cohesion</a:t>
+            </a:r>
+            <a:endParaRPr lang="ru-RU" dirty="0"/>
+          </a:p>
+        </p:txBody>
+      </p:sp>
+      <p:sp>
+        <p:nvSpPr>
+          <p:cNvPr id="11" name="TextBox 10"/>
+          <p:cNvSpPr txBox="1"/>
+          <p:nvPr/>
+        </p:nvSpPr>
+        <p:spPr>
+          <a:xfrm>
+            <a:off x="3392318" y="3393104"/>
+            <a:ext cx="1179682" cy="369332"/>
+          </a:xfrm>
+          <a:prstGeom prst="rect">
+            <a:avLst/>
+          </a:prstGeom>
+          <a:noFill/>
+        </p:spPr>
+        <p:txBody>
+          <a:bodyPr wrap="none" rtlCol="0">
+            <a:spAutoFit/>
+          </a:bodyPr>
+          <a:lstStyle/>
+          <a:p>
+            <a:r>
+              <a:rPr lang="en-US" dirty="0" smtClean="0"/>
+              <a:t>separation</a:t>
+            </a:r>
+            <a:endParaRPr lang="ru-RU" dirty="0"/>
+          </a:p>
+        </p:txBody>
+      </p:sp>
+      <p:sp>
+        <p:nvSpPr>
+          <p:cNvPr id="12" name="TextBox 11"/>
+          <p:cNvSpPr txBox="1"/>
+          <p:nvPr/>
+        </p:nvSpPr>
+        <p:spPr>
+          <a:xfrm>
+            <a:off x="3443678" y="5542865"/>
+            <a:ext cx="1128322" cy="369332"/>
+          </a:xfrm>
+          <a:prstGeom prst="rect">
+            <a:avLst/>
+          </a:prstGeom>
+          <a:noFill/>
+        </p:spPr>
+        <p:txBody>
+          <a:bodyPr wrap="none" rtlCol="0">
+            <a:spAutoFit/>
+          </a:bodyPr>
+          <a:lstStyle/>
+          <a:p>
+            <a:r>
+              <a:rPr lang="en-US" dirty="0" smtClean="0"/>
+              <a:t>alignment</a:t>
+            </a:r>
+            <a:endParaRPr lang="ru-RU" dirty="0"/>
           </a:p>
         </p:txBody>
       </p:sp>
     </p:spTree>
     <p:extLst>
       <p:ext uri="{BB962C8B-B14F-4D97-AF65-F5344CB8AC3E}">
-        <p14:creationId xmlns:p14="http://schemas.microsoft.com/office/powerpoint/2010/main" val="586928166"/>
+        <p14:creationId xmlns:p14="http://schemas.microsoft.com/office/powerpoint/2010/main" val="2934819714"/>
       </p:ext>
     </p:extLst>
   </p:cSld>
@@ -6179,8 +6330,8 @@
         </p:nvSpPr>
         <p:spPr>
           <a:xfrm>
-            <a:off x="735330" y="144146"/>
-            <a:ext cx="7886700" cy="434973"/>
+            <a:off x="628650" y="365127"/>
+            <a:ext cx="7886700" cy="663574"/>
           </a:xfrm>
         </p:spPr>
         <p:txBody>
@@ -6191,8 +6342,8 @@
           <a:p>
             <a:pPr algn="ctr"/>
             <a:r>
-              <a:rPr lang="en-US" dirty="0"/>
-              <a:t>Quad-tree</a:t>
+              <a:rPr lang="en-US" dirty="0" smtClean="0"/>
+              <a:t>Space Partitioning</a:t>
             </a:r>
             <a:endParaRPr lang="ru-RU" dirty="0"/>
           </a:p>
@@ -6210,732 +6361,54 @@
         </p:nvSpPr>
         <p:spPr>
           <a:xfrm>
-            <a:off x="628650" y="899160"/>
-            <a:ext cx="7886700" cy="5638800"/>
-          </a:xfrm>
-        </p:spPr>
-        <p:txBody>
-          <a:bodyPr>
-            <a:normAutofit fontScale="25000" lnSpcReduction="20000"/>
-          </a:bodyPr>
-          <a:lstStyle/>
-          <a:p>
-            <a:pPr marL="0" indent="0">
-              <a:lnSpc>
-                <a:spcPts val="1000"/>
-              </a:lnSpc>
-              <a:buNone/>
-            </a:pPr>
-            <a:r>
-              <a:rPr lang="en-US" sz="6400" dirty="0" smtClean="0">
-                <a:latin typeface="Consolas" panose="020B0609020204030204" pitchFamily="49" charset="0"/>
-                <a:cs typeface="Consolas" panose="020B0609020204030204" pitchFamily="49" charset="0"/>
-              </a:rPr>
-              <a:t>function </a:t>
-            </a:r>
-            <a:r>
-              <a:rPr lang="en-US" sz="6400" dirty="0" err="1">
-                <a:latin typeface="Consolas" panose="020B0609020204030204" pitchFamily="49" charset="0"/>
-                <a:cs typeface="Consolas" panose="020B0609020204030204" pitchFamily="49" charset="0"/>
-              </a:rPr>
-              <a:t>queryRange</a:t>
-            </a:r>
-            <a:r>
-              <a:rPr lang="en-US" sz="6400" dirty="0">
-                <a:latin typeface="Consolas" panose="020B0609020204030204" pitchFamily="49" charset="0"/>
-                <a:cs typeface="Consolas" panose="020B0609020204030204" pitchFamily="49" charset="0"/>
-              </a:rPr>
-              <a:t>(AABB range</a:t>
-            </a:r>
-            <a:r>
-              <a:rPr lang="en-US" sz="6400" dirty="0" smtClean="0">
-                <a:latin typeface="Consolas" panose="020B0609020204030204" pitchFamily="49" charset="0"/>
-                <a:cs typeface="Consolas" panose="020B0609020204030204" pitchFamily="49" charset="0"/>
-              </a:rPr>
-              <a:t>){</a:t>
-            </a:r>
-            <a:endParaRPr lang="en-US" sz="6400" dirty="0">
-              <a:latin typeface="Consolas" panose="020B0609020204030204" pitchFamily="49" charset="0"/>
-              <a:cs typeface="Consolas" panose="020B0609020204030204" pitchFamily="49" charset="0"/>
-            </a:endParaRPr>
-          </a:p>
-          <a:p>
-            <a:pPr marL="0" indent="0">
-              <a:lnSpc>
-                <a:spcPts val="1000"/>
-              </a:lnSpc>
-              <a:buNone/>
-            </a:pPr>
-            <a:r>
-              <a:rPr lang="en-US" sz="6400" dirty="0">
-                <a:latin typeface="Consolas" panose="020B0609020204030204" pitchFamily="49" charset="0"/>
-                <a:cs typeface="Consolas" panose="020B0609020204030204" pitchFamily="49" charset="0"/>
-              </a:rPr>
-              <a:t>    // </a:t>
-            </a:r>
-            <a:r>
-              <a:rPr lang="ru-RU" sz="6400" dirty="0">
-                <a:latin typeface="Consolas" panose="020B0609020204030204" pitchFamily="49" charset="0"/>
-                <a:cs typeface="Consolas" panose="020B0609020204030204" pitchFamily="49" charset="0"/>
-              </a:rPr>
-              <a:t>Отмена, если диапазон не совпадает с квадрантом</a:t>
-            </a:r>
-          </a:p>
-          <a:p>
-            <a:pPr marL="0" indent="0">
-              <a:lnSpc>
-                <a:spcPts val="1000"/>
-              </a:lnSpc>
-              <a:buNone/>
-            </a:pPr>
-            <a:r>
-              <a:rPr lang="ru-RU" sz="6400" dirty="0">
-                <a:latin typeface="Consolas" panose="020B0609020204030204" pitchFamily="49" charset="0"/>
-                <a:cs typeface="Consolas" panose="020B0609020204030204" pitchFamily="49" charset="0"/>
-              </a:rPr>
-              <a:t>    </a:t>
-            </a:r>
-            <a:r>
-              <a:rPr lang="en-US" sz="6400" dirty="0">
-                <a:latin typeface="Consolas" panose="020B0609020204030204" pitchFamily="49" charset="0"/>
-                <a:cs typeface="Consolas" panose="020B0609020204030204" pitchFamily="49" charset="0"/>
-              </a:rPr>
-              <a:t>if (!</a:t>
-            </a:r>
-            <a:r>
-              <a:rPr lang="en-US" sz="6400" dirty="0" err="1">
-                <a:latin typeface="Consolas" panose="020B0609020204030204" pitchFamily="49" charset="0"/>
-                <a:cs typeface="Consolas" panose="020B0609020204030204" pitchFamily="49" charset="0"/>
-              </a:rPr>
-              <a:t>boundary.insersectsAABB</a:t>
-            </a:r>
-            <a:r>
-              <a:rPr lang="en-US" sz="6400" dirty="0">
-                <a:latin typeface="Consolas" panose="020B0609020204030204" pitchFamily="49" charset="0"/>
-                <a:cs typeface="Consolas" panose="020B0609020204030204" pitchFamily="49" charset="0"/>
-              </a:rPr>
-              <a:t>(range))</a:t>
-            </a:r>
-          </a:p>
-          <a:p>
-            <a:pPr marL="0" indent="0">
-              <a:lnSpc>
-                <a:spcPts val="1000"/>
-              </a:lnSpc>
-              <a:buNone/>
-            </a:pPr>
-            <a:r>
-              <a:rPr lang="en-US" sz="6400" dirty="0">
-                <a:latin typeface="Consolas" panose="020B0609020204030204" pitchFamily="49" charset="0"/>
-                <a:cs typeface="Consolas" panose="020B0609020204030204" pitchFamily="49" charset="0"/>
-              </a:rPr>
-              <a:t>      return </a:t>
-            </a:r>
-            <a:r>
-              <a:rPr lang="en-US" sz="6400" dirty="0" err="1">
-                <a:latin typeface="Consolas" panose="020B0609020204030204" pitchFamily="49" charset="0"/>
-                <a:cs typeface="Consolas" panose="020B0609020204030204" pitchFamily="49" charset="0"/>
-              </a:rPr>
-              <a:t>pointsInRange</a:t>
-            </a:r>
-            <a:r>
-              <a:rPr lang="en-US" sz="6400" dirty="0">
-                <a:latin typeface="Consolas" panose="020B0609020204030204" pitchFamily="49" charset="0"/>
-                <a:cs typeface="Consolas" panose="020B0609020204030204" pitchFamily="49" charset="0"/>
-              </a:rPr>
-              <a:t>; // </a:t>
-            </a:r>
-            <a:r>
-              <a:rPr lang="ru-RU" sz="6400" dirty="0">
-                <a:latin typeface="Consolas" panose="020B0609020204030204" pitchFamily="49" charset="0"/>
-                <a:cs typeface="Consolas" panose="020B0609020204030204" pitchFamily="49" charset="0"/>
-              </a:rPr>
-              <a:t>Пустой список</a:t>
-            </a:r>
-          </a:p>
-          <a:p>
-            <a:pPr marL="0" indent="0">
-              <a:lnSpc>
-                <a:spcPts val="1000"/>
-              </a:lnSpc>
-              <a:buNone/>
-            </a:pPr>
-            <a:endParaRPr lang="ru-RU" sz="6400" dirty="0">
-              <a:latin typeface="Consolas" panose="020B0609020204030204" pitchFamily="49" charset="0"/>
-              <a:cs typeface="Consolas" panose="020B0609020204030204" pitchFamily="49" charset="0"/>
-            </a:endParaRPr>
-          </a:p>
-          <a:p>
-            <a:pPr marL="0" indent="0">
-              <a:lnSpc>
-                <a:spcPts val="1000"/>
-              </a:lnSpc>
-              <a:buNone/>
-            </a:pPr>
-            <a:r>
-              <a:rPr lang="ru-RU" sz="6400" dirty="0">
-                <a:latin typeface="Consolas" panose="020B0609020204030204" pitchFamily="49" charset="0"/>
-                <a:cs typeface="Consolas" panose="020B0609020204030204" pitchFamily="49" charset="0"/>
-              </a:rPr>
-              <a:t>    // Проверить объекты текущего уровня</a:t>
-            </a:r>
-          </a:p>
-          <a:p>
-            <a:pPr marL="0" indent="0">
-              <a:lnSpc>
-                <a:spcPts val="1000"/>
-              </a:lnSpc>
-              <a:buNone/>
-            </a:pPr>
-            <a:r>
-              <a:rPr lang="ru-RU" sz="6400" dirty="0">
-                <a:latin typeface="Consolas" panose="020B0609020204030204" pitchFamily="49" charset="0"/>
-                <a:cs typeface="Consolas" panose="020B0609020204030204" pitchFamily="49" charset="0"/>
-              </a:rPr>
-              <a:t>    </a:t>
-            </a:r>
-            <a:r>
-              <a:rPr lang="en-US" sz="6400" dirty="0">
-                <a:latin typeface="Consolas" panose="020B0609020204030204" pitchFamily="49" charset="0"/>
-                <a:cs typeface="Consolas" panose="020B0609020204030204" pitchFamily="49" charset="0"/>
-              </a:rPr>
-              <a:t>for (</a:t>
-            </a:r>
-            <a:r>
-              <a:rPr lang="en-US" sz="6400" dirty="0" err="1">
-                <a:latin typeface="Consolas" panose="020B0609020204030204" pitchFamily="49" charset="0"/>
-                <a:cs typeface="Consolas" panose="020B0609020204030204" pitchFamily="49" charset="0"/>
-              </a:rPr>
-              <a:t>int</a:t>
-            </a:r>
-            <a:r>
-              <a:rPr lang="en-US" sz="6400" dirty="0">
-                <a:latin typeface="Consolas" panose="020B0609020204030204" pitchFamily="49" charset="0"/>
-                <a:cs typeface="Consolas" panose="020B0609020204030204" pitchFamily="49" charset="0"/>
-              </a:rPr>
-              <a:t> p := 0; p &lt; </a:t>
-            </a:r>
-            <a:r>
-              <a:rPr lang="en-US" sz="6400" dirty="0" err="1">
-                <a:latin typeface="Consolas" panose="020B0609020204030204" pitchFamily="49" charset="0"/>
-                <a:cs typeface="Consolas" panose="020B0609020204030204" pitchFamily="49" charset="0"/>
-              </a:rPr>
-              <a:t>points.size</a:t>
-            </a:r>
-            <a:r>
-              <a:rPr lang="en-US" sz="6400" dirty="0">
-                <a:latin typeface="Consolas" panose="020B0609020204030204" pitchFamily="49" charset="0"/>
-                <a:cs typeface="Consolas" panose="020B0609020204030204" pitchFamily="49" charset="0"/>
-              </a:rPr>
-              <a:t>; p++){</a:t>
-            </a:r>
-          </a:p>
-          <a:p>
-            <a:pPr marL="0" indent="0">
-              <a:lnSpc>
-                <a:spcPts val="1000"/>
-              </a:lnSpc>
-              <a:buNone/>
-            </a:pPr>
-            <a:r>
-              <a:rPr lang="en-US" sz="6400" dirty="0">
-                <a:latin typeface="Consolas" panose="020B0609020204030204" pitchFamily="49" charset="0"/>
-                <a:cs typeface="Consolas" panose="020B0609020204030204" pitchFamily="49" charset="0"/>
-              </a:rPr>
-              <a:t>      if (</a:t>
-            </a:r>
-            <a:r>
-              <a:rPr lang="en-US" sz="6400" dirty="0" err="1">
-                <a:latin typeface="Consolas" panose="020B0609020204030204" pitchFamily="49" charset="0"/>
-                <a:cs typeface="Consolas" panose="020B0609020204030204" pitchFamily="49" charset="0"/>
-              </a:rPr>
-              <a:t>range.containsPoint</a:t>
-            </a:r>
-            <a:r>
-              <a:rPr lang="en-US" sz="6400" dirty="0">
-                <a:latin typeface="Consolas" panose="020B0609020204030204" pitchFamily="49" charset="0"/>
-                <a:cs typeface="Consolas" panose="020B0609020204030204" pitchFamily="49" charset="0"/>
-              </a:rPr>
-              <a:t>(points[p</a:t>
-            </a:r>
-            <a:r>
-              <a:rPr lang="en-US" sz="6400" dirty="0" smtClean="0">
-                <a:latin typeface="Consolas" panose="020B0609020204030204" pitchFamily="49" charset="0"/>
-                <a:cs typeface="Consolas" panose="020B0609020204030204" pitchFamily="49" charset="0"/>
-              </a:rPr>
-              <a:t>]))</a:t>
-            </a:r>
-          </a:p>
-          <a:p>
-            <a:pPr marL="0" indent="0">
-              <a:lnSpc>
-                <a:spcPts val="1000"/>
-              </a:lnSpc>
-              <a:buNone/>
-            </a:pPr>
-            <a:r>
-              <a:rPr lang="en-US" sz="6400" dirty="0" smtClean="0">
-                <a:latin typeface="Consolas" panose="020B0609020204030204" pitchFamily="49" charset="0"/>
-                <a:cs typeface="Consolas" panose="020B0609020204030204" pitchFamily="49" charset="0"/>
-              </a:rPr>
-              <a:t>        </a:t>
-            </a:r>
-            <a:r>
-              <a:rPr lang="en-US" sz="6400" dirty="0" err="1" smtClean="0">
-                <a:latin typeface="Consolas" panose="020B0609020204030204" pitchFamily="49" charset="0"/>
-                <a:cs typeface="Consolas" panose="020B0609020204030204" pitchFamily="49" charset="0"/>
-              </a:rPr>
-              <a:t>pointsInRange.append</a:t>
-            </a:r>
-            <a:r>
-              <a:rPr lang="en-US" sz="6400" dirty="0" smtClean="0">
-                <a:latin typeface="Consolas" panose="020B0609020204030204" pitchFamily="49" charset="0"/>
-                <a:cs typeface="Consolas" panose="020B0609020204030204" pitchFamily="49" charset="0"/>
-              </a:rPr>
-              <a:t>(points[p]);</a:t>
-            </a:r>
-          </a:p>
-          <a:p>
-            <a:pPr marL="0" indent="0">
-              <a:lnSpc>
-                <a:spcPts val="1000"/>
-              </a:lnSpc>
-              <a:buNone/>
-            </a:pPr>
-            <a:r>
-              <a:rPr lang="en-US" sz="6400" dirty="0" smtClean="0">
-                <a:latin typeface="Consolas" panose="020B0609020204030204" pitchFamily="49" charset="0"/>
-                <a:cs typeface="Consolas" panose="020B0609020204030204" pitchFamily="49" charset="0"/>
-              </a:rPr>
-              <a:t>    </a:t>
-            </a:r>
-            <a:r>
-              <a:rPr lang="en-US" sz="6400" dirty="0">
-                <a:latin typeface="Consolas" panose="020B0609020204030204" pitchFamily="49" charset="0"/>
-                <a:cs typeface="Consolas" panose="020B0609020204030204" pitchFamily="49" charset="0"/>
-              </a:rPr>
-              <a:t>}</a:t>
-            </a:r>
-          </a:p>
-          <a:p>
-            <a:pPr marL="0" indent="0">
-              <a:lnSpc>
-                <a:spcPts val="1000"/>
-              </a:lnSpc>
-              <a:buNone/>
-            </a:pPr>
-            <a:endParaRPr lang="en-US" sz="6400" dirty="0">
-              <a:latin typeface="Consolas" panose="020B0609020204030204" pitchFamily="49" charset="0"/>
-              <a:cs typeface="Consolas" panose="020B0609020204030204" pitchFamily="49" charset="0"/>
-            </a:endParaRPr>
-          </a:p>
-          <a:p>
-            <a:pPr marL="0" indent="0">
-              <a:lnSpc>
-                <a:spcPts val="1000"/>
-              </a:lnSpc>
-              <a:buNone/>
-            </a:pPr>
-            <a:r>
-              <a:rPr lang="en-US" sz="6400" dirty="0">
-                <a:latin typeface="Consolas" panose="020B0609020204030204" pitchFamily="49" charset="0"/>
-                <a:cs typeface="Consolas" panose="020B0609020204030204" pitchFamily="49" charset="0"/>
-              </a:rPr>
-              <a:t>    if (</a:t>
-            </a:r>
-            <a:r>
-              <a:rPr lang="en-US" sz="6400" dirty="0" err="1">
-                <a:latin typeface="Consolas" panose="020B0609020204030204" pitchFamily="49" charset="0"/>
-                <a:cs typeface="Consolas" panose="020B0609020204030204" pitchFamily="49" charset="0"/>
-              </a:rPr>
-              <a:t>northWest</a:t>
-            </a:r>
-            <a:r>
-              <a:rPr lang="en-US" sz="6400" dirty="0">
-                <a:latin typeface="Consolas" panose="020B0609020204030204" pitchFamily="49" charset="0"/>
-                <a:cs typeface="Consolas" panose="020B0609020204030204" pitchFamily="49" charset="0"/>
-              </a:rPr>
-              <a:t> == null)// </a:t>
-            </a:r>
-            <a:r>
-              <a:rPr lang="ru-RU" sz="6400" dirty="0">
-                <a:latin typeface="Consolas" panose="020B0609020204030204" pitchFamily="49" charset="0"/>
-                <a:cs typeface="Consolas" panose="020B0609020204030204" pitchFamily="49" charset="0"/>
-              </a:rPr>
-              <a:t>Остановка, если больше нет потомков</a:t>
-            </a:r>
-          </a:p>
-          <a:p>
-            <a:pPr marL="0" indent="0">
-              <a:lnSpc>
-                <a:spcPts val="1000"/>
-              </a:lnSpc>
-              <a:buNone/>
-            </a:pPr>
-            <a:r>
-              <a:rPr lang="ru-RU" sz="6400" dirty="0">
-                <a:latin typeface="Consolas" panose="020B0609020204030204" pitchFamily="49" charset="0"/>
-                <a:cs typeface="Consolas" panose="020B0609020204030204" pitchFamily="49" charset="0"/>
-              </a:rPr>
-              <a:t>      </a:t>
-            </a:r>
-            <a:r>
-              <a:rPr lang="en-US" sz="6400" dirty="0">
-                <a:latin typeface="Consolas" panose="020B0609020204030204" pitchFamily="49" charset="0"/>
-                <a:cs typeface="Consolas" panose="020B0609020204030204" pitchFamily="49" charset="0"/>
-              </a:rPr>
-              <a:t>return </a:t>
-            </a:r>
-            <a:r>
-              <a:rPr lang="en-US" sz="6400" dirty="0" err="1">
-                <a:latin typeface="Consolas" panose="020B0609020204030204" pitchFamily="49" charset="0"/>
-                <a:cs typeface="Consolas" panose="020B0609020204030204" pitchFamily="49" charset="0"/>
-              </a:rPr>
-              <a:t>pointsInRange</a:t>
-            </a:r>
-            <a:r>
-              <a:rPr lang="en-US" sz="6400" dirty="0">
-                <a:latin typeface="Consolas" panose="020B0609020204030204" pitchFamily="49" charset="0"/>
-                <a:cs typeface="Consolas" panose="020B0609020204030204" pitchFamily="49" charset="0"/>
-              </a:rPr>
-              <a:t>;</a:t>
-            </a:r>
-          </a:p>
-          <a:p>
-            <a:pPr marL="0" indent="0">
-              <a:lnSpc>
-                <a:spcPts val="1000"/>
-              </a:lnSpc>
-              <a:buNone/>
-            </a:pPr>
-            <a:endParaRPr lang="en-US" sz="6400" dirty="0">
-              <a:latin typeface="Consolas" panose="020B0609020204030204" pitchFamily="49" charset="0"/>
-              <a:cs typeface="Consolas" panose="020B0609020204030204" pitchFamily="49" charset="0"/>
-            </a:endParaRPr>
-          </a:p>
-          <a:p>
-            <a:pPr marL="0" indent="0">
-              <a:lnSpc>
-                <a:spcPts val="1000"/>
-              </a:lnSpc>
-              <a:buNone/>
-            </a:pPr>
-            <a:r>
-              <a:rPr lang="en-US" sz="6400" dirty="0">
-                <a:latin typeface="Consolas" panose="020B0609020204030204" pitchFamily="49" charset="0"/>
-                <a:cs typeface="Consolas" panose="020B0609020204030204" pitchFamily="49" charset="0"/>
-              </a:rPr>
-              <a:t>    // </a:t>
-            </a:r>
-            <a:r>
-              <a:rPr lang="ru-RU" sz="6400" dirty="0">
-                <a:latin typeface="Consolas" panose="020B0609020204030204" pitchFamily="49" charset="0"/>
-                <a:cs typeface="Consolas" panose="020B0609020204030204" pitchFamily="49" charset="0"/>
-              </a:rPr>
-              <a:t>Добавить все точки потомков</a:t>
-            </a:r>
-          </a:p>
-          <a:p>
-            <a:pPr marL="0" indent="0">
-              <a:lnSpc>
-                <a:spcPts val="1000"/>
-              </a:lnSpc>
-              <a:buNone/>
-            </a:pPr>
-            <a:r>
-              <a:rPr lang="ru-RU" sz="6400" dirty="0">
-                <a:latin typeface="Consolas" panose="020B0609020204030204" pitchFamily="49" charset="0"/>
-                <a:cs typeface="Consolas" panose="020B0609020204030204" pitchFamily="49" charset="0"/>
-              </a:rPr>
-              <a:t>    </a:t>
-            </a:r>
-            <a:r>
-              <a:rPr lang="en-US" sz="6400" dirty="0" err="1">
-                <a:latin typeface="Consolas" panose="020B0609020204030204" pitchFamily="49" charset="0"/>
-                <a:cs typeface="Consolas" panose="020B0609020204030204" pitchFamily="49" charset="0"/>
-              </a:rPr>
-              <a:t>pointsInRange.appendArray</a:t>
-            </a:r>
-            <a:r>
-              <a:rPr lang="en-US" sz="6400" dirty="0">
-                <a:latin typeface="Consolas" panose="020B0609020204030204" pitchFamily="49" charset="0"/>
-                <a:cs typeface="Consolas" panose="020B0609020204030204" pitchFamily="49" charset="0"/>
-              </a:rPr>
-              <a:t>(</a:t>
-            </a:r>
-            <a:r>
-              <a:rPr lang="en-US" sz="6400" dirty="0" err="1">
-                <a:latin typeface="Consolas" panose="020B0609020204030204" pitchFamily="49" charset="0"/>
-                <a:cs typeface="Consolas" panose="020B0609020204030204" pitchFamily="49" charset="0"/>
-              </a:rPr>
-              <a:t>northWest</a:t>
-            </a:r>
-            <a:r>
-              <a:rPr lang="en-US" sz="6400" dirty="0">
-                <a:latin typeface="Consolas" panose="020B0609020204030204" pitchFamily="49" charset="0"/>
-                <a:cs typeface="Consolas" panose="020B0609020204030204" pitchFamily="49" charset="0"/>
-              </a:rPr>
-              <a:t>-&gt;</a:t>
-            </a:r>
-            <a:r>
-              <a:rPr lang="en-US" sz="6400" dirty="0" err="1">
-                <a:latin typeface="Consolas" panose="020B0609020204030204" pitchFamily="49" charset="0"/>
-                <a:cs typeface="Consolas" panose="020B0609020204030204" pitchFamily="49" charset="0"/>
-              </a:rPr>
-              <a:t>queryRange</a:t>
-            </a:r>
-            <a:r>
-              <a:rPr lang="en-US" sz="6400" dirty="0">
-                <a:latin typeface="Consolas" panose="020B0609020204030204" pitchFamily="49" charset="0"/>
-                <a:cs typeface="Consolas" panose="020B0609020204030204" pitchFamily="49" charset="0"/>
-              </a:rPr>
-              <a:t>(range));</a:t>
-            </a:r>
-          </a:p>
-          <a:p>
-            <a:pPr marL="0" indent="0">
-              <a:lnSpc>
-                <a:spcPts val="1000"/>
-              </a:lnSpc>
-              <a:buNone/>
-            </a:pPr>
-            <a:r>
-              <a:rPr lang="en-US" sz="6400" dirty="0">
-                <a:latin typeface="Consolas" panose="020B0609020204030204" pitchFamily="49" charset="0"/>
-                <a:cs typeface="Consolas" panose="020B0609020204030204" pitchFamily="49" charset="0"/>
-              </a:rPr>
-              <a:t>    </a:t>
-            </a:r>
-            <a:r>
-              <a:rPr lang="en-US" sz="6400" dirty="0" err="1">
-                <a:latin typeface="Consolas" panose="020B0609020204030204" pitchFamily="49" charset="0"/>
-                <a:cs typeface="Consolas" panose="020B0609020204030204" pitchFamily="49" charset="0"/>
-              </a:rPr>
-              <a:t>pointsInRange.appendArray</a:t>
-            </a:r>
-            <a:r>
-              <a:rPr lang="en-US" sz="6400" dirty="0">
-                <a:latin typeface="Consolas" panose="020B0609020204030204" pitchFamily="49" charset="0"/>
-                <a:cs typeface="Consolas" panose="020B0609020204030204" pitchFamily="49" charset="0"/>
-              </a:rPr>
-              <a:t>(</a:t>
-            </a:r>
-            <a:r>
-              <a:rPr lang="en-US" sz="6400" dirty="0" err="1">
-                <a:latin typeface="Consolas" panose="020B0609020204030204" pitchFamily="49" charset="0"/>
-                <a:cs typeface="Consolas" panose="020B0609020204030204" pitchFamily="49" charset="0"/>
-              </a:rPr>
-              <a:t>northEast</a:t>
-            </a:r>
-            <a:r>
-              <a:rPr lang="en-US" sz="6400" dirty="0">
-                <a:latin typeface="Consolas" panose="020B0609020204030204" pitchFamily="49" charset="0"/>
-                <a:cs typeface="Consolas" panose="020B0609020204030204" pitchFamily="49" charset="0"/>
-              </a:rPr>
-              <a:t>-&gt;</a:t>
-            </a:r>
-            <a:r>
-              <a:rPr lang="en-US" sz="6400" dirty="0" err="1">
-                <a:latin typeface="Consolas" panose="020B0609020204030204" pitchFamily="49" charset="0"/>
-                <a:cs typeface="Consolas" panose="020B0609020204030204" pitchFamily="49" charset="0"/>
-              </a:rPr>
-              <a:t>queryRange</a:t>
-            </a:r>
-            <a:r>
-              <a:rPr lang="en-US" sz="6400" dirty="0">
-                <a:latin typeface="Consolas" panose="020B0609020204030204" pitchFamily="49" charset="0"/>
-                <a:cs typeface="Consolas" panose="020B0609020204030204" pitchFamily="49" charset="0"/>
-              </a:rPr>
-              <a:t>(range));</a:t>
-            </a:r>
-          </a:p>
-          <a:p>
-            <a:pPr marL="0" indent="0">
-              <a:lnSpc>
-                <a:spcPts val="1000"/>
-              </a:lnSpc>
-              <a:buNone/>
-            </a:pPr>
-            <a:r>
-              <a:rPr lang="en-US" sz="6400" dirty="0">
-                <a:latin typeface="Consolas" panose="020B0609020204030204" pitchFamily="49" charset="0"/>
-                <a:cs typeface="Consolas" panose="020B0609020204030204" pitchFamily="49" charset="0"/>
-              </a:rPr>
-              <a:t>    </a:t>
-            </a:r>
-            <a:r>
-              <a:rPr lang="en-US" sz="6400" dirty="0" err="1">
-                <a:latin typeface="Consolas" panose="020B0609020204030204" pitchFamily="49" charset="0"/>
-                <a:cs typeface="Consolas" panose="020B0609020204030204" pitchFamily="49" charset="0"/>
-              </a:rPr>
-              <a:t>pointsInRange.appendArray</a:t>
-            </a:r>
-            <a:r>
-              <a:rPr lang="en-US" sz="6400" dirty="0">
-                <a:latin typeface="Consolas" panose="020B0609020204030204" pitchFamily="49" charset="0"/>
-                <a:cs typeface="Consolas" panose="020B0609020204030204" pitchFamily="49" charset="0"/>
-              </a:rPr>
-              <a:t>(</a:t>
-            </a:r>
-            <a:r>
-              <a:rPr lang="en-US" sz="6400" dirty="0" err="1">
-                <a:latin typeface="Consolas" panose="020B0609020204030204" pitchFamily="49" charset="0"/>
-                <a:cs typeface="Consolas" panose="020B0609020204030204" pitchFamily="49" charset="0"/>
-              </a:rPr>
-              <a:t>southWest</a:t>
-            </a:r>
-            <a:r>
-              <a:rPr lang="en-US" sz="6400" dirty="0">
-                <a:latin typeface="Consolas" panose="020B0609020204030204" pitchFamily="49" charset="0"/>
-                <a:cs typeface="Consolas" panose="020B0609020204030204" pitchFamily="49" charset="0"/>
-              </a:rPr>
-              <a:t>-&gt;</a:t>
-            </a:r>
-            <a:r>
-              <a:rPr lang="en-US" sz="6400" dirty="0" err="1">
-                <a:latin typeface="Consolas" panose="020B0609020204030204" pitchFamily="49" charset="0"/>
-                <a:cs typeface="Consolas" panose="020B0609020204030204" pitchFamily="49" charset="0"/>
-              </a:rPr>
-              <a:t>queryRange</a:t>
-            </a:r>
-            <a:r>
-              <a:rPr lang="en-US" sz="6400" dirty="0">
-                <a:latin typeface="Consolas" panose="020B0609020204030204" pitchFamily="49" charset="0"/>
-                <a:cs typeface="Consolas" panose="020B0609020204030204" pitchFamily="49" charset="0"/>
-              </a:rPr>
-              <a:t>(range));</a:t>
-            </a:r>
-          </a:p>
-          <a:p>
-            <a:pPr marL="0" indent="0">
-              <a:lnSpc>
-                <a:spcPts val="1000"/>
-              </a:lnSpc>
-              <a:buNone/>
-            </a:pPr>
-            <a:r>
-              <a:rPr lang="en-US" sz="6400" dirty="0">
-                <a:latin typeface="Consolas" panose="020B0609020204030204" pitchFamily="49" charset="0"/>
-                <a:cs typeface="Consolas" panose="020B0609020204030204" pitchFamily="49" charset="0"/>
-              </a:rPr>
-              <a:t>    </a:t>
-            </a:r>
-            <a:r>
-              <a:rPr lang="en-US" sz="6400" dirty="0" err="1">
-                <a:latin typeface="Consolas" panose="020B0609020204030204" pitchFamily="49" charset="0"/>
-                <a:cs typeface="Consolas" panose="020B0609020204030204" pitchFamily="49" charset="0"/>
-              </a:rPr>
-              <a:t>pointsInRange.appendArray</a:t>
-            </a:r>
-            <a:r>
-              <a:rPr lang="en-US" sz="6400" dirty="0">
-                <a:latin typeface="Consolas" panose="020B0609020204030204" pitchFamily="49" charset="0"/>
-                <a:cs typeface="Consolas" panose="020B0609020204030204" pitchFamily="49" charset="0"/>
-              </a:rPr>
-              <a:t>(</a:t>
-            </a:r>
-            <a:r>
-              <a:rPr lang="en-US" sz="6400" dirty="0" err="1">
-                <a:latin typeface="Consolas" panose="020B0609020204030204" pitchFamily="49" charset="0"/>
-                <a:cs typeface="Consolas" panose="020B0609020204030204" pitchFamily="49" charset="0"/>
-              </a:rPr>
-              <a:t>southEast</a:t>
-            </a:r>
-            <a:r>
-              <a:rPr lang="en-US" sz="6400" dirty="0">
-                <a:latin typeface="Consolas" panose="020B0609020204030204" pitchFamily="49" charset="0"/>
-                <a:cs typeface="Consolas" panose="020B0609020204030204" pitchFamily="49" charset="0"/>
-              </a:rPr>
-              <a:t>-&gt;</a:t>
-            </a:r>
-            <a:r>
-              <a:rPr lang="en-US" sz="6400" dirty="0" err="1">
-                <a:latin typeface="Consolas" panose="020B0609020204030204" pitchFamily="49" charset="0"/>
-                <a:cs typeface="Consolas" panose="020B0609020204030204" pitchFamily="49" charset="0"/>
-              </a:rPr>
-              <a:t>queryRange</a:t>
-            </a:r>
-            <a:r>
-              <a:rPr lang="en-US" sz="6400" dirty="0">
-                <a:latin typeface="Consolas" panose="020B0609020204030204" pitchFamily="49" charset="0"/>
-                <a:cs typeface="Consolas" panose="020B0609020204030204" pitchFamily="49" charset="0"/>
-              </a:rPr>
-              <a:t>(range));</a:t>
-            </a:r>
-          </a:p>
-          <a:p>
-            <a:pPr marL="0" indent="0">
-              <a:lnSpc>
-                <a:spcPts val="1000"/>
-              </a:lnSpc>
-              <a:buNone/>
-            </a:pPr>
-            <a:endParaRPr lang="en-US" sz="6400" dirty="0">
-              <a:latin typeface="Consolas" panose="020B0609020204030204" pitchFamily="49" charset="0"/>
-              <a:cs typeface="Consolas" panose="020B0609020204030204" pitchFamily="49" charset="0"/>
-            </a:endParaRPr>
-          </a:p>
-          <a:p>
-            <a:pPr marL="0" indent="0">
-              <a:lnSpc>
-                <a:spcPts val="1000"/>
-              </a:lnSpc>
-              <a:buNone/>
-            </a:pPr>
-            <a:r>
-              <a:rPr lang="en-US" sz="6400" dirty="0">
-                <a:latin typeface="Consolas" panose="020B0609020204030204" pitchFamily="49" charset="0"/>
-                <a:cs typeface="Consolas" panose="020B0609020204030204" pitchFamily="49" charset="0"/>
-              </a:rPr>
-              <a:t>    return </a:t>
-            </a:r>
-            <a:r>
-              <a:rPr lang="en-US" sz="6400" dirty="0" err="1">
-                <a:latin typeface="Consolas" panose="020B0609020204030204" pitchFamily="49" charset="0"/>
-                <a:cs typeface="Consolas" panose="020B0609020204030204" pitchFamily="49" charset="0"/>
-              </a:rPr>
-              <a:t>pointsInRange</a:t>
-            </a:r>
-            <a:r>
-              <a:rPr lang="en-US" sz="6400" dirty="0">
-                <a:latin typeface="Consolas" panose="020B0609020204030204" pitchFamily="49" charset="0"/>
-                <a:cs typeface="Consolas" panose="020B0609020204030204" pitchFamily="49" charset="0"/>
-              </a:rPr>
-              <a:t>;</a:t>
-            </a:r>
-          </a:p>
-          <a:p>
-            <a:pPr marL="0" indent="0">
-              <a:lnSpc>
-                <a:spcPts val="1000"/>
-              </a:lnSpc>
-              <a:buNone/>
-            </a:pPr>
-            <a:r>
-              <a:rPr lang="en-US" sz="6400" dirty="0" smtClean="0">
-                <a:latin typeface="Consolas" panose="020B0609020204030204" pitchFamily="49" charset="0"/>
-                <a:cs typeface="Consolas" panose="020B0609020204030204" pitchFamily="49" charset="0"/>
-              </a:rPr>
-              <a:t> </a:t>
-            </a:r>
-            <a:r>
-              <a:rPr lang="en-US" sz="6400" dirty="0">
-                <a:latin typeface="Consolas" panose="020B0609020204030204" pitchFamily="49" charset="0"/>
-                <a:cs typeface="Consolas" panose="020B0609020204030204" pitchFamily="49" charset="0"/>
-              </a:rPr>
-              <a:t>}</a:t>
-            </a:r>
-            <a:endParaRPr lang="ru-RU" sz="6400" dirty="0">
-              <a:latin typeface="Consolas" panose="020B0609020204030204" pitchFamily="49" charset="0"/>
-              <a:cs typeface="Consolas" panose="020B0609020204030204" pitchFamily="49" charset="0"/>
-            </a:endParaRPr>
+            <a:off x="628650" y="1127760"/>
+            <a:ext cx="7886700" cy="5049203"/>
+          </a:xfrm>
+        </p:spPr>
+        <p:txBody>
+          <a:bodyPr/>
+          <a:lstStyle/>
+          <a:p>
+            <a:r>
+              <a:rPr lang="ru-RU" dirty="0" smtClean="0"/>
+              <a:t>Проблема: имеется массив объектов и координаты. Найти какие объекты находятся в этих координатах</a:t>
+            </a:r>
+          </a:p>
+          <a:p>
+            <a:r>
+              <a:rPr lang="ru-RU" dirty="0" smtClean="0"/>
+              <a:t>Простейший вариант – линейный поиск</a:t>
+            </a:r>
+          </a:p>
+          <a:p>
+            <a:r>
+              <a:rPr lang="ru-RU" dirty="0" smtClean="0"/>
+              <a:t>Если объектов много и выполняется часто (каждое движение мыши?) – занимает очень много времени</a:t>
+            </a:r>
+          </a:p>
+          <a:p>
+            <a:r>
+              <a:rPr lang="ru-RU" dirty="0" smtClean="0"/>
+              <a:t>Решение – использование пространственного индекса</a:t>
+            </a:r>
+          </a:p>
+          <a:p>
+            <a:r>
+              <a:rPr lang="ru-RU" dirty="0" smtClean="0"/>
+              <a:t>Обычно – </a:t>
+            </a:r>
+            <a:r>
+              <a:rPr lang="en-US" dirty="0" smtClean="0"/>
+              <a:t>space partitioning tree</a:t>
+            </a:r>
+            <a:endParaRPr lang="ru-RU" dirty="0"/>
           </a:p>
         </p:txBody>
       </p:sp>
     </p:spTree>
     <p:extLst>
       <p:ext uri="{BB962C8B-B14F-4D97-AF65-F5344CB8AC3E}">
-        <p14:creationId xmlns:p14="http://schemas.microsoft.com/office/powerpoint/2010/main" val="2997439417"/>
+        <p14:creationId xmlns:p14="http://schemas.microsoft.com/office/powerpoint/2010/main" val="1721067188"/>
       </p:ext>
     </p:extLst>
   </p:cSld>
@@ -6974,8 +6447,8 @@
         </p:nvSpPr>
         <p:spPr>
           <a:xfrm>
-            <a:off x="628650" y="113667"/>
-            <a:ext cx="7886700" cy="709293"/>
+            <a:off x="628650" y="365127"/>
+            <a:ext cx="7886700" cy="808354"/>
           </a:xfrm>
         </p:spPr>
         <p:txBody>
@@ -6984,16 +6457,8 @@
           <a:p>
             <a:pPr algn="ctr"/>
             <a:r>
-              <a:rPr lang="en-US" dirty="0"/>
-              <a:t>k</a:t>
-            </a:r>
-            <a:r>
               <a:rPr lang="en-US" dirty="0" smtClean="0"/>
-              <a:t>-d </a:t>
-            </a:r>
-            <a:r>
-              <a:rPr lang="ru-RU" dirty="0" smtClean="0"/>
-              <a:t>дерево</a:t>
+              <a:t>Space partitioning</a:t>
             </a:r>
             <a:endParaRPr lang="ru-RU" dirty="0"/>
           </a:p>
@@ -7011,114 +6476,104 @@
         </p:nvSpPr>
         <p:spPr>
           <a:xfrm>
-            <a:off x="438150" y="822961"/>
-            <a:ext cx="7886700" cy="2301240"/>
-          </a:xfrm>
-        </p:spPr>
-        <p:txBody>
-          <a:bodyPr/>
-          <a:lstStyle/>
-          <a:p>
-            <a:r>
-              <a:rPr lang="ru-RU" dirty="0" smtClean="0"/>
-              <a:t>Бинарное дерево</a:t>
-            </a:r>
-          </a:p>
-          <a:p>
-            <a:r>
-              <a:rPr lang="ru-RU" dirty="0" smtClean="0"/>
-              <a:t>Каждый узел разделяет пространство на 2 части</a:t>
-            </a:r>
-          </a:p>
-          <a:p>
-            <a:r>
-              <a:rPr lang="ru-RU" dirty="0" smtClean="0"/>
-              <a:t>Разделяющая гиперплоскость проводится поочередно вдоль каждой координатной оси (для двумерной – </a:t>
+            <a:off x="628650" y="1386840"/>
+            <a:ext cx="7886700" cy="5394960"/>
+          </a:xfrm>
+        </p:spPr>
+        <p:txBody>
+          <a:bodyPr>
+            <a:normAutofit lnSpcReduction="10000"/>
+          </a:bodyPr>
+          <a:lstStyle/>
+          <a:p>
+            <a:r>
+              <a:rPr lang="ru-RU" dirty="0" smtClean="0"/>
+              <a:t>Основная идея – разбиваем пространство на части и складываем их в структуру данных с быстрым поиском (дерево)</a:t>
+            </a:r>
+          </a:p>
+          <a:p>
+            <a:r>
+              <a:rPr lang="ru-RU" dirty="0" smtClean="0"/>
+              <a:t>Отличаются структурой данных и способом разбиения пространства</a:t>
+            </a:r>
+          </a:p>
+          <a:p>
+            <a:r>
+              <a:rPr lang="ru-RU" dirty="0" smtClean="0"/>
+              <a:t>Применения</a:t>
+            </a:r>
+          </a:p>
+          <a:p>
+            <a:pPr lvl="1"/>
+            <a:r>
+              <a:rPr lang="ru-RU" dirty="0" smtClean="0"/>
+              <a:t>Поиск объекта под курсором</a:t>
+            </a:r>
+          </a:p>
+          <a:p>
+            <a:pPr lvl="1"/>
+            <a:r>
+              <a:rPr lang="ru-RU" dirty="0" smtClean="0"/>
+              <a:t>Поиск пересечений</a:t>
             </a:r>
             <a:r>
               <a:rPr lang="en-US" dirty="0" smtClean="0"/>
-              <a:t>x </a:t>
-            </a:r>
-            <a:r>
-              <a:rPr lang="ru-RU" dirty="0" smtClean="0"/>
-              <a:t>и у</a:t>
-            </a:r>
+              <a:t>/</a:t>
+            </a:r>
+            <a:r>
+              <a:rPr lang="ru-RU" dirty="0" smtClean="0"/>
+              <a:t>столкновений объектов</a:t>
+            </a:r>
+          </a:p>
+          <a:p>
+            <a:pPr lvl="1"/>
+            <a:r>
+              <a:rPr lang="ru-RU" dirty="0" smtClean="0"/>
+              <a:t>Поиск ближайших объектов </a:t>
+            </a:r>
+          </a:p>
+          <a:p>
+            <a:pPr lvl="1"/>
+            <a:r>
+              <a:rPr lang="ru-RU" dirty="0" smtClean="0"/>
+              <a:t>Отсечение невидимых объектов</a:t>
+            </a:r>
+          </a:p>
+          <a:p>
+            <a:pPr lvl="1"/>
+            <a:r>
+              <a:rPr lang="ru-RU" dirty="0" smtClean="0"/>
+              <a:t>Множество неигровых применений</a:t>
+            </a:r>
+          </a:p>
+          <a:p>
+            <a:pPr lvl="2"/>
+            <a:r>
+              <a:rPr lang="ru-RU" dirty="0" smtClean="0"/>
+              <a:t>Кластерный анализ</a:t>
+            </a:r>
+          </a:p>
+          <a:p>
+            <a:pPr lvl="2"/>
+            <a:r>
+              <a:rPr lang="ru-RU" dirty="0" smtClean="0"/>
+              <a:t>Обработка изображений</a:t>
+            </a:r>
+          </a:p>
+          <a:p>
+            <a:pPr lvl="2"/>
             <a:r>
               <a:rPr lang="en-US" dirty="0" smtClean="0"/>
-              <a:t> </a:t>
-            </a:r>
-            <a:r>
-              <a:rPr lang="ru-RU" dirty="0" smtClean="0"/>
-              <a:t>по очереди)</a:t>
-            </a:r>
-            <a:endParaRPr lang="ru-RU" dirty="0"/>
-          </a:p>
-        </p:txBody>
-      </p:sp>
-      <p:pic>
-        <p:nvPicPr>
-          <p:cNvPr id="4" name="Picture 3"/>
-          <p:cNvPicPr>
-            <a:picLocks noChangeAspect="1"/>
-          </p:cNvPicPr>
-          <p:nvPr/>
-        </p:nvPicPr>
-        <p:blipFill>
-          <a:blip r:embed="rId2">
-            <a:extLst>
-              <a:ext uri="{28A0092B-C50C-407E-A947-70E740481C1C}">
-                <a14:useLocalDpi xmlns:a14="http://schemas.microsoft.com/office/drawing/2010/main" val="0"/>
-              </a:ext>
-            </a:extLst>
-          </a:blip>
-          <a:stretch>
-            <a:fillRect/>
-          </a:stretch>
-        </p:blipFill>
-        <p:spPr>
-          <a:xfrm>
-            <a:off x="760095" y="3267075"/>
-            <a:ext cx="3316605" cy="3316605"/>
-          </a:xfrm>
-          <a:prstGeom prst="rect">
-            <a:avLst/>
-          </a:prstGeom>
-        </p:spPr>
-      </p:pic>
-      <p:pic>
-        <p:nvPicPr>
-          <p:cNvPr id="5" name="Picture 4"/>
-          <p:cNvPicPr>
-            <a:picLocks noChangeAspect="1"/>
-          </p:cNvPicPr>
-          <p:nvPr/>
-        </p:nvPicPr>
-        <p:blipFill>
-          <a:blip r:embed="rId3">
-            <a:extLst>
-              <a:ext uri="{28A0092B-C50C-407E-A947-70E740481C1C}">
-                <a14:useLocalDpi xmlns:a14="http://schemas.microsoft.com/office/drawing/2010/main" val="0"/>
-              </a:ext>
-            </a:extLst>
-          </a:blip>
-          <a:stretch>
-            <a:fillRect/>
-          </a:stretch>
-        </p:blipFill>
-        <p:spPr>
-          <a:xfrm>
-            <a:off x="3953827" y="3603307"/>
-            <a:ext cx="5076825" cy="2486025"/>
-          </a:xfrm>
-          <a:prstGeom prst="rect">
-            <a:avLst/>
-          </a:prstGeom>
-        </p:spPr>
-      </p:pic>
+              <a:t>…</a:t>
+            </a:r>
+            <a:endParaRPr lang="ru-RU" dirty="0" smtClean="0"/>
+          </a:p>
+        </p:txBody>
+      </p:sp>
     </p:spTree>
     <p:extLst>
       <p:ext uri="{BB962C8B-B14F-4D97-AF65-F5344CB8AC3E}">
-        <p14:creationId xmlns:p14="http://schemas.microsoft.com/office/powerpoint/2010/main" val="2012401216"/>
+        <p14:creationId xmlns:p14="http://schemas.microsoft.com/office/powerpoint/2010/main" val="3210332979"/>
       </p:ext>
     </p:extLst>
   </p:cSld>
@@ -7157,68 +6612,94 @@
         </p:nvSpPr>
         <p:spPr>
           <a:xfrm>
-            <a:off x="689610" y="45721"/>
-            <a:ext cx="7886700" cy="731519"/>
+            <a:off x="628650" y="365127"/>
+            <a:ext cx="7886700" cy="663574"/>
+          </a:xfrm>
+        </p:spPr>
+        <p:txBody>
+          <a:bodyPr>
+            <a:normAutofit fontScale="90000"/>
+          </a:bodyPr>
+          <a:lstStyle/>
+          <a:p>
+            <a:pPr algn="ctr"/>
+            <a:r>
+              <a:rPr lang="en-US" dirty="0" smtClean="0"/>
+              <a:t>Quad-tree</a:t>
+            </a:r>
+            <a:endParaRPr lang="ru-RU" dirty="0"/>
+          </a:p>
+        </p:txBody>
+      </p:sp>
+      <p:sp>
+        <p:nvSpPr>
+          <p:cNvPr id="3" name="Content Placeholder 2"/>
+          <p:cNvSpPr>
+            <a:spLocks noGrp="1"/>
+          </p:cNvSpPr>
+          <p:nvPr>
+            <p:ph idx="1"/>
+          </p:nvPr>
+        </p:nvSpPr>
+        <p:spPr>
+          <a:xfrm>
+            <a:off x="628650" y="1226821"/>
+            <a:ext cx="7886700" cy="2042160"/>
           </a:xfrm>
         </p:spPr>
         <p:txBody>
           <a:bodyPr/>
           <a:lstStyle/>
           <a:p>
-            <a:pPr algn="ctr"/>
+            <a:r>
+              <a:rPr lang="ru-RU" dirty="0" smtClean="0"/>
+              <a:t>У каждого внутреннего узла 4 потомка</a:t>
+            </a:r>
+          </a:p>
+          <a:p>
+            <a:r>
+              <a:rPr lang="ru-RU" dirty="0" smtClean="0"/>
+              <a:t>Разбивает 2</a:t>
+            </a:r>
             <a:r>
               <a:rPr lang="en-US" dirty="0" smtClean="0"/>
-              <a:t>R-Tree</a:t>
-            </a:r>
-            <a:endParaRPr lang="ru-RU" dirty="0"/>
-          </a:p>
-        </p:txBody>
-      </p:sp>
-      <p:sp>
-        <p:nvSpPr>
-          <p:cNvPr id="3" name="Content Placeholder 2"/>
-          <p:cNvSpPr>
-            <a:spLocks noGrp="1"/>
-          </p:cNvSpPr>
-          <p:nvPr>
-            <p:ph idx="1"/>
-          </p:nvPr>
-        </p:nvSpPr>
-        <p:spPr>
-          <a:xfrm>
-            <a:off x="742950" y="777240"/>
-            <a:ext cx="7886700" cy="1257300"/>
-          </a:xfrm>
-        </p:spPr>
-        <p:txBody>
-          <a:bodyPr/>
-          <a:lstStyle/>
-          <a:p>
-            <a:r>
-              <a:rPr lang="ru-RU" dirty="0" smtClean="0"/>
-              <a:t>Аналог </a:t>
+              <a:t>d</a:t>
+            </a:r>
+            <a:r>
+              <a:rPr lang="ru-RU" dirty="0" smtClean="0"/>
+              <a:t>-пространство на 4 прямоугольника</a:t>
+            </a:r>
+          </a:p>
+          <a:p>
+            <a:r>
+              <a:rPr lang="ru-RU" dirty="0" smtClean="0"/>
+              <a:t>Для 3</a:t>
             </a:r>
             <a:r>
               <a:rPr lang="en-US" dirty="0" smtClean="0"/>
-              <a:t>B-Tree</a:t>
-            </a:r>
-            <a:r>
-              <a:rPr lang="ru-RU" dirty="0" smtClean="0"/>
-              <a:t>, используемого в индексах БД</a:t>
-            </a:r>
-          </a:p>
-          <a:p>
-            <a:r>
-              <a:rPr lang="ru-RU" dirty="0" smtClean="0"/>
-              <a:t>Представляет собой иерархию прямоугольников</a:t>
-            </a:r>
+              <a:t>d </a:t>
+            </a:r>
+            <a:r>
+              <a:rPr lang="ru-RU" dirty="0" smtClean="0"/>
+              <a:t>аналог – </a:t>
+            </a:r>
+            <a:r>
+              <a:rPr lang="en-US" dirty="0" err="1" smtClean="0"/>
+              <a:t>octree</a:t>
+            </a:r>
+            <a:endParaRPr lang="en-US" dirty="0" smtClean="0"/>
+          </a:p>
+          <a:p>
+            <a:pPr marL="0" indent="0">
+              <a:buNone/>
+            </a:pPr>
             <a:endParaRPr lang="ru-RU" dirty="0"/>
           </a:p>
         </p:txBody>
       </p:sp>
       <p:pic>
         <p:nvPicPr>
-          <p:cNvPr id="4" name="Picture 3"/>
+          <p:cNvPr id="5" name="Picture 4"/>
           <p:cNvPicPr>
             <a:picLocks noChangeAspect="1"/>
           </p:cNvPicPr>
@@ -7238,8 +6719,8 @@
         </p:blipFill>
         <p:spPr>
           <a:xfrm>
-            <a:off x="1902143" y="1807844"/>
-            <a:ext cx="5580697" cy="4819337"/>
+            <a:off x="4986337" y="2657475"/>
+            <a:ext cx="3753803" cy="3760899"/>
           </a:xfrm>
           <a:prstGeom prst="rect">
             <a:avLst/>
@@ -7249,7 +6730,7 @@
     </p:spTree>
     <p:extLst>
       <p:ext uri="{BB962C8B-B14F-4D97-AF65-F5344CB8AC3E}">
-        <p14:creationId xmlns:p14="http://schemas.microsoft.com/office/powerpoint/2010/main" val="2888537089"/>
+        <p14:creationId xmlns:p14="http://schemas.microsoft.com/office/powerpoint/2010/main" val="1590583661"/>
       </p:ext>
     </p:extLst>
   </p:cSld>
@@ -7288,7 +6769,7 @@
         </p:nvSpPr>
         <p:spPr>
           <a:xfrm>
-            <a:off x="567690" y="315754"/>
+            <a:off x="486483" y="58815"/>
             <a:ext cx="7886700" cy="687356"/>
           </a:xfrm>
         </p:spPr>
@@ -7309,16 +6790,14 @@
       </p:sp>
       <p:pic>
         <p:nvPicPr>
-          <p:cNvPr id="4" name="Content Placeholder 3"/>
+          <p:cNvPr id="5" name="Picture 4"/>
           <p:cNvPicPr>
-            <a:picLocks noGrp="1" noChangeAspect="1"/>
+            <a:picLocks noChangeAspect="1"/>
           </p:cNvPicPr>
-          <p:nvPr>
-            <p:ph idx="1"/>
-          </p:nvPr>
+          <p:nvPr/>
         </p:nvPicPr>
         <p:blipFill>
-          <a:blip r:embed="rId2" cstate="print">
+          <a:blip r:embed="rId2">
             <a:extLst>
               <a:ext uri="{28A0092B-C50C-407E-A947-70E740481C1C}">
                 <a14:useLocalDpi xmlns:a14="http://schemas.microsoft.com/office/drawing/2010/main" val="0"/>
@@ -7331,9 +6810,12 @@
         </p:blipFill>
         <p:spPr>
           <a:xfrm>
-            <a:off x="2495180" y="1887030"/>
-            <a:ext cx="4153639" cy="3270238"/>
-          </a:xfrm>
+            <a:off x="168655" y="1059951"/>
+            <a:ext cx="8791575" cy="5010150"/>
+          </a:xfrm>
+          <a:prstGeom prst="rect">
+            <a:avLst/>
+          </a:prstGeom>
         </p:spPr>
       </p:pic>
     </p:spTree>
@@ -7386,112 +6868,503 @@
         <p:spPr>
           <a:xfrm>
             <a:off x="628650" y="365127"/>
-            <a:ext cx="7886700" cy="541654"/>
+            <a:ext cx="7886700" cy="701674"/>
+          </a:xfrm>
+        </p:spPr>
+        <p:txBody>
+          <a:bodyPr/>
+          <a:lstStyle/>
+          <a:p>
+            <a:pPr algn="ctr"/>
+            <a:r>
+              <a:rPr lang="en-US" dirty="0"/>
+              <a:t>Quad-tree</a:t>
+            </a:r>
+            <a:endParaRPr lang="ru-RU" dirty="0"/>
+          </a:p>
+        </p:txBody>
+      </p:sp>
+      <p:sp>
+        <p:nvSpPr>
+          <p:cNvPr id="3" name="Content Placeholder 2"/>
+          <p:cNvSpPr>
+            <a:spLocks noGrp="1"/>
+          </p:cNvSpPr>
+          <p:nvPr>
+            <p:ph idx="1"/>
+          </p:nvPr>
+        </p:nvSpPr>
+        <p:spPr>
+          <a:xfrm>
+            <a:off x="400050" y="1066800"/>
+            <a:ext cx="8515350" cy="5859779"/>
           </a:xfrm>
         </p:spPr>
         <p:txBody>
           <a:bodyPr>
-            <a:normAutofit fontScale="90000"/>
+            <a:noAutofit/>
           </a:bodyPr>
           <a:lstStyle/>
           <a:p>
-            <a:pPr algn="ctr"/>
-            <a:r>
-              <a:rPr lang="en-US" dirty="0"/>
-              <a:t>R-Tree</a:t>
-            </a:r>
-            <a:endParaRPr lang="ru-RU" dirty="0"/>
-          </a:p>
-        </p:txBody>
-      </p:sp>
-      <p:sp>
-        <p:nvSpPr>
-          <p:cNvPr id="3" name="Content Placeholder 2"/>
-          <p:cNvSpPr>
-            <a:spLocks noGrp="1"/>
-          </p:cNvSpPr>
-          <p:nvPr>
-            <p:ph idx="1"/>
-          </p:nvPr>
-        </p:nvSpPr>
-        <p:spPr>
-          <a:xfrm>
-            <a:off x="628650" y="1036320"/>
-            <a:ext cx="7886700" cy="5140643"/>
-          </a:xfrm>
-        </p:spPr>
-        <p:txBody>
-          <a:bodyPr/>
-          <a:lstStyle/>
-          <a:p>
-            <a:r>
-              <a:rPr lang="ru-RU" dirty="0" smtClean="0"/>
-              <a:t>Сбалансированное дерево поиска</a:t>
-            </a:r>
-          </a:p>
-          <a:p>
-            <a:r>
-              <a:rPr lang="ru-RU" dirty="0" smtClean="0"/>
-              <a:t>В каждом узле не больше </a:t>
-            </a:r>
-            <a:r>
-              <a:rPr lang="en-US" dirty="0" smtClean="0"/>
-              <a:t>M </a:t>
-            </a:r>
-            <a:r>
-              <a:rPr lang="ru-RU" dirty="0" smtClean="0"/>
-              <a:t>значений</a:t>
-            </a:r>
-            <a:endParaRPr lang="en-US" dirty="0" smtClean="0"/>
-          </a:p>
-          <a:p>
-            <a:r>
-              <a:rPr lang="ru-RU" dirty="0" smtClean="0"/>
-              <a:t>В каждом промежуточном узле кроме корня не меньше </a:t>
-            </a:r>
-            <a:r>
-              <a:rPr lang="en-US" dirty="0" smtClean="0"/>
-              <a:t>m </a:t>
-            </a:r>
-            <a:r>
-              <a:rPr lang="ru-RU" dirty="0" smtClean="0"/>
-              <a:t>значений</a:t>
-            </a:r>
-            <a:endParaRPr lang="en-US" dirty="0" smtClean="0"/>
-          </a:p>
-          <a:p>
-            <a:r>
-              <a:rPr lang="ru-RU" dirty="0" smtClean="0"/>
-              <a:t>В корне не меньше 2 значений(если он  не единственный узел в дереве)</a:t>
-            </a:r>
-            <a:endParaRPr lang="en-US" dirty="0" smtClean="0"/>
-          </a:p>
-          <a:p>
-            <a:r>
-              <a:rPr lang="ru-RU" dirty="0" smtClean="0"/>
-              <a:t>Все листья имеют одинаковую глубину</a:t>
-            </a:r>
-            <a:endParaRPr lang="en-US" dirty="0" smtClean="0"/>
-          </a:p>
-          <a:p>
-            <a:r>
-              <a:rPr lang="ru-RU" dirty="0" smtClean="0"/>
-              <a:t>Значение в узле представляют собой описывающий прямоугольник для потомков</a:t>
-            </a:r>
-            <a:endParaRPr lang="en-US" dirty="0" smtClean="0"/>
-          </a:p>
-          <a:p>
-            <a:endParaRPr lang="ru-RU" dirty="0" smtClean="0"/>
-          </a:p>
-          <a:p>
-            <a:endParaRPr lang="ru-RU" dirty="0"/>
+            <a:pPr marL="0" indent="0">
+              <a:lnSpc>
+                <a:spcPts val="1000"/>
+              </a:lnSpc>
+              <a:buNone/>
+            </a:pPr>
+            <a:r>
+              <a:rPr lang="en-US" sz="1800" dirty="0">
+                <a:latin typeface="Consolas" panose="020B0609020204030204" pitchFamily="49" charset="0"/>
+                <a:cs typeface="Consolas" panose="020B0609020204030204" pitchFamily="49" charset="0"/>
+              </a:rPr>
+              <a:t>function insert(XY p)</a:t>
+            </a:r>
+          </a:p>
+          <a:p>
+            <a:pPr marL="0" indent="0">
+              <a:lnSpc>
+                <a:spcPts val="1000"/>
+              </a:lnSpc>
+              <a:buNone/>
+            </a:pPr>
+            <a:r>
+              <a:rPr lang="en-US" sz="1800" dirty="0">
+                <a:latin typeface="Consolas" panose="020B0609020204030204" pitchFamily="49" charset="0"/>
+                <a:cs typeface="Consolas" panose="020B0609020204030204" pitchFamily="49" charset="0"/>
+              </a:rPr>
+              <a:t>{</a:t>
+            </a:r>
+          </a:p>
+          <a:p>
+            <a:pPr marL="0" indent="0">
+              <a:lnSpc>
+                <a:spcPts val="1000"/>
+              </a:lnSpc>
+              <a:buNone/>
+            </a:pPr>
+            <a:r>
+              <a:rPr lang="en-US" sz="1800" dirty="0">
+                <a:latin typeface="Consolas" panose="020B0609020204030204" pitchFamily="49" charset="0"/>
+                <a:cs typeface="Consolas" panose="020B0609020204030204" pitchFamily="49" charset="0"/>
+              </a:rPr>
+              <a:t>	if (!</a:t>
+            </a:r>
+            <a:r>
+              <a:rPr lang="en-US" sz="1800" dirty="0" err="1">
+                <a:latin typeface="Consolas" panose="020B0609020204030204" pitchFamily="49" charset="0"/>
+                <a:cs typeface="Consolas" panose="020B0609020204030204" pitchFamily="49" charset="0"/>
+              </a:rPr>
+              <a:t>boundary.containsPoint</a:t>
+            </a:r>
+            <a:r>
+              <a:rPr lang="en-US" sz="1800" dirty="0">
+                <a:latin typeface="Consolas" panose="020B0609020204030204" pitchFamily="49" charset="0"/>
+                <a:cs typeface="Consolas" panose="020B0609020204030204" pitchFamily="49" charset="0"/>
+              </a:rPr>
+              <a:t>(p))</a:t>
+            </a:r>
+          </a:p>
+          <a:p>
+            <a:pPr marL="0" indent="0">
+              <a:lnSpc>
+                <a:spcPts val="1000"/>
+              </a:lnSpc>
+              <a:buNone/>
+            </a:pPr>
+            <a:r>
+              <a:rPr lang="en-US" sz="1800" dirty="0">
+                <a:latin typeface="Consolas" panose="020B0609020204030204" pitchFamily="49" charset="0"/>
+                <a:cs typeface="Consolas" panose="020B0609020204030204" pitchFamily="49" charset="0"/>
+              </a:rPr>
+              <a:t>		return false; // </a:t>
+            </a:r>
+            <a:r>
+              <a:rPr lang="ru-RU" sz="1800" dirty="0">
+                <a:latin typeface="Consolas" panose="020B0609020204030204" pitchFamily="49" charset="0"/>
+                <a:cs typeface="Consolas" panose="020B0609020204030204" pitchFamily="49" charset="0"/>
+              </a:rPr>
+              <a:t>Объект не может быть добавлен</a:t>
+            </a:r>
+          </a:p>
+          <a:p>
+            <a:pPr marL="0" indent="0">
+              <a:lnSpc>
+                <a:spcPts val="1000"/>
+              </a:lnSpc>
+              <a:buNone/>
+            </a:pPr>
+            <a:r>
+              <a:rPr lang="ru-RU" sz="1800" dirty="0">
+                <a:latin typeface="Consolas" panose="020B0609020204030204" pitchFamily="49" charset="0"/>
+                <a:cs typeface="Consolas" panose="020B0609020204030204" pitchFamily="49" charset="0"/>
+              </a:rPr>
+              <a:t>	</a:t>
+            </a:r>
+          </a:p>
+          <a:p>
+            <a:pPr marL="0" indent="0">
+              <a:lnSpc>
+                <a:spcPts val="1000"/>
+              </a:lnSpc>
+              <a:buNone/>
+            </a:pPr>
+            <a:r>
+              <a:rPr lang="ru-RU" sz="1800" dirty="0">
+                <a:latin typeface="Consolas" panose="020B0609020204030204" pitchFamily="49" charset="0"/>
+                <a:cs typeface="Consolas" panose="020B0609020204030204" pitchFamily="49" charset="0"/>
+              </a:rPr>
+              <a:t>	// Если есть место, осуществить вставку</a:t>
+            </a:r>
+          </a:p>
+          <a:p>
+            <a:pPr marL="0" indent="0">
+              <a:lnSpc>
+                <a:spcPts val="1000"/>
+              </a:lnSpc>
+              <a:buNone/>
+            </a:pPr>
+            <a:r>
+              <a:rPr lang="ru-RU" sz="1800" dirty="0">
+                <a:latin typeface="Consolas" panose="020B0609020204030204" pitchFamily="49" charset="0"/>
+                <a:cs typeface="Consolas" panose="020B0609020204030204" pitchFamily="49" charset="0"/>
+              </a:rPr>
+              <a:t>	</a:t>
+            </a:r>
+            <a:r>
+              <a:rPr lang="en-US" sz="1800" dirty="0">
+                <a:latin typeface="Consolas" panose="020B0609020204030204" pitchFamily="49" charset="0"/>
+                <a:cs typeface="Consolas" panose="020B0609020204030204" pitchFamily="49" charset="0"/>
+              </a:rPr>
+              <a:t>if (</a:t>
+            </a:r>
+            <a:r>
+              <a:rPr lang="en-US" sz="1800" dirty="0" err="1">
+                <a:latin typeface="Consolas" panose="020B0609020204030204" pitchFamily="49" charset="0"/>
+                <a:cs typeface="Consolas" panose="020B0609020204030204" pitchFamily="49" charset="0"/>
+              </a:rPr>
+              <a:t>points.size</a:t>
+            </a:r>
+            <a:r>
+              <a:rPr lang="en-US" sz="1800" dirty="0">
+                <a:latin typeface="Consolas" panose="020B0609020204030204" pitchFamily="49" charset="0"/>
+                <a:cs typeface="Consolas" panose="020B0609020204030204" pitchFamily="49" charset="0"/>
+              </a:rPr>
+              <a:t> &lt; QT_NODE_CAPACITY</a:t>
+            </a:r>
+            <a:r>
+              <a:rPr lang="en-US" sz="1800" dirty="0" smtClean="0">
+                <a:latin typeface="Consolas" panose="020B0609020204030204" pitchFamily="49" charset="0"/>
+                <a:cs typeface="Consolas" panose="020B0609020204030204" pitchFamily="49" charset="0"/>
+              </a:rPr>
+              <a:t>){</a:t>
+            </a:r>
+            <a:endParaRPr lang="en-US" sz="1800" dirty="0">
+              <a:latin typeface="Consolas" panose="020B0609020204030204" pitchFamily="49" charset="0"/>
+              <a:cs typeface="Consolas" panose="020B0609020204030204" pitchFamily="49" charset="0"/>
+            </a:endParaRPr>
+          </a:p>
+          <a:p>
+            <a:pPr marL="0" indent="0">
+              <a:lnSpc>
+                <a:spcPts val="1000"/>
+              </a:lnSpc>
+              <a:buNone/>
+            </a:pPr>
+            <a:r>
+              <a:rPr lang="en-US" sz="1800" dirty="0">
+                <a:latin typeface="Consolas" panose="020B0609020204030204" pitchFamily="49" charset="0"/>
+                <a:cs typeface="Consolas" panose="020B0609020204030204" pitchFamily="49" charset="0"/>
+              </a:rPr>
+              <a:t>	  </a:t>
+            </a:r>
+            <a:r>
+              <a:rPr lang="en-US" sz="1800" dirty="0" err="1">
+                <a:latin typeface="Consolas" panose="020B0609020204030204" pitchFamily="49" charset="0"/>
+                <a:cs typeface="Consolas" panose="020B0609020204030204" pitchFamily="49" charset="0"/>
+              </a:rPr>
+              <a:t>points.append</a:t>
+            </a:r>
+            <a:r>
+              <a:rPr lang="en-US" sz="1800" dirty="0">
+                <a:latin typeface="Consolas" panose="020B0609020204030204" pitchFamily="49" charset="0"/>
+                <a:cs typeface="Consolas" panose="020B0609020204030204" pitchFamily="49" charset="0"/>
+              </a:rPr>
+              <a:t>(p);</a:t>
+            </a:r>
+          </a:p>
+          <a:p>
+            <a:pPr marL="0" indent="0">
+              <a:lnSpc>
+                <a:spcPts val="1000"/>
+              </a:lnSpc>
+              <a:buNone/>
+            </a:pPr>
+            <a:r>
+              <a:rPr lang="en-US" sz="1800" dirty="0">
+                <a:latin typeface="Consolas" panose="020B0609020204030204" pitchFamily="49" charset="0"/>
+                <a:cs typeface="Consolas" panose="020B0609020204030204" pitchFamily="49" charset="0"/>
+              </a:rPr>
+              <a:t>	  return true;</a:t>
+            </a:r>
+          </a:p>
+          <a:p>
+            <a:pPr marL="0" indent="0">
+              <a:lnSpc>
+                <a:spcPts val="1000"/>
+              </a:lnSpc>
+              <a:buNone/>
+            </a:pPr>
+            <a:r>
+              <a:rPr lang="en-US" sz="1800" dirty="0">
+                <a:latin typeface="Consolas" panose="020B0609020204030204" pitchFamily="49" charset="0"/>
+                <a:cs typeface="Consolas" panose="020B0609020204030204" pitchFamily="49" charset="0"/>
+              </a:rPr>
+              <a:t>	}</a:t>
+            </a:r>
+          </a:p>
+          <a:p>
+            <a:pPr marL="0" indent="0">
+              <a:lnSpc>
+                <a:spcPts val="1000"/>
+              </a:lnSpc>
+              <a:buNone/>
+            </a:pPr>
+            <a:endParaRPr lang="en-US" sz="1800" dirty="0">
+              <a:latin typeface="Consolas" panose="020B0609020204030204" pitchFamily="49" charset="0"/>
+              <a:cs typeface="Consolas" panose="020B0609020204030204" pitchFamily="49" charset="0"/>
+            </a:endParaRPr>
+          </a:p>
+          <a:p>
+            <a:pPr marL="0" indent="0">
+              <a:lnSpc>
+                <a:spcPts val="1000"/>
+              </a:lnSpc>
+              <a:buNone/>
+            </a:pPr>
+            <a:r>
+              <a:rPr lang="ru-RU" sz="1800" dirty="0">
+                <a:latin typeface="Consolas" panose="020B0609020204030204" pitchFamily="49" charset="0"/>
+                <a:cs typeface="Consolas" panose="020B0609020204030204" pitchFamily="49" charset="0"/>
+              </a:rPr>
+              <a:t>	</a:t>
+            </a:r>
+            <a:r>
+              <a:rPr lang="en-US" sz="1800" dirty="0">
+                <a:latin typeface="Consolas" panose="020B0609020204030204" pitchFamily="49" charset="0"/>
+                <a:cs typeface="Consolas" panose="020B0609020204030204" pitchFamily="49" charset="0"/>
+              </a:rPr>
+              <a:t>if (</a:t>
+            </a:r>
+            <a:r>
+              <a:rPr lang="en-US" sz="1800" dirty="0" err="1">
+                <a:latin typeface="Consolas" panose="020B0609020204030204" pitchFamily="49" charset="0"/>
+                <a:cs typeface="Consolas" panose="020B0609020204030204" pitchFamily="49" charset="0"/>
+              </a:rPr>
+              <a:t>northWest</a:t>
+            </a:r>
+            <a:r>
+              <a:rPr lang="en-US" sz="1800" dirty="0">
+                <a:latin typeface="Consolas" panose="020B0609020204030204" pitchFamily="49" charset="0"/>
+                <a:cs typeface="Consolas" panose="020B0609020204030204" pitchFamily="49" charset="0"/>
+              </a:rPr>
+              <a:t> != null)</a:t>
+            </a:r>
+          </a:p>
+          <a:p>
+            <a:pPr marL="0" indent="0">
+              <a:lnSpc>
+                <a:spcPts val="1000"/>
+              </a:lnSpc>
+              <a:buNone/>
+            </a:pPr>
+            <a:r>
+              <a:rPr lang="en-US" sz="1800" dirty="0">
+                <a:latin typeface="Consolas" panose="020B0609020204030204" pitchFamily="49" charset="0"/>
+                <a:cs typeface="Consolas" panose="020B0609020204030204" pitchFamily="49" charset="0"/>
+              </a:rPr>
+              <a:t>	  subdivide();</a:t>
+            </a:r>
+          </a:p>
+          <a:p>
+            <a:pPr marL="0" indent="0">
+              <a:lnSpc>
+                <a:spcPts val="1000"/>
+              </a:lnSpc>
+              <a:buNone/>
+            </a:pPr>
+            <a:endParaRPr lang="en-US" sz="1800" dirty="0">
+              <a:latin typeface="Consolas" panose="020B0609020204030204" pitchFamily="49" charset="0"/>
+              <a:cs typeface="Consolas" panose="020B0609020204030204" pitchFamily="49" charset="0"/>
+            </a:endParaRPr>
+          </a:p>
+          <a:p>
+            <a:pPr marL="0" indent="0">
+              <a:lnSpc>
+                <a:spcPts val="1000"/>
+              </a:lnSpc>
+              <a:buNone/>
+            </a:pPr>
+            <a:r>
+              <a:rPr lang="en-US" sz="1800" dirty="0">
+                <a:latin typeface="Consolas" panose="020B0609020204030204" pitchFamily="49" charset="0"/>
+                <a:cs typeface="Consolas" panose="020B0609020204030204" pitchFamily="49" charset="0"/>
+              </a:rPr>
+              <a:t>	if (</a:t>
+            </a:r>
+            <a:r>
+              <a:rPr lang="en-US" sz="1800" dirty="0" err="1">
+                <a:latin typeface="Consolas" panose="020B0609020204030204" pitchFamily="49" charset="0"/>
+                <a:cs typeface="Consolas" panose="020B0609020204030204" pitchFamily="49" charset="0"/>
+              </a:rPr>
+              <a:t>northWest</a:t>
+            </a:r>
+            <a:r>
+              <a:rPr lang="en-US" sz="1800" dirty="0">
+                <a:latin typeface="Consolas" panose="020B0609020204030204" pitchFamily="49" charset="0"/>
+                <a:cs typeface="Consolas" panose="020B0609020204030204" pitchFamily="49" charset="0"/>
+              </a:rPr>
+              <a:t>-&gt;insert(p)) return true;</a:t>
+            </a:r>
+          </a:p>
+          <a:p>
+            <a:pPr marL="0" indent="0">
+              <a:lnSpc>
+                <a:spcPts val="1000"/>
+              </a:lnSpc>
+              <a:buNone/>
+            </a:pPr>
+            <a:r>
+              <a:rPr lang="en-US" sz="1800" dirty="0">
+                <a:latin typeface="Consolas" panose="020B0609020204030204" pitchFamily="49" charset="0"/>
+                <a:cs typeface="Consolas" panose="020B0609020204030204" pitchFamily="49" charset="0"/>
+              </a:rPr>
+              <a:t>	if (</a:t>
+            </a:r>
+            <a:r>
+              <a:rPr lang="en-US" sz="1800" dirty="0" err="1">
+                <a:latin typeface="Consolas" panose="020B0609020204030204" pitchFamily="49" charset="0"/>
+                <a:cs typeface="Consolas" panose="020B0609020204030204" pitchFamily="49" charset="0"/>
+              </a:rPr>
+              <a:t>northEast</a:t>
+            </a:r>
+            <a:r>
+              <a:rPr lang="en-US" sz="1800" dirty="0">
+                <a:latin typeface="Consolas" panose="020B0609020204030204" pitchFamily="49" charset="0"/>
+                <a:cs typeface="Consolas" panose="020B0609020204030204" pitchFamily="49" charset="0"/>
+              </a:rPr>
+              <a:t>-&gt;insert(p)) return true;</a:t>
+            </a:r>
+          </a:p>
+          <a:p>
+            <a:pPr marL="0" indent="0">
+              <a:lnSpc>
+                <a:spcPts val="1000"/>
+              </a:lnSpc>
+              <a:buNone/>
+            </a:pPr>
+            <a:r>
+              <a:rPr lang="en-US" sz="1800" dirty="0">
+                <a:latin typeface="Consolas" panose="020B0609020204030204" pitchFamily="49" charset="0"/>
+                <a:cs typeface="Consolas" panose="020B0609020204030204" pitchFamily="49" charset="0"/>
+              </a:rPr>
+              <a:t>	if (</a:t>
+            </a:r>
+            <a:r>
+              <a:rPr lang="en-US" sz="1800" dirty="0" err="1">
+                <a:latin typeface="Consolas" panose="020B0609020204030204" pitchFamily="49" charset="0"/>
+                <a:cs typeface="Consolas" panose="020B0609020204030204" pitchFamily="49" charset="0"/>
+              </a:rPr>
+              <a:t>southWest</a:t>
+            </a:r>
+            <a:r>
+              <a:rPr lang="en-US" sz="1800" dirty="0">
+                <a:latin typeface="Consolas" panose="020B0609020204030204" pitchFamily="49" charset="0"/>
+                <a:cs typeface="Consolas" panose="020B0609020204030204" pitchFamily="49" charset="0"/>
+              </a:rPr>
+              <a:t>-&gt;insert(p)) return true;</a:t>
+            </a:r>
+          </a:p>
+          <a:p>
+            <a:pPr marL="0" indent="0">
+              <a:lnSpc>
+                <a:spcPts val="1000"/>
+              </a:lnSpc>
+              <a:buNone/>
+            </a:pPr>
+            <a:r>
+              <a:rPr lang="en-US" sz="1800" dirty="0">
+                <a:latin typeface="Consolas" panose="020B0609020204030204" pitchFamily="49" charset="0"/>
+                <a:cs typeface="Consolas" panose="020B0609020204030204" pitchFamily="49" charset="0"/>
+              </a:rPr>
+              <a:t>	if (</a:t>
+            </a:r>
+            <a:r>
+              <a:rPr lang="en-US" sz="1800" dirty="0" err="1">
+                <a:latin typeface="Consolas" panose="020B0609020204030204" pitchFamily="49" charset="0"/>
+                <a:cs typeface="Consolas" panose="020B0609020204030204" pitchFamily="49" charset="0"/>
+              </a:rPr>
+              <a:t>southEast</a:t>
+            </a:r>
+            <a:r>
+              <a:rPr lang="en-US" sz="1800" dirty="0">
+                <a:latin typeface="Consolas" panose="020B0609020204030204" pitchFamily="49" charset="0"/>
+                <a:cs typeface="Consolas" panose="020B0609020204030204" pitchFamily="49" charset="0"/>
+              </a:rPr>
+              <a:t>-&gt;insert(p)) return true;</a:t>
+            </a:r>
+          </a:p>
+          <a:p>
+            <a:pPr marL="0" indent="0">
+              <a:lnSpc>
+                <a:spcPts val="1000"/>
+              </a:lnSpc>
+              <a:buNone/>
+            </a:pPr>
+            <a:endParaRPr lang="en-US" sz="1800" dirty="0">
+              <a:latin typeface="Consolas" panose="020B0609020204030204" pitchFamily="49" charset="0"/>
+              <a:cs typeface="Consolas" panose="020B0609020204030204" pitchFamily="49" charset="0"/>
+            </a:endParaRPr>
+          </a:p>
+          <a:p>
+            <a:pPr marL="0" indent="0">
+              <a:lnSpc>
+                <a:spcPts val="1000"/>
+              </a:lnSpc>
+              <a:buNone/>
+            </a:pPr>
+            <a:r>
+              <a:rPr lang="en-US" sz="1800" dirty="0">
+                <a:latin typeface="Consolas" panose="020B0609020204030204" pitchFamily="49" charset="0"/>
+                <a:cs typeface="Consolas" panose="020B0609020204030204" pitchFamily="49" charset="0"/>
+              </a:rPr>
+              <a:t>	return false;</a:t>
+            </a:r>
+          </a:p>
+          <a:p>
+            <a:pPr marL="0" indent="0">
+              <a:lnSpc>
+                <a:spcPts val="1000"/>
+              </a:lnSpc>
+              <a:buNone/>
+            </a:pPr>
+            <a:r>
+              <a:rPr lang="en-US" sz="1800" dirty="0">
+                <a:latin typeface="Consolas" panose="020B0609020204030204" pitchFamily="49" charset="0"/>
+                <a:cs typeface="Consolas" panose="020B0609020204030204" pitchFamily="49" charset="0"/>
+              </a:rPr>
+              <a:t>}</a:t>
+            </a:r>
+            <a:endParaRPr lang="ru-RU" sz="1800" dirty="0">
+              <a:latin typeface="Consolas" panose="020B0609020204030204" pitchFamily="49" charset="0"/>
+              <a:cs typeface="Consolas" panose="020B0609020204030204" pitchFamily="49" charset="0"/>
+            </a:endParaRPr>
           </a:p>
         </p:txBody>
       </p:sp>
     </p:spTree>
     <p:extLst>
       <p:ext uri="{BB962C8B-B14F-4D97-AF65-F5344CB8AC3E}">
-        <p14:creationId xmlns:p14="http://schemas.microsoft.com/office/powerpoint/2010/main" val="3893499196"/>
+        <p14:creationId xmlns:p14="http://schemas.microsoft.com/office/powerpoint/2010/main" val="586928166"/>
       </p:ext>
     </p:extLst>
   </p:cSld>
@@ -7530,8 +7403,8 @@
         </p:nvSpPr>
         <p:spPr>
           <a:xfrm>
-            <a:off x="3398520" y="235587"/>
-            <a:ext cx="5116830" cy="625474"/>
+            <a:off x="735330" y="144146"/>
+            <a:ext cx="7886700" cy="434973"/>
           </a:xfrm>
         </p:spPr>
         <p:txBody>
@@ -7542,149 +7415,751 @@
           <a:p>
             <a:pPr algn="ctr"/>
             <a:r>
-              <a:rPr lang="en-US" dirty="0" smtClean="0"/>
-              <a:t>B-Tree</a:t>
+              <a:rPr lang="en-US" dirty="0"/>
+              <a:t>Quad-tree</a:t>
             </a:r>
             <a:endParaRPr lang="ru-RU" dirty="0"/>
           </a:p>
         </p:txBody>
       </p:sp>
-      <p:pic>
-        <p:nvPicPr>
-          <p:cNvPr id="4" name="Picture 3"/>
-          <p:cNvPicPr>
-            <a:picLocks noChangeAspect="1"/>
-          </p:cNvPicPr>
-          <p:nvPr/>
-        </p:nvPicPr>
-        <p:blipFill>
-          <a:blip r:embed="rId2">
-            <a:extLst>
-              <a:ext uri="{28A0092B-C50C-407E-A947-70E740481C1C}">
-                <a14:useLocalDpi xmlns:a14="http://schemas.microsoft.com/office/drawing/2010/main" val="0"/>
-              </a:ext>
-            </a:extLst>
-          </a:blip>
-          <a:stretch>
-            <a:fillRect/>
-          </a:stretch>
-        </p:blipFill>
-        <p:spPr>
-          <a:xfrm>
-            <a:off x="62865" y="128587"/>
-            <a:ext cx="3028950" cy="6524625"/>
-          </a:xfrm>
-          <a:prstGeom prst="rect">
-            <a:avLst/>
-          </a:prstGeom>
-        </p:spPr>
-      </p:pic>
-      <p:sp>
-        <p:nvSpPr>
-          <p:cNvPr id="5" name="TextBox 4"/>
-          <p:cNvSpPr txBox="1"/>
-          <p:nvPr/>
-        </p:nvSpPr>
-        <p:spPr>
-          <a:xfrm>
-            <a:off x="3756660" y="944880"/>
-            <a:ext cx="184731" cy="369332"/>
-          </a:xfrm>
-          <a:prstGeom prst="rect">
-            <a:avLst/>
-          </a:prstGeom>
-          <a:noFill/>
-        </p:spPr>
-        <p:txBody>
-          <a:bodyPr wrap="none" rtlCol="0">
-            <a:spAutoFit/>
+      <p:sp>
+        <p:nvSpPr>
+          <p:cNvPr id="3" name="Content Placeholder 2"/>
+          <p:cNvSpPr>
+            <a:spLocks noGrp="1"/>
+          </p:cNvSpPr>
+          <p:nvPr>
+            <p:ph idx="1"/>
+          </p:nvPr>
+        </p:nvSpPr>
+        <p:spPr>
+          <a:xfrm>
+            <a:off x="628650" y="899160"/>
+            <a:ext cx="7886700" cy="5638800"/>
+          </a:xfrm>
+        </p:spPr>
+        <p:txBody>
+          <a:bodyPr>
+            <a:normAutofit fontScale="25000" lnSpcReduction="20000"/>
           </a:bodyPr>
           <a:lstStyle/>
           <a:p>
-            <a:endParaRPr lang="en-US" dirty="0"/>
-          </a:p>
-        </p:txBody>
-      </p:sp>
-      <p:sp>
-        <p:nvSpPr>
-          <p:cNvPr id="6" name="Content Placeholder 2"/>
-          <p:cNvSpPr>
-            <a:spLocks noGrp="1"/>
-          </p:cNvSpPr>
-          <p:nvPr>
-            <p:ph idx="1"/>
-          </p:nvPr>
-        </p:nvSpPr>
-        <p:spPr>
-          <a:xfrm>
-            <a:off x="3398520" y="944880"/>
-            <a:ext cx="5631180" cy="5585460"/>
-          </a:xfrm>
-        </p:spPr>
-        <p:txBody>
-          <a:bodyPr>
-            <a:normAutofit/>
-          </a:bodyPr>
-          <a:lstStyle/>
-          <a:p>
-            <a:r>
-              <a:rPr lang="ru-RU" dirty="0" smtClean="0"/>
-              <a:t>Если количество элементов в узле не превышено, добавить новый</a:t>
-            </a:r>
-          </a:p>
-          <a:p>
-            <a:r>
-              <a:rPr lang="ru-RU" dirty="0" smtClean="0"/>
-              <a:t>Иначе разделить узел, медиана остается в родительском узле, остальные значения помещаются в потомков</a:t>
-            </a:r>
-          </a:p>
-          <a:p>
-            <a:r>
-              <a:rPr lang="ru-RU" dirty="0" smtClean="0"/>
-              <a:t>Может потребовать </a:t>
-            </a:r>
-            <a:r>
-              <a:rPr lang="ru-RU" dirty="0" smtClean="0"/>
-              <a:t>разделения </a:t>
-            </a:r>
-            <a:r>
-              <a:rPr lang="ru-RU" dirty="0" smtClean="0"/>
-              <a:t>родител</a:t>
-            </a:r>
-            <a:r>
-              <a:rPr lang="ru-RU" dirty="0"/>
-              <a:t>ь</a:t>
-            </a:r>
-            <a:r>
-              <a:rPr lang="ru-RU" dirty="0" smtClean="0"/>
-              <a:t>ского узла </a:t>
-            </a:r>
-            <a:r>
-              <a:rPr lang="ru-RU" dirty="0" err="1" smtClean="0"/>
-              <a:t>итд</a:t>
-            </a:r>
-            <a:r>
-              <a:rPr lang="ru-RU" dirty="0"/>
+            <a:pPr marL="0" indent="0">
+              <a:lnSpc>
+                <a:spcPts val="1000"/>
+              </a:lnSpc>
+              <a:buNone/>
+            </a:pPr>
+            <a:r>
+              <a:rPr lang="en-US" sz="6400" dirty="0" smtClean="0">
+                <a:latin typeface="Consolas" panose="020B0609020204030204" pitchFamily="49" charset="0"/>
+                <a:cs typeface="Consolas" panose="020B0609020204030204" pitchFamily="49" charset="0"/>
+              </a:rPr>
+              <a:t>function </a:t>
+            </a:r>
+            <a:r>
+              <a:rPr lang="en-US" sz="6400" dirty="0" err="1">
+                <a:latin typeface="Consolas" panose="020B0609020204030204" pitchFamily="49" charset="0"/>
+                <a:cs typeface="Consolas" panose="020B0609020204030204" pitchFamily="49" charset="0"/>
+              </a:rPr>
+              <a:t>queryRange</a:t>
+            </a:r>
+            <a:r>
+              <a:rPr lang="en-US" sz="6400" dirty="0">
+                <a:latin typeface="Consolas" panose="020B0609020204030204" pitchFamily="49" charset="0"/>
+                <a:cs typeface="Consolas" panose="020B0609020204030204" pitchFamily="49" charset="0"/>
+              </a:rPr>
+              <a:t>(AABB range</a:t>
+            </a:r>
+            <a:r>
+              <a:rPr lang="en-US" sz="6400" dirty="0" smtClean="0">
+                <a:latin typeface="Consolas" panose="020B0609020204030204" pitchFamily="49" charset="0"/>
+                <a:cs typeface="Consolas" panose="020B0609020204030204" pitchFamily="49" charset="0"/>
+              </a:rPr>
+              <a:t>){</a:t>
+            </a:r>
+            <a:endParaRPr lang="en-US" sz="6400" dirty="0">
+              <a:latin typeface="Consolas" panose="020B0609020204030204" pitchFamily="49" charset="0"/>
+              <a:cs typeface="Consolas" panose="020B0609020204030204" pitchFamily="49" charset="0"/>
+            </a:endParaRPr>
+          </a:p>
+          <a:p>
+            <a:pPr marL="0" indent="0">
+              <a:lnSpc>
+                <a:spcPts val="1000"/>
+              </a:lnSpc>
+              <a:buNone/>
+            </a:pPr>
+            <a:r>
+              <a:rPr lang="en-US" sz="6400" dirty="0">
+                <a:latin typeface="Consolas" panose="020B0609020204030204" pitchFamily="49" charset="0"/>
+                <a:cs typeface="Consolas" panose="020B0609020204030204" pitchFamily="49" charset="0"/>
+              </a:rPr>
+              <a:t>    // </a:t>
+            </a:r>
+            <a:r>
+              <a:rPr lang="ru-RU" sz="6400" dirty="0">
+                <a:latin typeface="Consolas" panose="020B0609020204030204" pitchFamily="49" charset="0"/>
+                <a:cs typeface="Consolas" panose="020B0609020204030204" pitchFamily="49" charset="0"/>
+              </a:rPr>
+              <a:t>Отмена, если диапазон не совпадает с квадрантом</a:t>
+            </a:r>
+          </a:p>
+          <a:p>
+            <a:pPr marL="0" indent="0">
+              <a:lnSpc>
+                <a:spcPts val="1000"/>
+              </a:lnSpc>
+              <a:buNone/>
+            </a:pPr>
+            <a:r>
+              <a:rPr lang="ru-RU" sz="6400" dirty="0">
+                <a:latin typeface="Consolas" panose="020B0609020204030204" pitchFamily="49" charset="0"/>
+                <a:cs typeface="Consolas" panose="020B0609020204030204" pitchFamily="49" charset="0"/>
+              </a:rPr>
+              <a:t>    </a:t>
+            </a:r>
+            <a:r>
+              <a:rPr lang="en-US" sz="6400" dirty="0">
+                <a:latin typeface="Consolas" panose="020B0609020204030204" pitchFamily="49" charset="0"/>
+                <a:cs typeface="Consolas" panose="020B0609020204030204" pitchFamily="49" charset="0"/>
+              </a:rPr>
+              <a:t>if (!</a:t>
+            </a:r>
+            <a:r>
+              <a:rPr lang="en-US" sz="6400" dirty="0" err="1">
+                <a:latin typeface="Consolas" panose="020B0609020204030204" pitchFamily="49" charset="0"/>
+                <a:cs typeface="Consolas" panose="020B0609020204030204" pitchFamily="49" charset="0"/>
+              </a:rPr>
+              <a:t>boundary.insersectsAABB</a:t>
+            </a:r>
+            <a:r>
+              <a:rPr lang="en-US" sz="6400" dirty="0">
+                <a:latin typeface="Consolas" panose="020B0609020204030204" pitchFamily="49" charset="0"/>
+                <a:cs typeface="Consolas" panose="020B0609020204030204" pitchFamily="49" charset="0"/>
+              </a:rPr>
+              <a:t>(range))</a:t>
+            </a:r>
+          </a:p>
+          <a:p>
+            <a:pPr marL="0" indent="0">
+              <a:lnSpc>
+                <a:spcPts val="1000"/>
+              </a:lnSpc>
+              <a:buNone/>
+            </a:pPr>
+            <a:r>
+              <a:rPr lang="en-US" sz="6400" dirty="0">
+                <a:latin typeface="Consolas" panose="020B0609020204030204" pitchFamily="49" charset="0"/>
+                <a:cs typeface="Consolas" panose="020B0609020204030204" pitchFamily="49" charset="0"/>
+              </a:rPr>
+              <a:t>      return </a:t>
+            </a:r>
+            <a:r>
+              <a:rPr lang="en-US" sz="6400" dirty="0" err="1">
+                <a:latin typeface="Consolas" panose="020B0609020204030204" pitchFamily="49" charset="0"/>
+                <a:cs typeface="Consolas" panose="020B0609020204030204" pitchFamily="49" charset="0"/>
+              </a:rPr>
+              <a:t>pointsInRange</a:t>
+            </a:r>
+            <a:r>
+              <a:rPr lang="en-US" sz="6400" dirty="0">
+                <a:latin typeface="Consolas" panose="020B0609020204030204" pitchFamily="49" charset="0"/>
+                <a:cs typeface="Consolas" panose="020B0609020204030204" pitchFamily="49" charset="0"/>
+              </a:rPr>
+              <a:t>; // </a:t>
+            </a:r>
+            <a:r>
+              <a:rPr lang="ru-RU" sz="6400" dirty="0">
+                <a:latin typeface="Consolas" panose="020B0609020204030204" pitchFamily="49" charset="0"/>
+                <a:cs typeface="Consolas" panose="020B0609020204030204" pitchFamily="49" charset="0"/>
+              </a:rPr>
+              <a:t>Пустой список</a:t>
+            </a:r>
+          </a:p>
+          <a:p>
+            <a:pPr marL="0" indent="0">
+              <a:lnSpc>
+                <a:spcPts val="1000"/>
+              </a:lnSpc>
+              <a:buNone/>
+            </a:pPr>
+            <a:endParaRPr lang="ru-RU" sz="6400" dirty="0">
+              <a:latin typeface="Consolas" panose="020B0609020204030204" pitchFamily="49" charset="0"/>
+              <a:cs typeface="Consolas" panose="020B0609020204030204" pitchFamily="49" charset="0"/>
+            </a:endParaRPr>
+          </a:p>
+          <a:p>
+            <a:pPr marL="0" indent="0">
+              <a:lnSpc>
+                <a:spcPts val="1000"/>
+              </a:lnSpc>
+              <a:buNone/>
+            </a:pPr>
+            <a:r>
+              <a:rPr lang="ru-RU" sz="6400" dirty="0">
+                <a:latin typeface="Consolas" panose="020B0609020204030204" pitchFamily="49" charset="0"/>
+                <a:cs typeface="Consolas" panose="020B0609020204030204" pitchFamily="49" charset="0"/>
+              </a:rPr>
+              <a:t>    // Проверить объекты текущего уровня</a:t>
+            </a:r>
+          </a:p>
+          <a:p>
+            <a:pPr marL="0" indent="0">
+              <a:lnSpc>
+                <a:spcPts val="1000"/>
+              </a:lnSpc>
+              <a:buNone/>
+            </a:pPr>
+            <a:r>
+              <a:rPr lang="ru-RU" sz="6400" dirty="0">
+                <a:latin typeface="Consolas" panose="020B0609020204030204" pitchFamily="49" charset="0"/>
+                <a:cs typeface="Consolas" panose="020B0609020204030204" pitchFamily="49" charset="0"/>
+              </a:rPr>
+              <a:t>    </a:t>
+            </a:r>
+            <a:r>
+              <a:rPr lang="en-US" sz="6400" dirty="0">
+                <a:latin typeface="Consolas" panose="020B0609020204030204" pitchFamily="49" charset="0"/>
+                <a:cs typeface="Consolas" panose="020B0609020204030204" pitchFamily="49" charset="0"/>
+              </a:rPr>
+              <a:t>for (</a:t>
+            </a:r>
+            <a:r>
+              <a:rPr lang="en-US" sz="6400" dirty="0" err="1">
+                <a:latin typeface="Consolas" panose="020B0609020204030204" pitchFamily="49" charset="0"/>
+                <a:cs typeface="Consolas" panose="020B0609020204030204" pitchFamily="49" charset="0"/>
+              </a:rPr>
+              <a:t>int</a:t>
+            </a:r>
+            <a:r>
+              <a:rPr lang="en-US" sz="6400" dirty="0">
+                <a:latin typeface="Consolas" panose="020B0609020204030204" pitchFamily="49" charset="0"/>
+                <a:cs typeface="Consolas" panose="020B0609020204030204" pitchFamily="49" charset="0"/>
+              </a:rPr>
+              <a:t> p := 0; p &lt; </a:t>
+            </a:r>
+            <a:r>
+              <a:rPr lang="en-US" sz="6400" dirty="0" err="1">
+                <a:latin typeface="Consolas" panose="020B0609020204030204" pitchFamily="49" charset="0"/>
+                <a:cs typeface="Consolas" panose="020B0609020204030204" pitchFamily="49" charset="0"/>
+              </a:rPr>
+              <a:t>points.size</a:t>
+            </a:r>
+            <a:r>
+              <a:rPr lang="en-US" sz="6400" dirty="0">
+                <a:latin typeface="Consolas" panose="020B0609020204030204" pitchFamily="49" charset="0"/>
+                <a:cs typeface="Consolas" panose="020B0609020204030204" pitchFamily="49" charset="0"/>
+              </a:rPr>
+              <a:t>; p++){</a:t>
+            </a:r>
+          </a:p>
+          <a:p>
+            <a:pPr marL="0" indent="0">
+              <a:lnSpc>
+                <a:spcPts val="1000"/>
+              </a:lnSpc>
+              <a:buNone/>
+            </a:pPr>
+            <a:r>
+              <a:rPr lang="en-US" sz="6400" dirty="0">
+                <a:latin typeface="Consolas" panose="020B0609020204030204" pitchFamily="49" charset="0"/>
+                <a:cs typeface="Consolas" panose="020B0609020204030204" pitchFamily="49" charset="0"/>
+              </a:rPr>
+              <a:t>      if (</a:t>
+            </a:r>
+            <a:r>
+              <a:rPr lang="en-US" sz="6400" dirty="0" err="1">
+                <a:latin typeface="Consolas" panose="020B0609020204030204" pitchFamily="49" charset="0"/>
+                <a:cs typeface="Consolas" panose="020B0609020204030204" pitchFamily="49" charset="0"/>
+              </a:rPr>
+              <a:t>range.containsPoint</a:t>
+            </a:r>
+            <a:r>
+              <a:rPr lang="en-US" sz="6400" dirty="0">
+                <a:latin typeface="Consolas" panose="020B0609020204030204" pitchFamily="49" charset="0"/>
+                <a:cs typeface="Consolas" panose="020B0609020204030204" pitchFamily="49" charset="0"/>
+              </a:rPr>
+              <a:t>(points[p</a:t>
+            </a:r>
+            <a:r>
+              <a:rPr lang="en-US" sz="6400" dirty="0" smtClean="0">
+                <a:latin typeface="Consolas" panose="020B0609020204030204" pitchFamily="49" charset="0"/>
+                <a:cs typeface="Consolas" panose="020B0609020204030204" pitchFamily="49" charset="0"/>
+              </a:rPr>
+              <a:t>]))</a:t>
+            </a:r>
+          </a:p>
+          <a:p>
+            <a:pPr marL="0" indent="0">
+              <a:lnSpc>
+                <a:spcPts val="1000"/>
+              </a:lnSpc>
+              <a:buNone/>
+            </a:pPr>
+            <a:r>
+              <a:rPr lang="en-US" sz="6400" dirty="0" smtClean="0">
+                <a:latin typeface="Consolas" panose="020B0609020204030204" pitchFamily="49" charset="0"/>
+                <a:cs typeface="Consolas" panose="020B0609020204030204" pitchFamily="49" charset="0"/>
+              </a:rPr>
+              <a:t>        </a:t>
+            </a:r>
+            <a:r>
+              <a:rPr lang="en-US" sz="6400" dirty="0" err="1" smtClean="0">
+                <a:latin typeface="Consolas" panose="020B0609020204030204" pitchFamily="49" charset="0"/>
+                <a:cs typeface="Consolas" panose="020B0609020204030204" pitchFamily="49" charset="0"/>
+              </a:rPr>
+              <a:t>pointsInRange.append</a:t>
+            </a:r>
+            <a:r>
+              <a:rPr lang="en-US" sz="6400" dirty="0" smtClean="0">
+                <a:latin typeface="Consolas" panose="020B0609020204030204" pitchFamily="49" charset="0"/>
+                <a:cs typeface="Consolas" panose="020B0609020204030204" pitchFamily="49" charset="0"/>
+              </a:rPr>
+              <a:t>(points[p]);</a:t>
+            </a:r>
+          </a:p>
+          <a:p>
+            <a:pPr marL="0" indent="0">
+              <a:lnSpc>
+                <a:spcPts val="1000"/>
+              </a:lnSpc>
+              <a:buNone/>
+            </a:pPr>
+            <a:r>
+              <a:rPr lang="en-US" sz="6400" dirty="0" smtClean="0">
+                <a:latin typeface="Consolas" panose="020B0609020204030204" pitchFamily="49" charset="0"/>
+                <a:cs typeface="Consolas" panose="020B0609020204030204" pitchFamily="49" charset="0"/>
+              </a:rPr>
+              <a:t>    </a:t>
+            </a:r>
+            <a:r>
+              <a:rPr lang="en-US" sz="6400" dirty="0">
+                <a:latin typeface="Consolas" panose="020B0609020204030204" pitchFamily="49" charset="0"/>
+                <a:cs typeface="Consolas" panose="020B0609020204030204" pitchFamily="49" charset="0"/>
+              </a:rPr>
+              <a:t>}</a:t>
+            </a:r>
+          </a:p>
+          <a:p>
+            <a:pPr marL="0" indent="0">
+              <a:lnSpc>
+                <a:spcPts val="1000"/>
+              </a:lnSpc>
+              <a:buNone/>
+            </a:pPr>
+            <a:endParaRPr lang="en-US" sz="6400" dirty="0">
+              <a:latin typeface="Consolas" panose="020B0609020204030204" pitchFamily="49" charset="0"/>
+              <a:cs typeface="Consolas" panose="020B0609020204030204" pitchFamily="49" charset="0"/>
+            </a:endParaRPr>
+          </a:p>
+          <a:p>
+            <a:pPr marL="0" indent="0">
+              <a:lnSpc>
+                <a:spcPts val="1000"/>
+              </a:lnSpc>
+              <a:buNone/>
+            </a:pPr>
+            <a:r>
+              <a:rPr lang="en-US" sz="6400" dirty="0">
+                <a:latin typeface="Consolas" panose="020B0609020204030204" pitchFamily="49" charset="0"/>
+                <a:cs typeface="Consolas" panose="020B0609020204030204" pitchFamily="49" charset="0"/>
+              </a:rPr>
+              <a:t>    if (</a:t>
+            </a:r>
+            <a:r>
+              <a:rPr lang="en-US" sz="6400" dirty="0" err="1">
+                <a:latin typeface="Consolas" panose="020B0609020204030204" pitchFamily="49" charset="0"/>
+                <a:cs typeface="Consolas" panose="020B0609020204030204" pitchFamily="49" charset="0"/>
+              </a:rPr>
+              <a:t>northWest</a:t>
+            </a:r>
+            <a:r>
+              <a:rPr lang="en-US" sz="6400" dirty="0">
+                <a:latin typeface="Consolas" panose="020B0609020204030204" pitchFamily="49" charset="0"/>
+                <a:cs typeface="Consolas" panose="020B0609020204030204" pitchFamily="49" charset="0"/>
+              </a:rPr>
+              <a:t> == null)// </a:t>
+            </a:r>
+            <a:r>
+              <a:rPr lang="ru-RU" sz="6400" dirty="0">
+                <a:latin typeface="Consolas" panose="020B0609020204030204" pitchFamily="49" charset="0"/>
+                <a:cs typeface="Consolas" panose="020B0609020204030204" pitchFamily="49" charset="0"/>
+              </a:rPr>
+              <a:t>Остановка, если больше нет потомков</a:t>
+            </a:r>
+          </a:p>
+          <a:p>
+            <a:pPr marL="0" indent="0">
+              <a:lnSpc>
+                <a:spcPts val="1000"/>
+              </a:lnSpc>
+              <a:buNone/>
+            </a:pPr>
+            <a:r>
+              <a:rPr lang="ru-RU" sz="6400" dirty="0">
+                <a:latin typeface="Consolas" panose="020B0609020204030204" pitchFamily="49" charset="0"/>
+                <a:cs typeface="Consolas" panose="020B0609020204030204" pitchFamily="49" charset="0"/>
+              </a:rPr>
+              <a:t>      </a:t>
+            </a:r>
+            <a:r>
+              <a:rPr lang="en-US" sz="6400" dirty="0">
+                <a:latin typeface="Consolas" panose="020B0609020204030204" pitchFamily="49" charset="0"/>
+                <a:cs typeface="Consolas" panose="020B0609020204030204" pitchFamily="49" charset="0"/>
+              </a:rPr>
+              <a:t>return </a:t>
+            </a:r>
+            <a:r>
+              <a:rPr lang="en-US" sz="6400" dirty="0" err="1">
+                <a:latin typeface="Consolas" panose="020B0609020204030204" pitchFamily="49" charset="0"/>
+                <a:cs typeface="Consolas" panose="020B0609020204030204" pitchFamily="49" charset="0"/>
+              </a:rPr>
+              <a:t>pointsInRange</a:t>
+            </a:r>
+            <a:r>
+              <a:rPr lang="en-US" sz="6400" dirty="0">
+                <a:latin typeface="Consolas" panose="020B0609020204030204" pitchFamily="49" charset="0"/>
+                <a:cs typeface="Consolas" panose="020B0609020204030204" pitchFamily="49" charset="0"/>
+              </a:rPr>
+              <a:t>;</a:t>
+            </a:r>
+          </a:p>
+          <a:p>
+            <a:pPr marL="0" indent="0">
+              <a:lnSpc>
+                <a:spcPts val="1000"/>
+              </a:lnSpc>
+              <a:buNone/>
+            </a:pPr>
+            <a:endParaRPr lang="en-US" sz="6400" dirty="0">
+              <a:latin typeface="Consolas" panose="020B0609020204030204" pitchFamily="49" charset="0"/>
+              <a:cs typeface="Consolas" panose="020B0609020204030204" pitchFamily="49" charset="0"/>
+            </a:endParaRPr>
+          </a:p>
+          <a:p>
+            <a:pPr marL="0" indent="0">
+              <a:lnSpc>
+                <a:spcPts val="1000"/>
+              </a:lnSpc>
+              <a:buNone/>
+            </a:pPr>
+            <a:r>
+              <a:rPr lang="en-US" sz="6400" dirty="0">
+                <a:latin typeface="Consolas" panose="020B0609020204030204" pitchFamily="49" charset="0"/>
+                <a:cs typeface="Consolas" panose="020B0609020204030204" pitchFamily="49" charset="0"/>
+              </a:rPr>
+              <a:t>    // </a:t>
+            </a:r>
+            <a:r>
+              <a:rPr lang="ru-RU" sz="6400" dirty="0">
+                <a:latin typeface="Consolas" panose="020B0609020204030204" pitchFamily="49" charset="0"/>
+                <a:cs typeface="Consolas" panose="020B0609020204030204" pitchFamily="49" charset="0"/>
+              </a:rPr>
+              <a:t>Добавить все точки потомков</a:t>
+            </a:r>
+          </a:p>
+          <a:p>
+            <a:pPr marL="0" indent="0">
+              <a:lnSpc>
+                <a:spcPts val="1000"/>
+              </a:lnSpc>
+              <a:buNone/>
+            </a:pPr>
+            <a:r>
+              <a:rPr lang="ru-RU" sz="6400" dirty="0">
+                <a:latin typeface="Consolas" panose="020B0609020204030204" pitchFamily="49" charset="0"/>
+                <a:cs typeface="Consolas" panose="020B0609020204030204" pitchFamily="49" charset="0"/>
+              </a:rPr>
+              <a:t>    </a:t>
+            </a:r>
+            <a:r>
+              <a:rPr lang="en-US" sz="6400" dirty="0" err="1">
+                <a:latin typeface="Consolas" panose="020B0609020204030204" pitchFamily="49" charset="0"/>
+                <a:cs typeface="Consolas" panose="020B0609020204030204" pitchFamily="49" charset="0"/>
+              </a:rPr>
+              <a:t>pointsInRange.appendArray</a:t>
+            </a:r>
+            <a:r>
+              <a:rPr lang="en-US" sz="6400" dirty="0">
+                <a:latin typeface="Consolas" panose="020B0609020204030204" pitchFamily="49" charset="0"/>
+                <a:cs typeface="Consolas" panose="020B0609020204030204" pitchFamily="49" charset="0"/>
+              </a:rPr>
+              <a:t>(</a:t>
+            </a:r>
+            <a:r>
+              <a:rPr lang="en-US" sz="6400" dirty="0" err="1">
+                <a:latin typeface="Consolas" panose="020B0609020204030204" pitchFamily="49" charset="0"/>
+                <a:cs typeface="Consolas" panose="020B0609020204030204" pitchFamily="49" charset="0"/>
+              </a:rPr>
+              <a:t>northWest</a:t>
+            </a:r>
+            <a:r>
+              <a:rPr lang="en-US" sz="6400" dirty="0">
+                <a:latin typeface="Consolas" panose="020B0609020204030204" pitchFamily="49" charset="0"/>
+                <a:cs typeface="Consolas" panose="020B0609020204030204" pitchFamily="49" charset="0"/>
+              </a:rPr>
+              <a:t>-&gt;</a:t>
+            </a:r>
+            <a:r>
+              <a:rPr lang="en-US" sz="6400" dirty="0" err="1">
+                <a:latin typeface="Consolas" panose="020B0609020204030204" pitchFamily="49" charset="0"/>
+                <a:cs typeface="Consolas" panose="020B0609020204030204" pitchFamily="49" charset="0"/>
+              </a:rPr>
+              <a:t>queryRange</a:t>
+            </a:r>
+            <a:r>
+              <a:rPr lang="en-US" sz="6400" dirty="0">
+                <a:latin typeface="Consolas" panose="020B0609020204030204" pitchFamily="49" charset="0"/>
+                <a:cs typeface="Consolas" panose="020B0609020204030204" pitchFamily="49" charset="0"/>
+              </a:rPr>
+              <a:t>(range));</a:t>
+            </a:r>
+          </a:p>
+          <a:p>
+            <a:pPr marL="0" indent="0">
+              <a:lnSpc>
+                <a:spcPts val="1000"/>
+              </a:lnSpc>
+              <a:buNone/>
+            </a:pPr>
+            <a:r>
+              <a:rPr lang="en-US" sz="6400" dirty="0">
+                <a:latin typeface="Consolas" panose="020B0609020204030204" pitchFamily="49" charset="0"/>
+                <a:cs typeface="Consolas" panose="020B0609020204030204" pitchFamily="49" charset="0"/>
+              </a:rPr>
+              <a:t>    </a:t>
+            </a:r>
+            <a:r>
+              <a:rPr lang="en-US" sz="6400" dirty="0" err="1">
+                <a:latin typeface="Consolas" panose="020B0609020204030204" pitchFamily="49" charset="0"/>
+                <a:cs typeface="Consolas" panose="020B0609020204030204" pitchFamily="49" charset="0"/>
+              </a:rPr>
+              <a:t>pointsInRange.appendArray</a:t>
+            </a:r>
+            <a:r>
+              <a:rPr lang="en-US" sz="6400" dirty="0">
+                <a:latin typeface="Consolas" panose="020B0609020204030204" pitchFamily="49" charset="0"/>
+                <a:cs typeface="Consolas" panose="020B0609020204030204" pitchFamily="49" charset="0"/>
+              </a:rPr>
+              <a:t>(</a:t>
+            </a:r>
+            <a:r>
+              <a:rPr lang="en-US" sz="6400" dirty="0" err="1">
+                <a:latin typeface="Consolas" panose="020B0609020204030204" pitchFamily="49" charset="0"/>
+                <a:cs typeface="Consolas" panose="020B0609020204030204" pitchFamily="49" charset="0"/>
+              </a:rPr>
+              <a:t>northEast</a:t>
+            </a:r>
+            <a:r>
+              <a:rPr lang="en-US" sz="6400" dirty="0">
+                <a:latin typeface="Consolas" panose="020B0609020204030204" pitchFamily="49" charset="0"/>
+                <a:cs typeface="Consolas" panose="020B0609020204030204" pitchFamily="49" charset="0"/>
+              </a:rPr>
+              <a:t>-&gt;</a:t>
+            </a:r>
+            <a:r>
+              <a:rPr lang="en-US" sz="6400" dirty="0" err="1">
+                <a:latin typeface="Consolas" panose="020B0609020204030204" pitchFamily="49" charset="0"/>
+                <a:cs typeface="Consolas" panose="020B0609020204030204" pitchFamily="49" charset="0"/>
+              </a:rPr>
+              <a:t>queryRange</a:t>
+            </a:r>
+            <a:r>
+              <a:rPr lang="en-US" sz="6400" dirty="0">
+                <a:latin typeface="Consolas" panose="020B0609020204030204" pitchFamily="49" charset="0"/>
+                <a:cs typeface="Consolas" panose="020B0609020204030204" pitchFamily="49" charset="0"/>
+              </a:rPr>
+              <a:t>(range));</a:t>
+            </a:r>
+          </a:p>
+          <a:p>
+            <a:pPr marL="0" indent="0">
+              <a:lnSpc>
+                <a:spcPts val="1000"/>
+              </a:lnSpc>
+              <a:buNone/>
+            </a:pPr>
+            <a:r>
+              <a:rPr lang="en-US" sz="6400" dirty="0">
+                <a:latin typeface="Consolas" panose="020B0609020204030204" pitchFamily="49" charset="0"/>
+                <a:cs typeface="Consolas" panose="020B0609020204030204" pitchFamily="49" charset="0"/>
+              </a:rPr>
+              <a:t>    </a:t>
+            </a:r>
+            <a:r>
+              <a:rPr lang="en-US" sz="6400" dirty="0" err="1">
+                <a:latin typeface="Consolas" panose="020B0609020204030204" pitchFamily="49" charset="0"/>
+                <a:cs typeface="Consolas" panose="020B0609020204030204" pitchFamily="49" charset="0"/>
+              </a:rPr>
+              <a:t>pointsInRange.appendArray</a:t>
+            </a:r>
+            <a:r>
+              <a:rPr lang="en-US" sz="6400" dirty="0">
+                <a:latin typeface="Consolas" panose="020B0609020204030204" pitchFamily="49" charset="0"/>
+                <a:cs typeface="Consolas" panose="020B0609020204030204" pitchFamily="49" charset="0"/>
+              </a:rPr>
+              <a:t>(</a:t>
+            </a:r>
+            <a:r>
+              <a:rPr lang="en-US" sz="6400" dirty="0" err="1">
+                <a:latin typeface="Consolas" panose="020B0609020204030204" pitchFamily="49" charset="0"/>
+                <a:cs typeface="Consolas" panose="020B0609020204030204" pitchFamily="49" charset="0"/>
+              </a:rPr>
+              <a:t>southWest</a:t>
+            </a:r>
+            <a:r>
+              <a:rPr lang="en-US" sz="6400" dirty="0">
+                <a:latin typeface="Consolas" panose="020B0609020204030204" pitchFamily="49" charset="0"/>
+                <a:cs typeface="Consolas" panose="020B0609020204030204" pitchFamily="49" charset="0"/>
+              </a:rPr>
+              <a:t>-&gt;</a:t>
+            </a:r>
+            <a:r>
+              <a:rPr lang="en-US" sz="6400" dirty="0" err="1">
+                <a:latin typeface="Consolas" panose="020B0609020204030204" pitchFamily="49" charset="0"/>
+                <a:cs typeface="Consolas" panose="020B0609020204030204" pitchFamily="49" charset="0"/>
+              </a:rPr>
+              <a:t>queryRange</a:t>
+            </a:r>
+            <a:r>
+              <a:rPr lang="en-US" sz="6400" dirty="0">
+                <a:latin typeface="Consolas" panose="020B0609020204030204" pitchFamily="49" charset="0"/>
+                <a:cs typeface="Consolas" panose="020B0609020204030204" pitchFamily="49" charset="0"/>
+              </a:rPr>
+              <a:t>(range));</a:t>
+            </a:r>
+          </a:p>
+          <a:p>
+            <a:pPr marL="0" indent="0">
+              <a:lnSpc>
+                <a:spcPts val="1000"/>
+              </a:lnSpc>
+              <a:buNone/>
+            </a:pPr>
+            <a:r>
+              <a:rPr lang="en-US" sz="6400" dirty="0">
+                <a:latin typeface="Consolas" panose="020B0609020204030204" pitchFamily="49" charset="0"/>
+                <a:cs typeface="Consolas" panose="020B0609020204030204" pitchFamily="49" charset="0"/>
+              </a:rPr>
+              <a:t>    </a:t>
+            </a:r>
+            <a:r>
+              <a:rPr lang="en-US" sz="6400" dirty="0" err="1">
+                <a:latin typeface="Consolas" panose="020B0609020204030204" pitchFamily="49" charset="0"/>
+                <a:cs typeface="Consolas" panose="020B0609020204030204" pitchFamily="49" charset="0"/>
+              </a:rPr>
+              <a:t>pointsInRange.appendArray</a:t>
+            </a:r>
+            <a:r>
+              <a:rPr lang="en-US" sz="6400" dirty="0">
+                <a:latin typeface="Consolas" panose="020B0609020204030204" pitchFamily="49" charset="0"/>
+                <a:cs typeface="Consolas" panose="020B0609020204030204" pitchFamily="49" charset="0"/>
+              </a:rPr>
+              <a:t>(</a:t>
+            </a:r>
+            <a:r>
+              <a:rPr lang="en-US" sz="6400" dirty="0" err="1">
+                <a:latin typeface="Consolas" panose="020B0609020204030204" pitchFamily="49" charset="0"/>
+                <a:cs typeface="Consolas" panose="020B0609020204030204" pitchFamily="49" charset="0"/>
+              </a:rPr>
+              <a:t>southEast</a:t>
+            </a:r>
+            <a:r>
+              <a:rPr lang="en-US" sz="6400" dirty="0">
+                <a:latin typeface="Consolas" panose="020B0609020204030204" pitchFamily="49" charset="0"/>
+                <a:cs typeface="Consolas" panose="020B0609020204030204" pitchFamily="49" charset="0"/>
+              </a:rPr>
+              <a:t>-&gt;</a:t>
+            </a:r>
+            <a:r>
+              <a:rPr lang="en-US" sz="6400" dirty="0" err="1">
+                <a:latin typeface="Consolas" panose="020B0609020204030204" pitchFamily="49" charset="0"/>
+                <a:cs typeface="Consolas" panose="020B0609020204030204" pitchFamily="49" charset="0"/>
+              </a:rPr>
+              <a:t>queryRange</a:t>
+            </a:r>
+            <a:r>
+              <a:rPr lang="en-US" sz="6400" dirty="0">
+                <a:latin typeface="Consolas" panose="020B0609020204030204" pitchFamily="49" charset="0"/>
+                <a:cs typeface="Consolas" panose="020B0609020204030204" pitchFamily="49" charset="0"/>
+              </a:rPr>
+              <a:t>(range));</a:t>
+            </a:r>
+          </a:p>
+          <a:p>
+            <a:pPr marL="0" indent="0">
+              <a:lnSpc>
+                <a:spcPts val="1000"/>
+              </a:lnSpc>
+              <a:buNone/>
+            </a:pPr>
+            <a:endParaRPr lang="en-US" sz="6400" dirty="0">
+              <a:latin typeface="Consolas" panose="020B0609020204030204" pitchFamily="49" charset="0"/>
+              <a:cs typeface="Consolas" panose="020B0609020204030204" pitchFamily="49" charset="0"/>
+            </a:endParaRPr>
+          </a:p>
+          <a:p>
+            <a:pPr marL="0" indent="0">
+              <a:lnSpc>
+                <a:spcPts val="1000"/>
+              </a:lnSpc>
+              <a:buNone/>
+            </a:pPr>
+            <a:r>
+              <a:rPr lang="en-US" sz="6400" dirty="0">
+                <a:latin typeface="Consolas" panose="020B0609020204030204" pitchFamily="49" charset="0"/>
+                <a:cs typeface="Consolas" panose="020B0609020204030204" pitchFamily="49" charset="0"/>
+              </a:rPr>
+              <a:t>    return </a:t>
+            </a:r>
+            <a:r>
+              <a:rPr lang="en-US" sz="6400" dirty="0" err="1">
+                <a:latin typeface="Consolas" panose="020B0609020204030204" pitchFamily="49" charset="0"/>
+                <a:cs typeface="Consolas" panose="020B0609020204030204" pitchFamily="49" charset="0"/>
+              </a:rPr>
+              <a:t>pointsInRange</a:t>
+            </a:r>
+            <a:r>
+              <a:rPr lang="en-US" sz="6400" dirty="0">
+                <a:latin typeface="Consolas" panose="020B0609020204030204" pitchFamily="49" charset="0"/>
+                <a:cs typeface="Consolas" panose="020B0609020204030204" pitchFamily="49" charset="0"/>
+              </a:rPr>
+              <a:t>;</a:t>
+            </a:r>
+          </a:p>
+          <a:p>
+            <a:pPr marL="0" indent="0">
+              <a:lnSpc>
+                <a:spcPts val="1000"/>
+              </a:lnSpc>
+              <a:buNone/>
+            </a:pPr>
+            <a:r>
+              <a:rPr lang="en-US" sz="6400" dirty="0" smtClean="0">
+                <a:latin typeface="Consolas" panose="020B0609020204030204" pitchFamily="49" charset="0"/>
+                <a:cs typeface="Consolas" panose="020B0609020204030204" pitchFamily="49" charset="0"/>
+              </a:rPr>
               <a:t> </a:t>
             </a:r>
             <a:r>
-              <a:rPr lang="ru-RU" dirty="0" smtClean="0"/>
-              <a:t>до достижения сбалансированного состояния</a:t>
-            </a:r>
-            <a:endParaRPr lang="en-US" dirty="0"/>
-          </a:p>
-          <a:p>
-            <a:endParaRPr lang="ru-RU" dirty="0" smtClean="0"/>
-          </a:p>
-          <a:p>
-            <a:endParaRPr lang="ru-RU" dirty="0"/>
+              <a:rPr lang="en-US" sz="6400" dirty="0">
+                <a:latin typeface="Consolas" panose="020B0609020204030204" pitchFamily="49" charset="0"/>
+                <a:cs typeface="Consolas" panose="020B0609020204030204" pitchFamily="49" charset="0"/>
+              </a:rPr>
+              <a:t>}</a:t>
+            </a:r>
+            <a:endParaRPr lang="ru-RU" sz="6400" dirty="0">
+              <a:latin typeface="Consolas" panose="020B0609020204030204" pitchFamily="49" charset="0"/>
+              <a:cs typeface="Consolas" panose="020B0609020204030204" pitchFamily="49" charset="0"/>
+            </a:endParaRPr>
           </a:p>
         </p:txBody>
       </p:sp>
     </p:spTree>
     <p:extLst>
       <p:ext uri="{BB962C8B-B14F-4D97-AF65-F5344CB8AC3E}">
-        <p14:creationId xmlns:p14="http://schemas.microsoft.com/office/powerpoint/2010/main" val="2356538739"/>
+        <p14:creationId xmlns:p14="http://schemas.microsoft.com/office/powerpoint/2010/main" val="2997439417"/>
       </p:ext>
     </p:extLst>
   </p:cSld>
@@ -7723,8 +8198,414 @@
         </p:nvSpPr>
         <p:spPr>
           <a:xfrm>
+            <a:off x="628650" y="113667"/>
+            <a:ext cx="7886700" cy="709293"/>
+          </a:xfrm>
+        </p:spPr>
+        <p:txBody>
+          <a:bodyPr/>
+          <a:lstStyle/>
+          <a:p>
+            <a:pPr algn="ctr"/>
+            <a:r>
+              <a:rPr lang="en-US" dirty="0"/>
+              <a:t>k</a:t>
+            </a:r>
+            <a:r>
+              <a:rPr lang="en-US" dirty="0" smtClean="0"/>
+              <a:t>-d </a:t>
+            </a:r>
+            <a:r>
+              <a:rPr lang="ru-RU" dirty="0" smtClean="0"/>
+              <a:t>дерево</a:t>
+            </a:r>
+            <a:endParaRPr lang="ru-RU" dirty="0"/>
+          </a:p>
+        </p:txBody>
+      </p:sp>
+      <p:sp>
+        <p:nvSpPr>
+          <p:cNvPr id="3" name="Content Placeholder 2"/>
+          <p:cNvSpPr>
+            <a:spLocks noGrp="1"/>
+          </p:cNvSpPr>
+          <p:nvPr>
+            <p:ph idx="1"/>
+          </p:nvPr>
+        </p:nvSpPr>
+        <p:spPr>
+          <a:xfrm>
+            <a:off x="438150" y="822961"/>
+            <a:ext cx="7886700" cy="2301240"/>
+          </a:xfrm>
+        </p:spPr>
+        <p:txBody>
+          <a:bodyPr/>
+          <a:lstStyle/>
+          <a:p>
+            <a:r>
+              <a:rPr lang="ru-RU" dirty="0" smtClean="0"/>
+              <a:t>Бинарное дерево</a:t>
+            </a:r>
+          </a:p>
+          <a:p>
+            <a:r>
+              <a:rPr lang="ru-RU" dirty="0" smtClean="0"/>
+              <a:t>Каждый узел разделяет пространство на 2 части</a:t>
+            </a:r>
+          </a:p>
+          <a:p>
+            <a:r>
+              <a:rPr lang="ru-RU" dirty="0" smtClean="0"/>
+              <a:t>Разделяющая гиперплоскость проводится поочередно вдоль каждой координатной оси (для двумерной – </a:t>
+            </a:r>
+            <a:r>
+              <a:rPr lang="en-US" dirty="0" smtClean="0"/>
+              <a:t>x </a:t>
+            </a:r>
+            <a:r>
+              <a:rPr lang="ru-RU" dirty="0" smtClean="0"/>
+              <a:t>и у</a:t>
+            </a:r>
+            <a:r>
+              <a:rPr lang="en-US" dirty="0" smtClean="0"/>
+              <a:t> </a:t>
+            </a:r>
+            <a:r>
+              <a:rPr lang="ru-RU" dirty="0" smtClean="0"/>
+              <a:t>по очереди)</a:t>
+            </a:r>
+            <a:endParaRPr lang="ru-RU" dirty="0"/>
+          </a:p>
+        </p:txBody>
+      </p:sp>
+      <p:pic>
+        <p:nvPicPr>
+          <p:cNvPr id="4" name="Picture 3"/>
+          <p:cNvPicPr>
+            <a:picLocks noChangeAspect="1"/>
+          </p:cNvPicPr>
+          <p:nvPr/>
+        </p:nvPicPr>
+        <p:blipFill>
+          <a:blip r:embed="rId2">
+            <a:extLst>
+              <a:ext uri="{28A0092B-C50C-407E-A947-70E740481C1C}">
+                <a14:useLocalDpi xmlns:a14="http://schemas.microsoft.com/office/drawing/2010/main" val="0"/>
+              </a:ext>
+            </a:extLst>
+          </a:blip>
+          <a:stretch>
+            <a:fillRect/>
+          </a:stretch>
+        </p:blipFill>
+        <p:spPr>
+          <a:xfrm>
+            <a:off x="760095" y="3267075"/>
+            <a:ext cx="3316605" cy="3316605"/>
+          </a:xfrm>
+          <a:prstGeom prst="rect">
+            <a:avLst/>
+          </a:prstGeom>
+        </p:spPr>
+      </p:pic>
+      <p:pic>
+        <p:nvPicPr>
+          <p:cNvPr id="5" name="Picture 4"/>
+          <p:cNvPicPr>
+            <a:picLocks noChangeAspect="1"/>
+          </p:cNvPicPr>
+          <p:nvPr/>
+        </p:nvPicPr>
+        <p:blipFill>
+          <a:blip r:embed="rId3">
+            <a:extLst>
+              <a:ext uri="{28A0092B-C50C-407E-A947-70E740481C1C}">
+                <a14:useLocalDpi xmlns:a14="http://schemas.microsoft.com/office/drawing/2010/main" val="0"/>
+              </a:ext>
+            </a:extLst>
+          </a:blip>
+          <a:stretch>
+            <a:fillRect/>
+          </a:stretch>
+        </p:blipFill>
+        <p:spPr>
+          <a:xfrm>
+            <a:off x="3953827" y="3603307"/>
+            <a:ext cx="5076825" cy="2486025"/>
+          </a:xfrm>
+          <a:prstGeom prst="rect">
+            <a:avLst/>
+          </a:prstGeom>
+        </p:spPr>
+      </p:pic>
+    </p:spTree>
+    <p:extLst>
+      <p:ext uri="{BB962C8B-B14F-4D97-AF65-F5344CB8AC3E}">
+        <p14:creationId xmlns:p14="http://schemas.microsoft.com/office/powerpoint/2010/main" val="2012401216"/>
+      </p:ext>
+    </p:extLst>
+  </p:cSld>
+  <p:clrMapOvr>
+    <a:masterClrMapping/>
+  </p:clrMapOvr>
+</p:sld>
+</file>
+
+<file path=ppt/slides/slide33.xml><?xml version="1.0" encoding="utf-8"?>
+<p:sld xmlns:a="http://schemas.openxmlformats.org/drawingml/2006/main" xmlns:r="http://schemas.openxmlformats.org/officeDocument/2006/relationships" xmlns:p="http://schemas.openxmlformats.org/presentationml/2006/main">
+  <p:cSld>
+    <p:spTree>
+      <p:nvGrpSpPr>
+        <p:cNvPr id="1" name=""/>
+        <p:cNvGrpSpPr/>
+        <p:nvPr/>
+      </p:nvGrpSpPr>
+      <p:grpSpPr>
+        <a:xfrm>
+          <a:off x="0" y="0"/>
+          <a:ext cx="0" cy="0"/>
+          <a:chOff x="0" y="0"/>
+          <a:chExt cx="0" cy="0"/>
+        </a:xfrm>
+      </p:grpSpPr>
+      <p:sp>
+        <p:nvSpPr>
+          <p:cNvPr id="2" name="Title 1"/>
+          <p:cNvSpPr>
+            <a:spLocks noGrp="1"/>
+          </p:cNvSpPr>
+          <p:nvPr>
+            <p:ph type="title"/>
+          </p:nvPr>
+        </p:nvSpPr>
+        <p:spPr>
+          <a:xfrm>
+            <a:off x="719334" y="77960"/>
+            <a:ext cx="7886700" cy="768428"/>
+          </a:xfrm>
+        </p:spPr>
+        <p:txBody>
+          <a:bodyPr/>
+          <a:lstStyle/>
+          <a:p>
+            <a:pPr algn="ctr"/>
+            <a:r>
+              <a:rPr lang="en-US" dirty="0"/>
+              <a:t>k-d </a:t>
+            </a:r>
+            <a:r>
+              <a:rPr lang="ru-RU" dirty="0"/>
+              <a:t>дерево</a:t>
+            </a:r>
+          </a:p>
+        </p:txBody>
+      </p:sp>
+      <p:pic>
+        <p:nvPicPr>
+          <p:cNvPr id="4" name="Picture 3"/>
+          <p:cNvPicPr>
+            <a:picLocks noChangeAspect="1"/>
+          </p:cNvPicPr>
+          <p:nvPr/>
+        </p:nvPicPr>
+        <p:blipFill>
+          <a:blip r:embed="rId2">
+            <a:extLst>
+              <a:ext uri="{28A0092B-C50C-407E-A947-70E740481C1C}">
+                <a14:useLocalDpi xmlns:a14="http://schemas.microsoft.com/office/drawing/2010/main" val="0"/>
+              </a:ext>
+            </a:extLst>
+          </a:blip>
+          <a:stretch>
+            <a:fillRect/>
+          </a:stretch>
+        </p:blipFill>
+        <p:spPr>
+          <a:xfrm>
+            <a:off x="0" y="1320116"/>
+            <a:ext cx="9144000" cy="4113384"/>
+          </a:xfrm>
+          <a:prstGeom prst="rect">
+            <a:avLst/>
+          </a:prstGeom>
+        </p:spPr>
+      </p:pic>
+    </p:spTree>
+    <p:extLst>
+      <p:ext uri="{BB962C8B-B14F-4D97-AF65-F5344CB8AC3E}">
+        <p14:creationId xmlns:p14="http://schemas.microsoft.com/office/powerpoint/2010/main" val="979360283"/>
+      </p:ext>
+    </p:extLst>
+  </p:cSld>
+  <p:clrMapOvr>
+    <a:masterClrMapping/>
+  </p:clrMapOvr>
+</p:sld>
+</file>
+
+<file path=ppt/slides/slide34.xml><?xml version="1.0" encoding="utf-8"?>
+<p:sld xmlns:a="http://schemas.openxmlformats.org/drawingml/2006/main" xmlns:r="http://schemas.openxmlformats.org/officeDocument/2006/relationships" xmlns:p="http://schemas.openxmlformats.org/presentationml/2006/main">
+  <p:cSld>
+    <p:spTree>
+      <p:nvGrpSpPr>
+        <p:cNvPr id="1" name=""/>
+        <p:cNvGrpSpPr/>
+        <p:nvPr/>
+      </p:nvGrpSpPr>
+      <p:grpSpPr>
+        <a:xfrm>
+          <a:off x="0" y="0"/>
+          <a:ext cx="0" cy="0"/>
+          <a:chOff x="0" y="0"/>
+          <a:chExt cx="0" cy="0"/>
+        </a:xfrm>
+      </p:grpSpPr>
+      <p:sp>
+        <p:nvSpPr>
+          <p:cNvPr id="2" name="Title 1"/>
+          <p:cNvSpPr>
+            <a:spLocks noGrp="1"/>
+          </p:cNvSpPr>
+          <p:nvPr>
+            <p:ph type="title"/>
+          </p:nvPr>
+        </p:nvSpPr>
+        <p:spPr>
+          <a:xfrm>
+            <a:off x="689610" y="45721"/>
+            <a:ext cx="7886700" cy="731519"/>
+          </a:xfrm>
+        </p:spPr>
+        <p:txBody>
+          <a:bodyPr/>
+          <a:lstStyle/>
+          <a:p>
+            <a:pPr algn="ctr"/>
+            <a:r>
+              <a:rPr lang="en-US" dirty="0" smtClean="0"/>
+              <a:t>R-Tree</a:t>
+            </a:r>
+            <a:endParaRPr lang="ru-RU" dirty="0"/>
+          </a:p>
+        </p:txBody>
+      </p:sp>
+      <p:sp>
+        <p:nvSpPr>
+          <p:cNvPr id="3" name="Content Placeholder 2"/>
+          <p:cNvSpPr>
+            <a:spLocks noGrp="1"/>
+          </p:cNvSpPr>
+          <p:nvPr>
+            <p:ph idx="1"/>
+          </p:nvPr>
+        </p:nvSpPr>
+        <p:spPr>
+          <a:xfrm>
+            <a:off x="742950" y="777240"/>
+            <a:ext cx="7886700" cy="1257300"/>
+          </a:xfrm>
+        </p:spPr>
+        <p:txBody>
+          <a:bodyPr/>
+          <a:lstStyle/>
+          <a:p>
+            <a:r>
+              <a:rPr lang="ru-RU" dirty="0" smtClean="0"/>
+              <a:t>Аналог </a:t>
+            </a:r>
+            <a:r>
+              <a:rPr lang="en-US" dirty="0" smtClean="0"/>
+              <a:t>B-Tree</a:t>
+            </a:r>
+            <a:r>
+              <a:rPr lang="ru-RU" dirty="0" smtClean="0"/>
+              <a:t>, используемого в индексах БД</a:t>
+            </a:r>
+          </a:p>
+          <a:p>
+            <a:r>
+              <a:rPr lang="ru-RU" dirty="0" smtClean="0"/>
+              <a:t>Представляет собой иерархию прямоугольников</a:t>
+            </a:r>
+            <a:endParaRPr lang="ru-RU" dirty="0"/>
+          </a:p>
+        </p:txBody>
+      </p:sp>
+      <p:pic>
+        <p:nvPicPr>
+          <p:cNvPr id="4" name="Picture 3"/>
+          <p:cNvPicPr>
+            <a:picLocks noChangeAspect="1"/>
+          </p:cNvPicPr>
+          <p:nvPr/>
+        </p:nvPicPr>
+        <p:blipFill>
+          <a:blip r:embed="rId2">
+            <a:extLst>
+              <a:ext uri="{28A0092B-C50C-407E-A947-70E740481C1C}">
+                <a14:useLocalDpi xmlns:a14="http://schemas.microsoft.com/office/drawing/2010/main" val="0"/>
+              </a:ext>
+            </a:extLst>
+          </a:blip>
+          <a:stretch>
+            <a:fillRect/>
+          </a:stretch>
+        </p:blipFill>
+        <p:spPr>
+          <a:xfrm>
+            <a:off x="1902143" y="1807844"/>
+            <a:ext cx="5580697" cy="4819337"/>
+          </a:xfrm>
+          <a:prstGeom prst="rect">
+            <a:avLst/>
+          </a:prstGeom>
+        </p:spPr>
+      </p:pic>
+    </p:spTree>
+    <p:extLst>
+      <p:ext uri="{BB962C8B-B14F-4D97-AF65-F5344CB8AC3E}">
+        <p14:creationId xmlns:p14="http://schemas.microsoft.com/office/powerpoint/2010/main" val="2888537089"/>
+      </p:ext>
+    </p:extLst>
+  </p:cSld>
+  <p:clrMapOvr>
+    <a:masterClrMapping/>
+  </p:clrMapOvr>
+</p:sld>
+</file>
+
+<file path=ppt/slides/slide35.xml><?xml version="1.0" encoding="utf-8"?>
+<p:sld xmlns:a="http://schemas.openxmlformats.org/drawingml/2006/main" xmlns:r="http://schemas.openxmlformats.org/officeDocument/2006/relationships" xmlns:p="http://schemas.openxmlformats.org/presentationml/2006/main">
+  <p:cSld>
+    <p:spTree>
+      <p:nvGrpSpPr>
+        <p:cNvPr id="1" name=""/>
+        <p:cNvGrpSpPr/>
+        <p:nvPr/>
+      </p:nvGrpSpPr>
+      <p:grpSpPr>
+        <a:xfrm>
+          <a:off x="0" y="0"/>
+          <a:ext cx="0" cy="0"/>
+          <a:chOff x="0" y="0"/>
+          <a:chExt cx="0" cy="0"/>
+        </a:xfrm>
+      </p:grpSpPr>
+      <p:sp>
+        <p:nvSpPr>
+          <p:cNvPr id="2" name="Title 1"/>
+          <p:cNvSpPr>
+            <a:spLocks noGrp="1"/>
+          </p:cNvSpPr>
+          <p:nvPr>
+            <p:ph type="title"/>
+          </p:nvPr>
+        </p:nvSpPr>
+        <p:spPr>
+          <a:xfrm>
             <a:off x="628650" y="365127"/>
-            <a:ext cx="7886700" cy="594994"/>
+            <a:ext cx="7886700" cy="541654"/>
           </a:xfrm>
         </p:spPr>
         <p:txBody>
@@ -7735,6 +8616,336 @@
           <a:p>
             <a:pPr algn="ctr"/>
             <a:r>
+              <a:rPr lang="en-US" dirty="0"/>
+              <a:t>R-Tree</a:t>
+            </a:r>
+            <a:endParaRPr lang="ru-RU" dirty="0"/>
+          </a:p>
+        </p:txBody>
+      </p:sp>
+      <p:sp>
+        <p:nvSpPr>
+          <p:cNvPr id="3" name="Content Placeholder 2"/>
+          <p:cNvSpPr>
+            <a:spLocks noGrp="1"/>
+          </p:cNvSpPr>
+          <p:nvPr>
+            <p:ph idx="1"/>
+          </p:nvPr>
+        </p:nvSpPr>
+        <p:spPr>
+          <a:xfrm>
+            <a:off x="628650" y="1036320"/>
+            <a:ext cx="7886700" cy="5140643"/>
+          </a:xfrm>
+        </p:spPr>
+        <p:txBody>
+          <a:bodyPr/>
+          <a:lstStyle/>
+          <a:p>
+            <a:r>
+              <a:rPr lang="ru-RU" dirty="0" smtClean="0"/>
+              <a:t>Сбалансированное дерево поиска</a:t>
+            </a:r>
+          </a:p>
+          <a:p>
+            <a:r>
+              <a:rPr lang="ru-RU" dirty="0" smtClean="0"/>
+              <a:t>В каждом узле не больше </a:t>
+            </a:r>
+            <a:r>
+              <a:rPr lang="en-US" dirty="0" smtClean="0"/>
+              <a:t>M </a:t>
+            </a:r>
+            <a:r>
+              <a:rPr lang="ru-RU" dirty="0" smtClean="0"/>
+              <a:t>значений</a:t>
+            </a:r>
+            <a:endParaRPr lang="en-US" dirty="0" smtClean="0"/>
+          </a:p>
+          <a:p>
+            <a:r>
+              <a:rPr lang="ru-RU" dirty="0" smtClean="0"/>
+              <a:t>В каждом промежуточном узле кроме корня не меньше </a:t>
+            </a:r>
+            <a:r>
+              <a:rPr lang="en-US" dirty="0" smtClean="0"/>
+              <a:t>m </a:t>
+            </a:r>
+            <a:r>
+              <a:rPr lang="ru-RU" dirty="0" smtClean="0"/>
+              <a:t>значений</a:t>
+            </a:r>
+            <a:endParaRPr lang="en-US" dirty="0" smtClean="0"/>
+          </a:p>
+          <a:p>
+            <a:r>
+              <a:rPr lang="ru-RU" dirty="0" smtClean="0"/>
+              <a:t>В корне не меньше 2 значений(если он  не единственный узел в дереве)</a:t>
+            </a:r>
+            <a:endParaRPr lang="en-US" dirty="0" smtClean="0"/>
+          </a:p>
+          <a:p>
+            <a:r>
+              <a:rPr lang="ru-RU" dirty="0" smtClean="0"/>
+              <a:t>Все листья имеют одинаковую глубину</a:t>
+            </a:r>
+            <a:endParaRPr lang="en-US" dirty="0" smtClean="0"/>
+          </a:p>
+          <a:p>
+            <a:r>
+              <a:rPr lang="ru-RU" dirty="0" smtClean="0"/>
+              <a:t>Значение в узле представляют собой описывающий прямоугольник для потомков</a:t>
+            </a:r>
+            <a:endParaRPr lang="en-US" dirty="0" smtClean="0"/>
+          </a:p>
+          <a:p>
+            <a:endParaRPr lang="ru-RU" dirty="0" smtClean="0"/>
+          </a:p>
+          <a:p>
+            <a:endParaRPr lang="ru-RU" dirty="0"/>
+          </a:p>
+        </p:txBody>
+      </p:sp>
+    </p:spTree>
+    <p:extLst>
+      <p:ext uri="{BB962C8B-B14F-4D97-AF65-F5344CB8AC3E}">
+        <p14:creationId xmlns:p14="http://schemas.microsoft.com/office/powerpoint/2010/main" val="3893499196"/>
+      </p:ext>
+    </p:extLst>
+  </p:cSld>
+  <p:clrMapOvr>
+    <a:masterClrMapping/>
+  </p:clrMapOvr>
+</p:sld>
+</file>
+
+<file path=ppt/slides/slide36.xml><?xml version="1.0" encoding="utf-8"?>
+<p:sld xmlns:a="http://schemas.openxmlformats.org/drawingml/2006/main" xmlns:r="http://schemas.openxmlformats.org/officeDocument/2006/relationships" xmlns:p="http://schemas.openxmlformats.org/presentationml/2006/main">
+  <p:cSld>
+    <p:spTree>
+      <p:nvGrpSpPr>
+        <p:cNvPr id="1" name=""/>
+        <p:cNvGrpSpPr/>
+        <p:nvPr/>
+      </p:nvGrpSpPr>
+      <p:grpSpPr>
+        <a:xfrm>
+          <a:off x="0" y="0"/>
+          <a:ext cx="0" cy="0"/>
+          <a:chOff x="0" y="0"/>
+          <a:chExt cx="0" cy="0"/>
+        </a:xfrm>
+      </p:grpSpPr>
+      <p:sp>
+        <p:nvSpPr>
+          <p:cNvPr id="2" name="Title 1"/>
+          <p:cNvSpPr>
+            <a:spLocks noGrp="1"/>
+          </p:cNvSpPr>
+          <p:nvPr>
+            <p:ph type="title"/>
+          </p:nvPr>
+        </p:nvSpPr>
+        <p:spPr>
+          <a:xfrm>
+            <a:off x="3398520" y="235587"/>
+            <a:ext cx="5116830" cy="625474"/>
+          </a:xfrm>
+        </p:spPr>
+        <p:txBody>
+          <a:bodyPr>
+            <a:normAutofit fontScale="90000"/>
+          </a:bodyPr>
+          <a:lstStyle/>
+          <a:p>
+            <a:pPr algn="ctr"/>
+            <a:r>
+              <a:rPr lang="en-US" dirty="0" smtClean="0"/>
+              <a:t>B-Tree</a:t>
+            </a:r>
+            <a:endParaRPr lang="ru-RU" dirty="0"/>
+          </a:p>
+        </p:txBody>
+      </p:sp>
+      <p:pic>
+        <p:nvPicPr>
+          <p:cNvPr id="4" name="Picture 3"/>
+          <p:cNvPicPr>
+            <a:picLocks noChangeAspect="1"/>
+          </p:cNvPicPr>
+          <p:nvPr/>
+        </p:nvPicPr>
+        <p:blipFill>
+          <a:blip r:embed="rId2">
+            <a:extLst>
+              <a:ext uri="{28A0092B-C50C-407E-A947-70E740481C1C}">
+                <a14:useLocalDpi xmlns:a14="http://schemas.microsoft.com/office/drawing/2010/main" val="0"/>
+              </a:ext>
+            </a:extLst>
+          </a:blip>
+          <a:stretch>
+            <a:fillRect/>
+          </a:stretch>
+        </p:blipFill>
+        <p:spPr>
+          <a:xfrm>
+            <a:off x="62865" y="128587"/>
+            <a:ext cx="3028950" cy="6524625"/>
+          </a:xfrm>
+          <a:prstGeom prst="rect">
+            <a:avLst/>
+          </a:prstGeom>
+        </p:spPr>
+      </p:pic>
+      <p:sp>
+        <p:nvSpPr>
+          <p:cNvPr id="5" name="TextBox 4"/>
+          <p:cNvSpPr txBox="1"/>
+          <p:nvPr/>
+        </p:nvSpPr>
+        <p:spPr>
+          <a:xfrm>
+            <a:off x="3756660" y="944880"/>
+            <a:ext cx="184731" cy="369332"/>
+          </a:xfrm>
+          <a:prstGeom prst="rect">
+            <a:avLst/>
+          </a:prstGeom>
+          <a:noFill/>
+        </p:spPr>
+        <p:txBody>
+          <a:bodyPr wrap="none" rtlCol="0">
+            <a:spAutoFit/>
+          </a:bodyPr>
+          <a:lstStyle/>
+          <a:p>
+            <a:endParaRPr lang="en-US" dirty="0"/>
+          </a:p>
+        </p:txBody>
+      </p:sp>
+      <p:sp>
+        <p:nvSpPr>
+          <p:cNvPr id="6" name="Content Placeholder 2"/>
+          <p:cNvSpPr>
+            <a:spLocks noGrp="1"/>
+          </p:cNvSpPr>
+          <p:nvPr>
+            <p:ph idx="1"/>
+          </p:nvPr>
+        </p:nvSpPr>
+        <p:spPr>
+          <a:xfrm>
+            <a:off x="3398520" y="944880"/>
+            <a:ext cx="5631180" cy="5585460"/>
+          </a:xfrm>
+        </p:spPr>
+        <p:txBody>
+          <a:bodyPr>
+            <a:normAutofit/>
+          </a:bodyPr>
+          <a:lstStyle/>
+          <a:p>
+            <a:r>
+              <a:rPr lang="ru-RU" dirty="0" smtClean="0"/>
+              <a:t>Если количество элементов в узле не превышено, добавить новый</a:t>
+            </a:r>
+          </a:p>
+          <a:p>
+            <a:r>
+              <a:rPr lang="ru-RU" dirty="0" smtClean="0"/>
+              <a:t>Иначе разделить узел, медиана остается в родительском узле, остальные значения помещаются в потомков</a:t>
+            </a:r>
+          </a:p>
+          <a:p>
+            <a:r>
+              <a:rPr lang="ru-RU" dirty="0" smtClean="0"/>
+              <a:t>Может потребовать разделения родител</a:t>
+            </a:r>
+            <a:r>
+              <a:rPr lang="ru-RU" dirty="0"/>
+              <a:t>ь</a:t>
+            </a:r>
+            <a:r>
+              <a:rPr lang="ru-RU" dirty="0" smtClean="0"/>
+              <a:t>ского узла </a:t>
+            </a:r>
+            <a:r>
+              <a:rPr lang="ru-RU" dirty="0" err="1" smtClean="0"/>
+              <a:t>итд</a:t>
+            </a:r>
+            <a:r>
+              <a:rPr lang="ru-RU" dirty="0"/>
+              <a:t> </a:t>
+            </a:r>
+            <a:r>
+              <a:rPr lang="ru-RU" dirty="0" smtClean="0"/>
+              <a:t>до достижения сбалансированного состояния</a:t>
+            </a:r>
+            <a:endParaRPr lang="en-US" dirty="0"/>
+          </a:p>
+          <a:p>
+            <a:endParaRPr lang="ru-RU" dirty="0" smtClean="0"/>
+          </a:p>
+          <a:p>
+            <a:endParaRPr lang="ru-RU" dirty="0"/>
+          </a:p>
+        </p:txBody>
+      </p:sp>
+    </p:spTree>
+    <p:extLst>
+      <p:ext uri="{BB962C8B-B14F-4D97-AF65-F5344CB8AC3E}">
+        <p14:creationId xmlns:p14="http://schemas.microsoft.com/office/powerpoint/2010/main" val="2356538739"/>
+      </p:ext>
+    </p:extLst>
+  </p:cSld>
+  <p:clrMapOvr>
+    <a:masterClrMapping/>
+  </p:clrMapOvr>
+</p:sld>
+</file>
+
+<file path=ppt/slides/slide37.xml><?xml version="1.0" encoding="utf-8"?>
+<p:sld xmlns:a="http://schemas.openxmlformats.org/drawingml/2006/main" xmlns:r="http://schemas.openxmlformats.org/officeDocument/2006/relationships" xmlns:p="http://schemas.openxmlformats.org/presentationml/2006/main">
+  <p:cSld>
+    <p:spTree>
+      <p:nvGrpSpPr>
+        <p:cNvPr id="1" name=""/>
+        <p:cNvGrpSpPr/>
+        <p:nvPr/>
+      </p:nvGrpSpPr>
+      <p:grpSpPr>
+        <a:xfrm>
+          <a:off x="0" y="0"/>
+          <a:ext cx="0" cy="0"/>
+          <a:chOff x="0" y="0"/>
+          <a:chExt cx="0" cy="0"/>
+        </a:xfrm>
+      </p:grpSpPr>
+      <p:sp>
+        <p:nvSpPr>
+          <p:cNvPr id="2" name="Title 1"/>
+          <p:cNvSpPr>
+            <a:spLocks noGrp="1"/>
+          </p:cNvSpPr>
+          <p:nvPr>
+            <p:ph type="title"/>
+          </p:nvPr>
+        </p:nvSpPr>
+        <p:spPr>
+          <a:xfrm>
+            <a:off x="628650" y="365127"/>
+            <a:ext cx="7886700" cy="594994"/>
+          </a:xfrm>
+        </p:spPr>
+        <p:txBody>
+          <a:bodyPr>
+            <a:normAutofit fontScale="90000"/>
+          </a:bodyPr>
+          <a:lstStyle/>
+          <a:p>
+            <a:pPr algn="ctr"/>
+            <a:r>
               <a:rPr lang="ru-RU" dirty="0" smtClean="0"/>
               <a:t>Модификации </a:t>
             </a:r>
@@ -7793,14 +9004,12 @@
               <a:rPr lang="ru-RU" dirty="0" smtClean="0"/>
               <a:t>Содержит точки и прямоугольники</a:t>
             </a:r>
-            <a:endParaRPr lang="ru-RU" dirty="0" smtClean="0"/>
           </a:p>
           <a:p>
             <a:r>
               <a:rPr lang="en-US" dirty="0" smtClean="0"/>
               <a:t>SS-tree</a:t>
             </a:r>
-            <a:endParaRPr lang="en-US" dirty="0" smtClean="0"/>
           </a:p>
           <a:p>
             <a:pPr lvl="1"/>
@@ -7867,7 +9076,7 @@
         </p:nvSpPr>
         <p:spPr>
           <a:xfrm>
-            <a:off x="628650" y="1131094"/>
+            <a:off x="628650" y="413177"/>
             <a:ext cx="7886700" cy="520541"/>
           </a:xfrm>
         </p:spPr>
@@ -7898,7 +9107,7 @@
         </p:nvSpPr>
         <p:spPr>
           <a:xfrm>
-            <a:off x="628650" y="1805941"/>
+            <a:off x="689107" y="1156037"/>
             <a:ext cx="7886700" cy="3684032"/>
           </a:xfrm>
         </p:spPr>
@@ -8165,7 +9374,7 @@
         </p:blipFill>
         <p:spPr>
           <a:xfrm>
-            <a:off x="4335203" y="4766372"/>
+            <a:off x="4365431" y="4365850"/>
             <a:ext cx="3880219" cy="2035039"/>
           </a:xfrm>
           <a:prstGeom prst="rect">
@@ -8939,32 +10148,71 @@
           </a:p>
           <a:p>
             <a:r>
+              <a:rPr lang="en-US" dirty="0" smtClean="0">
+                <a:latin typeface="Aparajita" panose="020B0604020202020204" pitchFamily="34" charset="0"/>
+                <a:cs typeface="Aparajita" panose="020B0604020202020204" pitchFamily="34" charset="0"/>
+              </a:rPr>
+              <a:t>O(</a:t>
+            </a:r>
+            <a:r>
+              <a:rPr lang="en-US" i="1" dirty="0" smtClean="0">
+                <a:latin typeface="Aparajita" panose="020B0604020202020204" pitchFamily="34" charset="0"/>
+                <a:cs typeface="Aparajita" panose="020B0604020202020204" pitchFamily="34" charset="0"/>
+              </a:rPr>
+              <a:t>|E|</a:t>
+            </a:r>
+            <a:r>
+              <a:rPr lang="en-US" dirty="0" smtClean="0">
+                <a:latin typeface="Aparajita" panose="020B0604020202020204" pitchFamily="34" charset="0"/>
+                <a:cs typeface="Aparajita" panose="020B0604020202020204" pitchFamily="34" charset="0"/>
+              </a:rPr>
+              <a:t>+</a:t>
+            </a:r>
+            <a:r>
+              <a:rPr lang="en-US" i="1" dirty="0" smtClean="0">
+                <a:latin typeface="Aparajita" panose="020B0604020202020204" pitchFamily="34" charset="0"/>
+                <a:cs typeface="Aparajita" panose="020B0604020202020204" pitchFamily="34" charset="0"/>
+              </a:rPr>
+              <a:t>|</a:t>
+            </a:r>
+            <a:r>
+              <a:rPr lang="en-US" i="1" dirty="0" err="1" smtClean="0">
+                <a:latin typeface="Aparajita" panose="020B0604020202020204" pitchFamily="34" charset="0"/>
+                <a:cs typeface="Aparajita" panose="020B0604020202020204" pitchFamily="34" charset="0"/>
+              </a:rPr>
+              <a:t>V|</a:t>
+            </a:r>
+            <a:r>
+              <a:rPr lang="en-US" dirty="0" err="1" smtClean="0">
+                <a:latin typeface="Aparajita" panose="020B0604020202020204" pitchFamily="34" charset="0"/>
+                <a:cs typeface="Aparajita" panose="020B0604020202020204" pitchFamily="34" charset="0"/>
+              </a:rPr>
+              <a:t>log</a:t>
+            </a:r>
+            <a:r>
+              <a:rPr lang="en-US" i="1" dirty="0" err="1" smtClean="0">
+                <a:latin typeface="Aparajita" panose="020B0604020202020204" pitchFamily="34" charset="0"/>
+                <a:cs typeface="Aparajita" panose="020B0604020202020204" pitchFamily="34" charset="0"/>
+              </a:rPr>
+              <a:t>|V</a:t>
+            </a:r>
+            <a:r>
+              <a:rPr lang="en-US" i="1" dirty="0" smtClean="0">
+                <a:latin typeface="Aparajita" panose="020B0604020202020204" pitchFamily="34" charset="0"/>
+                <a:cs typeface="Aparajita" panose="020B0604020202020204" pitchFamily="34" charset="0"/>
+              </a:rPr>
+              <a:t>|</a:t>
+            </a:r>
+            <a:r>
+              <a:rPr lang="en-US" dirty="0" smtClean="0">
+                <a:latin typeface="Aparajita" panose="020B0604020202020204" pitchFamily="34" charset="0"/>
+                <a:cs typeface="Aparajita" panose="020B0604020202020204" pitchFamily="34" charset="0"/>
+              </a:rPr>
+              <a:t>)</a:t>
+            </a:r>
+            <a:r>
               <a:rPr lang="en-US" dirty="0" smtClean="0"/>
-              <a:t>O(</a:t>
-            </a:r>
-            <a:r>
-              <a:rPr lang="en-US" i="1" dirty="0" smtClean="0"/>
-              <a:t>m</a:t>
-            </a:r>
-            <a:r>
-              <a:rPr lang="en-US" dirty="0" smtClean="0"/>
-              <a:t>+</a:t>
-            </a:r>
-            <a:r>
-              <a:rPr lang="en-US" i="1" dirty="0" smtClean="0"/>
-              <a:t>n</a:t>
-            </a:r>
-            <a:r>
-              <a:rPr lang="en-US" dirty="0" smtClean="0"/>
-              <a:t>log</a:t>
-            </a:r>
-            <a:r>
-              <a:rPr lang="en-US" i="1" dirty="0" smtClean="0"/>
-              <a:t>n</a:t>
-            </a:r>
-            <a:r>
-              <a:rPr lang="en-US" dirty="0" smtClean="0"/>
-              <a:t>)  </a:t>
+              <a:t>  </a:t>
             </a:r>
             <a:r>
               <a:rPr lang="ru-RU" dirty="0" smtClean="0"/>
